--- a/Project Presentation Slides.pptx
+++ b/Project Presentation Slides.pptx
@@ -12,8 +12,8 @@
   </p:handoutMasterIdLst>
   <p:sldIdLst>
     <p:sldId id="325" r:id="rId5"/>
-    <p:sldId id="259" r:id="rId6"/>
-    <p:sldId id="326" r:id="rId7"/>
+    <p:sldId id="326" r:id="rId6"/>
+    <p:sldId id="259" r:id="rId7"/>
     <p:sldId id="257" r:id="rId8"/>
     <p:sldId id="261" r:id="rId9"/>
     <p:sldId id="258" r:id="rId10"/>
@@ -9387,136 +9387,6 @@
       </p:grpSpPr>
       <p:sp>
         <p:nvSpPr>
-          <p:cNvPr id="3" name="Subtitle 2">
-            <a:extLst>
-              <a:ext uri="{FF2B5EF4-FFF2-40B4-BE49-F238E27FC236}">
-                <a16:creationId xmlns:a16="http://schemas.microsoft.com/office/drawing/2014/main" id="{72446868-83F0-CEEF-5E60-6D55C93B523F}"/>
-              </a:ext>
-            </a:extLst>
-          </p:cNvPr>
-          <p:cNvSpPr>
-            <a:spLocks noGrp="1"/>
-          </p:cNvSpPr>
-          <p:nvPr>
-            <p:ph type="subTitle" idx="1"/>
-          </p:nvPr>
-        </p:nvSpPr>
-        <p:spPr>
-          <a:xfrm>
-            <a:off x="841248" y="6044184"/>
-            <a:ext cx="10515600" cy="457200"/>
-          </a:xfrm>
-          <a:noFill/>
-        </p:spPr>
-        <p:txBody>
-          <a:bodyPr>
-            <a:normAutofit/>
-          </a:bodyPr>
-          <a:lstStyle/>
-          <a:p>
-            <a:r>
-              <a:rPr lang="en-US" dirty="0"/>
-              <a:t>Aiming to revolutionize industries through our forward-thinking solutions</a:t>
-            </a:r>
-          </a:p>
-        </p:txBody>
-      </p:sp>
-      <p:pic>
-        <p:nvPicPr>
-          <p:cNvPr id="10" name="Picture Placeholder 9" descr="Stethoscope on white background">
-            <a:extLst>
-              <a:ext uri="{FF2B5EF4-FFF2-40B4-BE49-F238E27FC236}">
-                <a16:creationId xmlns:a16="http://schemas.microsoft.com/office/drawing/2014/main" id="{99058E17-80B3-F3F9-AF6A-0518C39D940F}"/>
-              </a:ext>
-            </a:extLst>
-          </p:cNvPr>
-          <p:cNvPicPr>
-            <a:picLocks noGrp="1" noChangeAspect="1"/>
-          </p:cNvPicPr>
-          <p:nvPr>
-            <p:ph type="pic" sz="quarter" idx="13"/>
-          </p:nvPr>
-        </p:nvPicPr>
-        <p:blipFill>
-          <a:blip r:embed="rId2"/>
-          <a:srcRect t="7511" b="63143"/>
-          <a:stretch/>
-        </p:blipFill>
-        <p:spPr>
-          <a:xfrm>
-            <a:off x="3048" y="-173833"/>
-            <a:ext cx="12188952" cy="1911927"/>
-          </a:xfrm>
-        </p:spPr>
-      </p:pic>
-      <p:sp>
-        <p:nvSpPr>
-          <p:cNvPr id="2" name="Title 1">
-            <a:extLst>
-              <a:ext uri="{FF2B5EF4-FFF2-40B4-BE49-F238E27FC236}">
-                <a16:creationId xmlns:a16="http://schemas.microsoft.com/office/drawing/2014/main" id="{954ABE40-AA00-F366-A36A-B3F1AADBF025}"/>
-              </a:ext>
-            </a:extLst>
-          </p:cNvPr>
-          <p:cNvSpPr>
-            <a:spLocks noGrp="1"/>
-          </p:cNvSpPr>
-          <p:nvPr>
-            <p:ph type="ctrTitle"/>
-          </p:nvPr>
-        </p:nvSpPr>
-        <p:spPr>
-          <a:xfrm>
-            <a:off x="841248" y="-237777"/>
-            <a:ext cx="10515600" cy="1564263"/>
-          </a:xfrm>
-          <a:noFill/>
-        </p:spPr>
-        <p:txBody>
-          <a:bodyPr anchor="ctr" anchorCtr="0">
-            <a:noAutofit/>
-          </a:bodyPr>
-          <a:lstStyle/>
-          <a:p>
-            <a:r>
-              <a:rPr lang="en-US" sz="4800" dirty="0"/>
-              <a:t>Objectives</a:t>
-            </a:r>
-          </a:p>
-        </p:txBody>
-      </p:sp>
-    </p:spTree>
-    <p:extLst>
-      <p:ext uri="{BB962C8B-B14F-4D97-AF65-F5344CB8AC3E}">
-        <p14:creationId xmlns:p14="http://schemas.microsoft.com/office/powerpoint/2010/main" val="1008037533"/>
-      </p:ext>
-    </p:extLst>
-  </p:cSld>
-  <p:clrMapOvr>
-    <a:masterClrMapping/>
-  </p:clrMapOvr>
-</p:sld>
-</file>
-
-<file path=ppt/slides/slide3.xml><?xml version="1.0" encoding="utf-8"?>
-<p:sld xmlns:a="http://schemas.openxmlformats.org/drawingml/2006/main" xmlns:r="http://schemas.openxmlformats.org/officeDocument/2006/relationships" xmlns:p="http://schemas.openxmlformats.org/presentationml/2006/main">
-  <p:cSld>
-    <p:spTree>
-      <p:nvGrpSpPr>
-        <p:cNvPr id="1" name=""/>
-        <p:cNvGrpSpPr/>
-        <p:nvPr/>
-      </p:nvGrpSpPr>
-      <p:grpSpPr>
-        <a:xfrm>
-          <a:off x="0" y="0"/>
-          <a:ext cx="0" cy="0"/>
-          <a:chOff x="0" y="0"/>
-          <a:chExt cx="0" cy="0"/>
-        </a:xfrm>
-      </p:grpSpPr>
-      <p:sp>
-        <p:nvSpPr>
           <p:cNvPr id="2" name="Title 1">
             <a:extLst>
               <a:ext uri="{FF2B5EF4-FFF2-40B4-BE49-F238E27FC236}">
@@ -17652,6 +17522,383 @@
                                         </p:cTn>
                                         <p:tgtEl>
                                           <p:spTgt spid="19"/>
+                                        </p:tgtEl>
+                                        <p:attrNameLst>
+                                          <p:attrName>style.visibility</p:attrName>
+                                        </p:attrNameLst>
+                                      </p:cBhvr>
+                                      <p:to>
+                                        <p:strVal val="visible"/>
+                                      </p:to>
+                                    </p:set>
+                                  </p:childTnLst>
+                                </p:cTn>
+                              </p:par>
+                            </p:childTnLst>
+                          </p:cTn>
+                        </p:par>
+                      </p:childTnLst>
+                    </p:cTn>
+                  </p:par>
+                </p:childTnLst>
+              </p:cTn>
+              <p:prevCondLst>
+                <p:cond evt="onPrev" delay="0">
+                  <p:tgtEl>
+                    <p:sldTgt/>
+                  </p:tgtEl>
+                </p:cond>
+              </p:prevCondLst>
+              <p:nextCondLst>
+                <p:cond evt="onNext" delay="0">
+                  <p:tgtEl>
+                    <p:sldTgt/>
+                  </p:tgtEl>
+                </p:cond>
+              </p:nextCondLst>
+            </p:seq>
+          </p:childTnLst>
+        </p:cTn>
+      </p:par>
+    </p:tnLst>
+  </p:timing>
+</p:sld>
+</file>
+
+<file path=ppt/slides/slide3.xml><?xml version="1.0" encoding="utf-8"?>
+<p:sld xmlns:a="http://schemas.openxmlformats.org/drawingml/2006/main" xmlns:r="http://schemas.openxmlformats.org/officeDocument/2006/relationships" xmlns:p="http://schemas.openxmlformats.org/presentationml/2006/main">
+  <p:cSld>
+    <p:spTree>
+      <p:nvGrpSpPr>
+        <p:cNvPr id="1" name=""/>
+        <p:cNvGrpSpPr/>
+        <p:nvPr/>
+      </p:nvGrpSpPr>
+      <p:grpSpPr>
+        <a:xfrm>
+          <a:off x="0" y="0"/>
+          <a:ext cx="0" cy="0"/>
+          <a:chOff x="0" y="0"/>
+          <a:chExt cx="0" cy="0"/>
+        </a:xfrm>
+      </p:grpSpPr>
+      <p:pic>
+        <p:nvPicPr>
+          <p:cNvPr id="10" name="Picture Placeholder 9" descr="Stethoscope on white background">
+            <a:extLst>
+              <a:ext uri="{FF2B5EF4-FFF2-40B4-BE49-F238E27FC236}">
+                <a16:creationId xmlns:a16="http://schemas.microsoft.com/office/drawing/2014/main" id="{99058E17-80B3-F3F9-AF6A-0518C39D940F}"/>
+              </a:ext>
+            </a:extLst>
+          </p:cNvPr>
+          <p:cNvPicPr>
+            <a:picLocks noGrp="1" noChangeAspect="1"/>
+          </p:cNvPicPr>
+          <p:nvPr>
+            <p:ph type="pic" sz="quarter" idx="13"/>
+          </p:nvPr>
+        </p:nvPicPr>
+        <p:blipFill>
+          <a:blip r:embed="rId2"/>
+          <a:srcRect t="7511" b="63143"/>
+          <a:stretch/>
+        </p:blipFill>
+        <p:spPr>
+          <a:xfrm>
+            <a:off x="3048" y="-173833"/>
+            <a:ext cx="12188952" cy="1911927"/>
+          </a:xfrm>
+        </p:spPr>
+      </p:pic>
+      <p:sp>
+        <p:nvSpPr>
+          <p:cNvPr id="2" name="Title 1">
+            <a:extLst>
+              <a:ext uri="{FF2B5EF4-FFF2-40B4-BE49-F238E27FC236}">
+                <a16:creationId xmlns:a16="http://schemas.microsoft.com/office/drawing/2014/main" id="{954ABE40-AA00-F366-A36A-B3F1AADBF025}"/>
+              </a:ext>
+            </a:extLst>
+          </p:cNvPr>
+          <p:cNvSpPr>
+            <a:spLocks noGrp="1"/>
+          </p:cNvSpPr>
+          <p:nvPr>
+            <p:ph type="ctrTitle"/>
+          </p:nvPr>
+        </p:nvSpPr>
+        <p:spPr>
+          <a:xfrm>
+            <a:off x="841248" y="-237777"/>
+            <a:ext cx="10515600" cy="1564263"/>
+          </a:xfrm>
+          <a:noFill/>
+        </p:spPr>
+        <p:txBody>
+          <a:bodyPr anchor="ctr" anchorCtr="0">
+            <a:noAutofit/>
+          </a:bodyPr>
+          <a:lstStyle/>
+          <a:p>
+            <a:r>
+              <a:rPr lang="en-US" sz="4800" dirty="0"/>
+              <a:t>Objectives</a:t>
+            </a:r>
+          </a:p>
+        </p:txBody>
+      </p:sp>
+      <p:sp>
+        <p:nvSpPr>
+          <p:cNvPr id="7" name="TextBox 6">
+            <a:extLst>
+              <a:ext uri="{FF2B5EF4-FFF2-40B4-BE49-F238E27FC236}">
+                <a16:creationId xmlns:a16="http://schemas.microsoft.com/office/drawing/2014/main" id="{1DE850F8-1B2E-F243-510D-F064176ED3FD}"/>
+              </a:ext>
+            </a:extLst>
+          </p:cNvPr>
+          <p:cNvSpPr txBox="1"/>
+          <p:nvPr/>
+        </p:nvSpPr>
+        <p:spPr>
+          <a:xfrm>
+            <a:off x="598943" y="1854379"/>
+            <a:ext cx="10994113" cy="3847207"/>
+          </a:xfrm>
+          <a:prstGeom prst="rect">
+            <a:avLst/>
+          </a:prstGeom>
+          <a:noFill/>
+        </p:spPr>
+        <p:txBody>
+          <a:bodyPr wrap="square" rtlCol="0">
+            <a:spAutoFit/>
+          </a:bodyPr>
+          <a:lstStyle/>
+          <a:p>
+            <a:pPr algn="ctr"/>
+            <a:r>
+              <a:rPr lang="en-US" sz="4800" u="sng" dirty="0"/>
+              <a:t>Two main objectives</a:t>
+            </a:r>
+          </a:p>
+          <a:p>
+            <a:pPr algn="ctr"/>
+            <a:r>
+              <a:rPr lang="en-US" sz="1600" u="sng" dirty="0"/>
+              <a:t> </a:t>
+            </a:r>
+          </a:p>
+          <a:p>
+            <a:pPr marL="742950" indent="-742950">
+              <a:buAutoNum type="arabicPeriod"/>
+            </a:pPr>
+            <a:r>
+              <a:rPr lang="en-US" sz="3600" dirty="0"/>
+              <a:t>Is </a:t>
+            </a:r>
+            <a:r>
+              <a:rPr lang="en-US" sz="3600" b="1" dirty="0"/>
+              <a:t>infection risk</a:t>
+            </a:r>
+            <a:r>
+              <a:rPr lang="en-US" sz="3600" dirty="0"/>
+              <a:t> and related factors associated with a patient’s length of stay after accounting for other variables?</a:t>
+            </a:r>
+          </a:p>
+          <a:p>
+            <a:pPr marL="742950" indent="-742950">
+              <a:buAutoNum type="arabicPeriod"/>
+            </a:pPr>
+            <a:endParaRPr lang="en-US" sz="3600" dirty="0"/>
+          </a:p>
+          <a:p>
+            <a:pPr marL="742950" indent="-742950">
+              <a:buAutoNum type="arabicPeriod"/>
+            </a:pPr>
+            <a:r>
+              <a:rPr lang="en-US" sz="3600" dirty="0"/>
+              <a:t>Fit multiple models to predict future patients’ hospital stays and compare the models to one another.</a:t>
+            </a:r>
+          </a:p>
+        </p:txBody>
+      </p:sp>
+    </p:spTree>
+    <p:extLst>
+      <p:ext uri="{BB962C8B-B14F-4D97-AF65-F5344CB8AC3E}">
+        <p14:creationId xmlns:p14="http://schemas.microsoft.com/office/powerpoint/2010/main" val="1008037533"/>
+      </p:ext>
+    </p:extLst>
+  </p:cSld>
+  <p:clrMapOvr>
+    <a:masterClrMapping/>
+  </p:clrMapOvr>
+  <p:timing>
+    <p:tnLst>
+      <p:par>
+        <p:cTn id="1" dur="indefinite" restart="never" nodeType="tmRoot">
+          <p:childTnLst>
+            <p:seq concurrent="1" nextAc="seek">
+              <p:cTn id="2" dur="indefinite" nodeType="mainSeq">
+                <p:childTnLst>
+                  <p:par>
+                    <p:cTn id="3" fill="hold">
+                      <p:stCondLst>
+                        <p:cond delay="indefinite"/>
+                      </p:stCondLst>
+                      <p:childTnLst>
+                        <p:par>
+                          <p:cTn id="4" fill="hold">
+                            <p:stCondLst>
+                              <p:cond delay="0"/>
+                            </p:stCondLst>
+                            <p:childTnLst>
+                              <p:par>
+                                <p:cTn id="5" presetID="1" presetClass="entr" presetSubtype="0" fill="hold" nodeType="clickEffect">
+                                  <p:stCondLst>
+                                    <p:cond delay="0"/>
+                                  </p:stCondLst>
+                                  <p:childTnLst>
+                                    <p:set>
+                                      <p:cBhvr>
+                                        <p:cTn id="6" dur="1" fill="hold">
+                                          <p:stCondLst>
+                                            <p:cond delay="0"/>
+                                          </p:stCondLst>
+                                        </p:cTn>
+                                        <p:tgtEl>
+                                          <p:spTgt spid="7">
+                                            <p:txEl>
+                                              <p:pRg st="0" end="0"/>
+                                            </p:txEl>
+                                          </p:spTgt>
+                                        </p:tgtEl>
+                                        <p:attrNameLst>
+                                          <p:attrName>style.visibility</p:attrName>
+                                        </p:attrNameLst>
+                                      </p:cBhvr>
+                                      <p:to>
+                                        <p:strVal val="visible"/>
+                                      </p:to>
+                                    </p:set>
+                                  </p:childTnLst>
+                                </p:cTn>
+                              </p:par>
+                              <p:par>
+                                <p:cTn id="7" presetID="1" presetClass="entr" presetSubtype="0" fill="hold" nodeType="withEffect">
+                                  <p:stCondLst>
+                                    <p:cond delay="0"/>
+                                  </p:stCondLst>
+                                  <p:childTnLst>
+                                    <p:set>
+                                      <p:cBhvr>
+                                        <p:cTn id="8" dur="1" fill="hold">
+                                          <p:stCondLst>
+                                            <p:cond delay="0"/>
+                                          </p:stCondLst>
+                                        </p:cTn>
+                                        <p:tgtEl>
+                                          <p:spTgt spid="7">
+                                            <p:txEl>
+                                              <p:pRg st="1" end="1"/>
+                                            </p:txEl>
+                                          </p:spTgt>
+                                        </p:tgtEl>
+                                        <p:attrNameLst>
+                                          <p:attrName>style.visibility</p:attrName>
+                                        </p:attrNameLst>
+                                      </p:cBhvr>
+                                      <p:to>
+                                        <p:strVal val="visible"/>
+                                      </p:to>
+                                    </p:set>
+                                  </p:childTnLst>
+                                </p:cTn>
+                              </p:par>
+                            </p:childTnLst>
+                          </p:cTn>
+                        </p:par>
+                      </p:childTnLst>
+                    </p:cTn>
+                  </p:par>
+                  <p:par>
+                    <p:cTn id="9" fill="hold">
+                      <p:stCondLst>
+                        <p:cond delay="indefinite"/>
+                      </p:stCondLst>
+                      <p:childTnLst>
+                        <p:par>
+                          <p:cTn id="10" fill="hold">
+                            <p:stCondLst>
+                              <p:cond delay="0"/>
+                            </p:stCondLst>
+                            <p:childTnLst>
+                              <p:par>
+                                <p:cTn id="11" presetID="1" presetClass="entr" presetSubtype="0" fill="hold" nodeType="clickEffect">
+                                  <p:stCondLst>
+                                    <p:cond delay="0"/>
+                                  </p:stCondLst>
+                                  <p:childTnLst>
+                                    <p:set>
+                                      <p:cBhvr>
+                                        <p:cTn id="12" dur="1" fill="hold">
+                                          <p:stCondLst>
+                                            <p:cond delay="0"/>
+                                          </p:stCondLst>
+                                        </p:cTn>
+                                        <p:tgtEl>
+                                          <p:spTgt spid="7">
+                                            <p:txEl>
+                                              <p:pRg st="2" end="2"/>
+                                            </p:txEl>
+                                          </p:spTgt>
+                                        </p:tgtEl>
+                                        <p:attrNameLst>
+                                          <p:attrName>style.visibility</p:attrName>
+                                        </p:attrNameLst>
+                                      </p:cBhvr>
+                                      <p:to>
+                                        <p:strVal val="visible"/>
+                                      </p:to>
+                                    </p:set>
+                                  </p:childTnLst>
+                                </p:cTn>
+                              </p:par>
+                            </p:childTnLst>
+                          </p:cTn>
+                        </p:par>
+                      </p:childTnLst>
+                    </p:cTn>
+                  </p:par>
+                  <p:par>
+                    <p:cTn id="13" fill="hold">
+                      <p:stCondLst>
+                        <p:cond delay="indefinite"/>
+                      </p:stCondLst>
+                      <p:childTnLst>
+                        <p:par>
+                          <p:cTn id="14" fill="hold">
+                            <p:stCondLst>
+                              <p:cond delay="0"/>
+                            </p:stCondLst>
+                            <p:childTnLst>
+                              <p:par>
+                                <p:cTn id="15" presetID="1" presetClass="entr" presetSubtype="0" fill="hold" nodeType="clickEffect">
+                                  <p:stCondLst>
+                                    <p:cond delay="0"/>
+                                  </p:stCondLst>
+                                  <p:childTnLst>
+                                    <p:set>
+                                      <p:cBhvr>
+                                        <p:cTn id="16" dur="1" fill="hold">
+                                          <p:stCondLst>
+                                            <p:cond delay="0"/>
+                                          </p:stCondLst>
+                                        </p:cTn>
+                                        <p:tgtEl>
+                                          <p:spTgt spid="7">
+                                            <p:txEl>
+                                              <p:pRg st="4" end="4"/>
+                                            </p:txEl>
+                                          </p:spTgt>
                                         </p:tgtEl>
                                         <p:attrNameLst>
                                           <p:attrName>style.visibility</p:attrName>

--- a/Project Presentation Slides.pptx
+++ b/Project Presentation Slides.pptx
@@ -5,25 +5,24 @@
     <p:sldMasterId id="2147483648" r:id="rId4"/>
   </p:sldMasterIdLst>
   <p:notesMasterIdLst>
-    <p:notesMasterId r:id="rId18"/>
+    <p:notesMasterId r:id="rId17"/>
   </p:notesMasterIdLst>
   <p:handoutMasterIdLst>
-    <p:handoutMasterId r:id="rId19"/>
+    <p:handoutMasterId r:id="rId18"/>
   </p:handoutMasterIdLst>
   <p:sldIdLst>
     <p:sldId id="325" r:id="rId5"/>
     <p:sldId id="326" r:id="rId6"/>
     <p:sldId id="259" r:id="rId7"/>
-    <p:sldId id="257" r:id="rId8"/>
-    <p:sldId id="261" r:id="rId9"/>
-    <p:sldId id="258" r:id="rId10"/>
-    <p:sldId id="263" r:id="rId11"/>
-    <p:sldId id="264" r:id="rId12"/>
-    <p:sldId id="265" r:id="rId13"/>
-    <p:sldId id="268" r:id="rId14"/>
-    <p:sldId id="267" r:id="rId15"/>
-    <p:sldId id="266" r:id="rId16"/>
-    <p:sldId id="340" r:id="rId17"/>
+    <p:sldId id="258" r:id="rId8"/>
+    <p:sldId id="347" r:id="rId9"/>
+    <p:sldId id="345" r:id="rId10"/>
+    <p:sldId id="341" r:id="rId11"/>
+    <p:sldId id="342" r:id="rId12"/>
+    <p:sldId id="343" r:id="rId13"/>
+    <p:sldId id="267" r:id="rId14"/>
+    <p:sldId id="266" r:id="rId15"/>
+    <p:sldId id="340" r:id="rId16"/>
   </p:sldIdLst>
   <p:sldSz cx="12192000" cy="6858000"/>
   <p:notesSz cx="6858000" cy="9144000"/>
@@ -154,2947 +153,6 @@
 <p:cmAuthorLst xmlns:a="http://schemas.openxmlformats.org/drawingml/2006/main" xmlns:r="http://schemas.openxmlformats.org/officeDocument/2006/relationships" xmlns:p="http://schemas.openxmlformats.org/presentationml/2006/main">
   <p:cmAuthor id="3" name="Author" initials="A" lastIdx="0" clrIdx="2"/>
 </p:cmAuthorLst>
-</file>
-
-<file path=ppt/diagrams/colors1.xml><?xml version="1.0" encoding="utf-8"?>
-<dgm:colorsDef xmlns:dgm="http://schemas.openxmlformats.org/drawingml/2006/diagram" xmlns:a="http://schemas.openxmlformats.org/drawingml/2006/main" uniqueId="urn:microsoft.com/office/officeart/2005/8/colors/accent1_1">
-  <dgm:title val=""/>
-  <dgm:desc val=""/>
-  <dgm:catLst>
-    <dgm:cat type="accent1" pri="11100"/>
-  </dgm:catLst>
-  <dgm:styleLbl name="node0">
-    <dgm:fillClrLst meth="repeat">
-      <a:schemeClr val="lt1"/>
-    </dgm:fillClrLst>
-    <dgm:linClrLst meth="repeat">
-      <a:schemeClr val="accent1">
-        <a:shade val="80000"/>
-      </a:schemeClr>
-    </dgm:linClrLst>
-    <dgm:effectClrLst/>
-    <dgm:txLinClrLst/>
-    <dgm:txFillClrLst meth="repeat">
-      <a:schemeClr val="dk1"/>
-    </dgm:txFillClrLst>
-    <dgm:txEffectClrLst/>
-  </dgm:styleLbl>
-  <dgm:styleLbl name="alignNode1">
-    <dgm:fillClrLst meth="repeat">
-      <a:schemeClr val="lt1"/>
-    </dgm:fillClrLst>
-    <dgm:linClrLst meth="repeat">
-      <a:schemeClr val="accent1">
-        <a:shade val="80000"/>
-      </a:schemeClr>
-    </dgm:linClrLst>
-    <dgm:effectClrLst/>
-    <dgm:txLinClrLst/>
-    <dgm:txFillClrLst meth="repeat">
-      <a:schemeClr val="dk1"/>
-    </dgm:txFillClrLst>
-    <dgm:txEffectClrLst/>
-  </dgm:styleLbl>
-  <dgm:styleLbl name="node1">
-    <dgm:fillClrLst meth="repeat">
-      <a:schemeClr val="lt1"/>
-    </dgm:fillClrLst>
-    <dgm:linClrLst meth="repeat">
-      <a:schemeClr val="accent1">
-        <a:shade val="80000"/>
-      </a:schemeClr>
-    </dgm:linClrLst>
-    <dgm:effectClrLst/>
-    <dgm:txLinClrLst/>
-    <dgm:txFillClrLst meth="repeat">
-      <a:schemeClr val="dk1"/>
-    </dgm:txFillClrLst>
-    <dgm:txEffectClrLst/>
-  </dgm:styleLbl>
-  <dgm:styleLbl name="lnNode1">
-    <dgm:fillClrLst meth="repeat">
-      <a:schemeClr val="lt1"/>
-    </dgm:fillClrLst>
-    <dgm:linClrLst meth="repeat">
-      <a:schemeClr val="accent1">
-        <a:shade val="80000"/>
-      </a:schemeClr>
-    </dgm:linClrLst>
-    <dgm:effectClrLst/>
-    <dgm:txLinClrLst/>
-    <dgm:txFillClrLst meth="repeat">
-      <a:schemeClr val="dk1"/>
-    </dgm:txFillClrLst>
-    <dgm:txEffectClrLst/>
-  </dgm:styleLbl>
-  <dgm:styleLbl name="vennNode1">
-    <dgm:fillClrLst meth="repeat">
-      <a:schemeClr val="lt1">
-        <a:alpha val="50000"/>
-      </a:schemeClr>
-    </dgm:fillClrLst>
-    <dgm:linClrLst meth="repeat">
-      <a:schemeClr val="accent1">
-        <a:shade val="80000"/>
-      </a:schemeClr>
-    </dgm:linClrLst>
-    <dgm:effectClrLst/>
-    <dgm:txLinClrLst/>
-    <dgm:txFillClrLst/>
-    <dgm:txEffectClrLst/>
-  </dgm:styleLbl>
-  <dgm:styleLbl name="node2">
-    <dgm:fillClrLst meth="repeat">
-      <a:schemeClr val="lt1"/>
-    </dgm:fillClrLst>
-    <dgm:linClrLst meth="repeat">
-      <a:schemeClr val="accent1">
-        <a:shade val="80000"/>
-      </a:schemeClr>
-    </dgm:linClrLst>
-    <dgm:effectClrLst/>
-    <dgm:txLinClrLst/>
-    <dgm:txFillClrLst meth="repeat">
-      <a:schemeClr val="dk1"/>
-    </dgm:txFillClrLst>
-    <dgm:txEffectClrLst/>
-  </dgm:styleLbl>
-  <dgm:styleLbl name="node3">
-    <dgm:fillClrLst meth="repeat">
-      <a:schemeClr val="lt1"/>
-    </dgm:fillClrLst>
-    <dgm:linClrLst meth="repeat">
-      <a:schemeClr val="accent1">
-        <a:shade val="80000"/>
-      </a:schemeClr>
-    </dgm:linClrLst>
-    <dgm:effectClrLst/>
-    <dgm:txLinClrLst/>
-    <dgm:txFillClrLst meth="repeat">
-      <a:schemeClr val="dk1"/>
-    </dgm:txFillClrLst>
-    <dgm:txEffectClrLst/>
-  </dgm:styleLbl>
-  <dgm:styleLbl name="node4">
-    <dgm:fillClrLst meth="repeat">
-      <a:schemeClr val="lt1"/>
-    </dgm:fillClrLst>
-    <dgm:linClrLst meth="repeat">
-      <a:schemeClr val="accent1">
-        <a:shade val="80000"/>
-      </a:schemeClr>
-    </dgm:linClrLst>
-    <dgm:effectClrLst/>
-    <dgm:txLinClrLst/>
-    <dgm:txFillClrLst meth="repeat">
-      <a:schemeClr val="dk1"/>
-    </dgm:txFillClrLst>
-    <dgm:txEffectClrLst/>
-  </dgm:styleLbl>
-  <dgm:styleLbl name="fgImgPlace1">
-    <dgm:fillClrLst meth="repeat">
-      <a:schemeClr val="accent1">
-        <a:tint val="40000"/>
-      </a:schemeClr>
-    </dgm:fillClrLst>
-    <dgm:linClrLst meth="repeat">
-      <a:schemeClr val="accent1">
-        <a:shade val="80000"/>
-      </a:schemeClr>
-    </dgm:linClrLst>
-    <dgm:effectClrLst/>
-    <dgm:txLinClrLst/>
-    <dgm:txFillClrLst meth="repeat">
-      <a:schemeClr val="lt1"/>
-    </dgm:txFillClrLst>
-    <dgm:txEffectClrLst/>
-  </dgm:styleLbl>
-  <dgm:styleLbl name="alignImgPlace1">
-    <dgm:fillClrLst meth="repeat">
-      <a:schemeClr val="accent1">
-        <a:tint val="40000"/>
-      </a:schemeClr>
-    </dgm:fillClrLst>
-    <dgm:linClrLst meth="repeat">
-      <a:schemeClr val="accent1">
-        <a:shade val="80000"/>
-      </a:schemeClr>
-    </dgm:linClrLst>
-    <dgm:effectClrLst/>
-    <dgm:txLinClrLst/>
-    <dgm:txFillClrLst meth="repeat">
-      <a:schemeClr val="lt1"/>
-    </dgm:txFillClrLst>
-    <dgm:txEffectClrLst/>
-  </dgm:styleLbl>
-  <dgm:styleLbl name="bgImgPlace1">
-    <dgm:fillClrLst meth="repeat">
-      <a:schemeClr val="accent1">
-        <a:tint val="40000"/>
-      </a:schemeClr>
-    </dgm:fillClrLst>
-    <dgm:linClrLst meth="repeat">
-      <a:schemeClr val="accent1">
-        <a:shade val="80000"/>
-      </a:schemeClr>
-    </dgm:linClrLst>
-    <dgm:effectClrLst/>
-    <dgm:txLinClrLst/>
-    <dgm:txFillClrLst meth="repeat">
-      <a:schemeClr val="lt1"/>
-    </dgm:txFillClrLst>
-    <dgm:txEffectClrLst/>
-  </dgm:styleLbl>
-  <dgm:styleLbl name="sibTrans2D1">
-    <dgm:fillClrLst meth="repeat">
-      <a:schemeClr val="accent1">
-        <a:tint val="60000"/>
-      </a:schemeClr>
-    </dgm:fillClrLst>
-    <dgm:linClrLst meth="repeat">
-      <a:schemeClr val="accent1">
-        <a:tint val="60000"/>
-      </a:schemeClr>
-    </dgm:linClrLst>
-    <dgm:effectClrLst/>
-    <dgm:txLinClrLst/>
-    <dgm:txFillClrLst meth="repeat">
-      <a:schemeClr val="dk1"/>
-    </dgm:txFillClrLst>
-    <dgm:txEffectClrLst/>
-  </dgm:styleLbl>
-  <dgm:styleLbl name="fgSibTrans2D1">
-    <dgm:fillClrLst meth="repeat">
-      <a:schemeClr val="accent1">
-        <a:tint val="60000"/>
-      </a:schemeClr>
-    </dgm:fillClrLst>
-    <dgm:linClrLst meth="repeat">
-      <a:schemeClr val="accent1">
-        <a:tint val="60000"/>
-      </a:schemeClr>
-    </dgm:linClrLst>
-    <dgm:effectClrLst/>
-    <dgm:txLinClrLst/>
-    <dgm:txFillClrLst meth="repeat">
-      <a:schemeClr val="dk1"/>
-    </dgm:txFillClrLst>
-    <dgm:txEffectClrLst/>
-  </dgm:styleLbl>
-  <dgm:styleLbl name="bgSibTrans2D1">
-    <dgm:fillClrLst meth="repeat">
-      <a:schemeClr val="accent1">
-        <a:tint val="60000"/>
-      </a:schemeClr>
-    </dgm:fillClrLst>
-    <dgm:linClrLst meth="repeat">
-      <a:schemeClr val="accent1">
-        <a:tint val="60000"/>
-      </a:schemeClr>
-    </dgm:linClrLst>
-    <dgm:effectClrLst/>
-    <dgm:txLinClrLst/>
-    <dgm:txFillClrLst meth="repeat">
-      <a:schemeClr val="dk1"/>
-    </dgm:txFillClrLst>
-    <dgm:txEffectClrLst/>
-  </dgm:styleLbl>
-  <dgm:styleLbl name="sibTrans1D1">
-    <dgm:fillClrLst meth="repeat">
-      <a:schemeClr val="accent1"/>
-    </dgm:fillClrLst>
-    <dgm:linClrLst meth="repeat">
-      <a:schemeClr val="accent1"/>
-    </dgm:linClrLst>
-    <dgm:effectClrLst/>
-    <dgm:txLinClrLst/>
-    <dgm:txFillClrLst meth="repeat">
-      <a:schemeClr val="tx1"/>
-    </dgm:txFillClrLst>
-    <dgm:txEffectClrLst/>
-  </dgm:styleLbl>
-  <dgm:styleLbl name="callout">
-    <dgm:fillClrLst meth="repeat">
-      <a:schemeClr val="accent1"/>
-    </dgm:fillClrLst>
-    <dgm:linClrLst meth="repeat">
-      <a:schemeClr val="accent1"/>
-    </dgm:linClrLst>
-    <dgm:effectClrLst/>
-    <dgm:txLinClrLst/>
-    <dgm:txFillClrLst meth="repeat">
-      <a:schemeClr val="tx1"/>
-    </dgm:txFillClrLst>
-    <dgm:txEffectClrLst/>
-  </dgm:styleLbl>
-  <dgm:styleLbl name="asst0">
-    <dgm:fillClrLst meth="repeat">
-      <a:schemeClr val="lt1"/>
-    </dgm:fillClrLst>
-    <dgm:linClrLst meth="repeat">
-      <a:schemeClr val="accent1">
-        <a:shade val="80000"/>
-      </a:schemeClr>
-    </dgm:linClrLst>
-    <dgm:effectClrLst/>
-    <dgm:txLinClrLst/>
-    <dgm:txFillClrLst meth="repeat">
-      <a:schemeClr val="dk1"/>
-    </dgm:txFillClrLst>
-    <dgm:txEffectClrLst/>
-  </dgm:styleLbl>
-  <dgm:styleLbl name="asst1">
-    <dgm:fillClrLst meth="repeat">
-      <a:schemeClr val="lt1"/>
-    </dgm:fillClrLst>
-    <dgm:linClrLst meth="repeat">
-      <a:schemeClr val="accent1">
-        <a:shade val="80000"/>
-      </a:schemeClr>
-    </dgm:linClrLst>
-    <dgm:effectClrLst/>
-    <dgm:txLinClrLst/>
-    <dgm:txFillClrLst meth="repeat">
-      <a:schemeClr val="dk1"/>
-    </dgm:txFillClrLst>
-    <dgm:txEffectClrLst/>
-  </dgm:styleLbl>
-  <dgm:styleLbl name="asst2">
-    <dgm:fillClrLst meth="repeat">
-      <a:schemeClr val="lt1"/>
-    </dgm:fillClrLst>
-    <dgm:linClrLst meth="repeat">
-      <a:schemeClr val="accent1">
-        <a:shade val="80000"/>
-      </a:schemeClr>
-    </dgm:linClrLst>
-    <dgm:effectClrLst/>
-    <dgm:txLinClrLst/>
-    <dgm:txFillClrLst meth="repeat">
-      <a:schemeClr val="dk1"/>
-    </dgm:txFillClrLst>
-    <dgm:txEffectClrLst/>
-  </dgm:styleLbl>
-  <dgm:styleLbl name="asst3">
-    <dgm:fillClrLst meth="repeat">
-      <a:schemeClr val="lt1"/>
-    </dgm:fillClrLst>
-    <dgm:linClrLst meth="repeat">
-      <a:schemeClr val="accent1">
-        <a:shade val="80000"/>
-      </a:schemeClr>
-    </dgm:linClrLst>
-    <dgm:effectClrLst/>
-    <dgm:txLinClrLst/>
-    <dgm:txFillClrLst meth="repeat">
-      <a:schemeClr val="dk1"/>
-    </dgm:txFillClrLst>
-    <dgm:txEffectClrLst/>
-  </dgm:styleLbl>
-  <dgm:styleLbl name="asst4">
-    <dgm:fillClrLst meth="repeat">
-      <a:schemeClr val="lt1"/>
-    </dgm:fillClrLst>
-    <dgm:linClrLst meth="repeat">
-      <a:schemeClr val="accent1">
-        <a:shade val="80000"/>
-      </a:schemeClr>
-    </dgm:linClrLst>
-    <dgm:effectClrLst/>
-    <dgm:txLinClrLst/>
-    <dgm:txFillClrLst meth="repeat">
-      <a:schemeClr val="dk1"/>
-    </dgm:txFillClrLst>
-    <dgm:txEffectClrLst/>
-  </dgm:styleLbl>
-  <dgm:styleLbl name="parChTrans2D1">
-    <dgm:fillClrLst meth="repeat">
-      <a:schemeClr val="accent1">
-        <a:tint val="60000"/>
-      </a:schemeClr>
-    </dgm:fillClrLst>
-    <dgm:linClrLst meth="repeat">
-      <a:schemeClr val="accent1">
-        <a:tint val="60000"/>
-      </a:schemeClr>
-    </dgm:linClrLst>
-    <dgm:effectClrLst/>
-    <dgm:txLinClrLst/>
-    <dgm:txFillClrLst/>
-    <dgm:txEffectClrLst/>
-  </dgm:styleLbl>
-  <dgm:styleLbl name="parChTrans2D2">
-    <dgm:fillClrLst meth="repeat">
-      <a:schemeClr val="accent1"/>
-    </dgm:fillClrLst>
-    <dgm:linClrLst meth="repeat">
-      <a:schemeClr val="accent1"/>
-    </dgm:linClrLst>
-    <dgm:effectClrLst/>
-    <dgm:txLinClrLst/>
-    <dgm:txFillClrLst/>
-    <dgm:txEffectClrLst/>
-  </dgm:styleLbl>
-  <dgm:styleLbl name="parChTrans2D3">
-    <dgm:fillClrLst meth="repeat">
-      <a:schemeClr val="accent1"/>
-    </dgm:fillClrLst>
-    <dgm:linClrLst meth="repeat">
-      <a:schemeClr val="accent1"/>
-    </dgm:linClrLst>
-    <dgm:effectClrLst/>
-    <dgm:txLinClrLst/>
-    <dgm:txFillClrLst/>
-    <dgm:txEffectClrLst/>
-  </dgm:styleLbl>
-  <dgm:styleLbl name="parChTrans2D4">
-    <dgm:fillClrLst meth="repeat">
-      <a:schemeClr val="accent1"/>
-    </dgm:fillClrLst>
-    <dgm:linClrLst meth="repeat">
-      <a:schemeClr val="accent1"/>
-    </dgm:linClrLst>
-    <dgm:effectClrLst/>
-    <dgm:txLinClrLst/>
-    <dgm:txFillClrLst meth="repeat">
-      <a:schemeClr val="lt1"/>
-    </dgm:txFillClrLst>
-    <dgm:txEffectClrLst/>
-  </dgm:styleLbl>
-  <dgm:styleLbl name="parChTrans1D1">
-    <dgm:fillClrLst meth="repeat">
-      <a:schemeClr val="accent1"/>
-    </dgm:fillClrLst>
-    <dgm:linClrLst meth="repeat">
-      <a:schemeClr val="accent1">
-        <a:shade val="60000"/>
-      </a:schemeClr>
-    </dgm:linClrLst>
-    <dgm:effectClrLst/>
-    <dgm:txLinClrLst/>
-    <dgm:txFillClrLst meth="repeat">
-      <a:schemeClr val="tx1"/>
-    </dgm:txFillClrLst>
-    <dgm:txEffectClrLst/>
-  </dgm:styleLbl>
-  <dgm:styleLbl name="parChTrans1D2">
-    <dgm:fillClrLst meth="repeat">
-      <a:schemeClr val="accent1"/>
-    </dgm:fillClrLst>
-    <dgm:linClrLst meth="repeat">
-      <a:schemeClr val="accent1">
-        <a:shade val="60000"/>
-      </a:schemeClr>
-    </dgm:linClrLst>
-    <dgm:effectClrLst/>
-    <dgm:txLinClrLst/>
-    <dgm:txFillClrLst meth="repeat">
-      <a:schemeClr val="tx1"/>
-    </dgm:txFillClrLst>
-    <dgm:txEffectClrLst/>
-  </dgm:styleLbl>
-  <dgm:styleLbl name="parChTrans1D3">
-    <dgm:fillClrLst meth="repeat">
-      <a:schemeClr val="accent1"/>
-    </dgm:fillClrLst>
-    <dgm:linClrLst meth="repeat">
-      <a:schemeClr val="accent1">
-        <a:shade val="80000"/>
-      </a:schemeClr>
-    </dgm:linClrLst>
-    <dgm:effectClrLst/>
-    <dgm:txLinClrLst/>
-    <dgm:txFillClrLst meth="repeat">
-      <a:schemeClr val="tx1"/>
-    </dgm:txFillClrLst>
-    <dgm:txEffectClrLst/>
-  </dgm:styleLbl>
-  <dgm:styleLbl name="parChTrans1D4">
-    <dgm:fillClrLst meth="repeat">
-      <a:schemeClr val="accent1"/>
-    </dgm:fillClrLst>
-    <dgm:linClrLst meth="repeat">
-      <a:schemeClr val="accent1">
-        <a:shade val="80000"/>
-      </a:schemeClr>
-    </dgm:linClrLst>
-    <dgm:effectClrLst/>
-    <dgm:txLinClrLst/>
-    <dgm:txFillClrLst meth="repeat">
-      <a:schemeClr val="tx1"/>
-    </dgm:txFillClrLst>
-    <dgm:txEffectClrLst/>
-  </dgm:styleLbl>
-  <dgm:styleLbl name="fgAcc1">
-    <dgm:fillClrLst meth="repeat">
-      <a:schemeClr val="accent1">
-        <a:alpha val="90000"/>
-        <a:tint val="40000"/>
-      </a:schemeClr>
-    </dgm:fillClrLst>
-    <dgm:linClrLst meth="repeat">
-      <a:schemeClr val="accent1"/>
-    </dgm:linClrLst>
-    <dgm:effectClrLst/>
-    <dgm:txLinClrLst/>
-    <dgm:txFillClrLst meth="repeat">
-      <a:schemeClr val="dk1"/>
-    </dgm:txFillClrLst>
-    <dgm:txEffectClrLst/>
-  </dgm:styleLbl>
-  <dgm:styleLbl name="conFgAcc1">
-    <dgm:fillClrLst meth="repeat">
-      <a:schemeClr val="accent1">
-        <a:alpha val="90000"/>
-        <a:tint val="40000"/>
-      </a:schemeClr>
-    </dgm:fillClrLst>
-    <dgm:linClrLst meth="repeat">
-      <a:schemeClr val="accent1"/>
-    </dgm:linClrLst>
-    <dgm:effectClrLst/>
-    <dgm:txLinClrLst/>
-    <dgm:txFillClrLst meth="repeat">
-      <a:schemeClr val="dk1"/>
-    </dgm:txFillClrLst>
-    <dgm:txEffectClrLst/>
-  </dgm:styleLbl>
-  <dgm:styleLbl name="alignAcc1">
-    <dgm:fillClrLst meth="repeat">
-      <a:schemeClr val="accent1">
-        <a:alpha val="90000"/>
-        <a:tint val="40000"/>
-      </a:schemeClr>
-    </dgm:fillClrLst>
-    <dgm:linClrLst meth="repeat">
-      <a:schemeClr val="accent1"/>
-    </dgm:linClrLst>
-    <dgm:effectClrLst/>
-    <dgm:txLinClrLst/>
-    <dgm:txFillClrLst meth="repeat">
-      <a:schemeClr val="dk1"/>
-    </dgm:txFillClrLst>
-    <dgm:txEffectClrLst/>
-  </dgm:styleLbl>
-  <dgm:styleLbl name="trAlignAcc1">
-    <dgm:fillClrLst meth="repeat">
-      <a:schemeClr val="accent1">
-        <a:alpha val="40000"/>
-        <a:tint val="40000"/>
-      </a:schemeClr>
-    </dgm:fillClrLst>
-    <dgm:linClrLst meth="repeat">
-      <a:schemeClr val="accent1"/>
-    </dgm:linClrLst>
-    <dgm:effectClrLst/>
-    <dgm:txLinClrLst/>
-    <dgm:txFillClrLst meth="repeat">
-      <a:schemeClr val="dk1"/>
-    </dgm:txFillClrLst>
-    <dgm:txEffectClrLst/>
-  </dgm:styleLbl>
-  <dgm:styleLbl name="bgAcc1">
-    <dgm:fillClrLst meth="repeat">
-      <a:schemeClr val="accent1">
-        <a:alpha val="90000"/>
-        <a:tint val="40000"/>
-      </a:schemeClr>
-    </dgm:fillClrLst>
-    <dgm:linClrLst meth="repeat">
-      <a:schemeClr val="accent1"/>
-    </dgm:linClrLst>
-    <dgm:effectClrLst/>
-    <dgm:txLinClrLst/>
-    <dgm:txFillClrLst meth="repeat">
-      <a:schemeClr val="dk1"/>
-    </dgm:txFillClrLst>
-    <dgm:txEffectClrLst/>
-  </dgm:styleLbl>
-  <dgm:styleLbl name="solidFgAcc1">
-    <dgm:fillClrLst meth="repeat">
-      <a:schemeClr val="lt1"/>
-    </dgm:fillClrLst>
-    <dgm:linClrLst meth="repeat">
-      <a:schemeClr val="accent1"/>
-    </dgm:linClrLst>
-    <dgm:effectClrLst/>
-    <dgm:txLinClrLst/>
-    <dgm:txFillClrLst meth="repeat">
-      <a:schemeClr val="dk1"/>
-    </dgm:txFillClrLst>
-    <dgm:txEffectClrLst/>
-  </dgm:styleLbl>
-  <dgm:styleLbl name="solidAlignAcc1">
-    <dgm:fillClrLst meth="repeat">
-      <a:schemeClr val="lt1"/>
-    </dgm:fillClrLst>
-    <dgm:linClrLst meth="repeat">
-      <a:schemeClr val="accent1"/>
-    </dgm:linClrLst>
-    <dgm:effectClrLst/>
-    <dgm:txLinClrLst/>
-    <dgm:txFillClrLst meth="repeat">
-      <a:schemeClr val="dk1"/>
-    </dgm:txFillClrLst>
-    <dgm:txEffectClrLst/>
-  </dgm:styleLbl>
-  <dgm:styleLbl name="solidBgAcc1">
-    <dgm:fillClrLst meth="repeat">
-      <a:schemeClr val="lt1"/>
-    </dgm:fillClrLst>
-    <dgm:linClrLst meth="repeat">
-      <a:schemeClr val="accent1"/>
-    </dgm:linClrLst>
-    <dgm:effectClrLst/>
-    <dgm:txLinClrLst/>
-    <dgm:txFillClrLst meth="repeat">
-      <a:schemeClr val="dk1"/>
-    </dgm:txFillClrLst>
-    <dgm:txEffectClrLst/>
-  </dgm:styleLbl>
-  <dgm:styleLbl name="fgAccFollowNode1">
-    <dgm:fillClrLst meth="repeat">
-      <a:schemeClr val="lt1">
-        <a:alpha val="90000"/>
-        <a:tint val="40000"/>
-      </a:schemeClr>
-    </dgm:fillClrLst>
-    <dgm:linClrLst meth="repeat">
-      <a:schemeClr val="accent1">
-        <a:alpha val="90000"/>
-      </a:schemeClr>
-    </dgm:linClrLst>
-    <dgm:effectClrLst/>
-    <dgm:txLinClrLst/>
-    <dgm:txFillClrLst meth="repeat">
-      <a:schemeClr val="dk1"/>
-    </dgm:txFillClrLst>
-    <dgm:txEffectClrLst/>
-  </dgm:styleLbl>
-  <dgm:styleLbl name="alignAccFollowNode1">
-    <dgm:fillClrLst meth="repeat">
-      <a:schemeClr val="lt1">
-        <a:alpha val="90000"/>
-        <a:tint val="40000"/>
-      </a:schemeClr>
-    </dgm:fillClrLst>
-    <dgm:linClrLst meth="repeat">
-      <a:schemeClr val="accent1">
-        <a:alpha val="90000"/>
-      </a:schemeClr>
-    </dgm:linClrLst>
-    <dgm:effectClrLst/>
-    <dgm:txLinClrLst/>
-    <dgm:txFillClrLst meth="repeat">
-      <a:schemeClr val="dk1"/>
-    </dgm:txFillClrLst>
-    <dgm:txEffectClrLst/>
-  </dgm:styleLbl>
-  <dgm:styleLbl name="bgAccFollowNode1">
-    <dgm:fillClrLst meth="repeat">
-      <a:schemeClr val="lt1">
-        <a:alpha val="90000"/>
-        <a:tint val="40000"/>
-      </a:schemeClr>
-    </dgm:fillClrLst>
-    <dgm:linClrLst meth="repeat">
-      <a:schemeClr val="accent1">
-        <a:alpha val="90000"/>
-      </a:schemeClr>
-    </dgm:linClrLst>
-    <dgm:effectClrLst/>
-    <dgm:txLinClrLst/>
-    <dgm:txFillClrLst meth="repeat">
-      <a:schemeClr val="dk1"/>
-    </dgm:txFillClrLst>
-    <dgm:txEffectClrLst/>
-  </dgm:styleLbl>
-  <dgm:styleLbl name="fgAcc0">
-    <dgm:fillClrLst meth="repeat">
-      <a:schemeClr val="accent1">
-        <a:alpha val="90000"/>
-        <a:tint val="40000"/>
-      </a:schemeClr>
-    </dgm:fillClrLst>
-    <dgm:linClrLst meth="repeat">
-      <a:schemeClr val="accent1"/>
-    </dgm:linClrLst>
-    <dgm:effectClrLst/>
-    <dgm:txLinClrLst/>
-    <dgm:txFillClrLst meth="repeat">
-      <a:schemeClr val="dk1"/>
-    </dgm:txFillClrLst>
-    <dgm:txEffectClrLst/>
-  </dgm:styleLbl>
-  <dgm:styleLbl name="fgAcc2">
-    <dgm:fillClrLst meth="repeat">
-      <a:schemeClr val="accent1">
-        <a:alpha val="90000"/>
-        <a:tint val="40000"/>
-      </a:schemeClr>
-    </dgm:fillClrLst>
-    <dgm:linClrLst meth="repeat">
-      <a:schemeClr val="accent1"/>
-    </dgm:linClrLst>
-    <dgm:effectClrLst/>
-    <dgm:txLinClrLst/>
-    <dgm:txFillClrLst meth="repeat">
-      <a:schemeClr val="dk1"/>
-    </dgm:txFillClrLst>
-    <dgm:txEffectClrLst/>
-  </dgm:styleLbl>
-  <dgm:styleLbl name="fgAcc3">
-    <dgm:fillClrLst meth="repeat">
-      <a:schemeClr val="accent1">
-        <a:alpha val="90000"/>
-        <a:tint val="40000"/>
-      </a:schemeClr>
-    </dgm:fillClrLst>
-    <dgm:linClrLst meth="repeat">
-      <a:schemeClr val="accent1"/>
-    </dgm:linClrLst>
-    <dgm:effectClrLst/>
-    <dgm:txLinClrLst/>
-    <dgm:txFillClrLst meth="repeat">
-      <a:schemeClr val="dk1"/>
-    </dgm:txFillClrLst>
-    <dgm:txEffectClrLst/>
-  </dgm:styleLbl>
-  <dgm:styleLbl name="fgAcc4">
-    <dgm:fillClrLst meth="repeat">
-      <a:schemeClr val="accent1">
-        <a:alpha val="90000"/>
-        <a:tint val="40000"/>
-      </a:schemeClr>
-    </dgm:fillClrLst>
-    <dgm:linClrLst meth="repeat">
-      <a:schemeClr val="accent1"/>
-    </dgm:linClrLst>
-    <dgm:effectClrLst/>
-    <dgm:txLinClrLst/>
-    <dgm:txFillClrLst meth="repeat">
-      <a:schemeClr val="dk1"/>
-    </dgm:txFillClrLst>
-    <dgm:txEffectClrLst/>
-  </dgm:styleLbl>
-  <dgm:styleLbl name="bgShp">
-    <dgm:fillClrLst meth="repeat">
-      <a:schemeClr val="accent1">
-        <a:tint val="40000"/>
-      </a:schemeClr>
-    </dgm:fillClrLst>
-    <dgm:linClrLst meth="repeat">
-      <a:schemeClr val="accent1"/>
-    </dgm:linClrLst>
-    <dgm:effectClrLst/>
-    <dgm:txLinClrLst/>
-    <dgm:txFillClrLst meth="repeat">
-      <a:schemeClr val="dk1"/>
-    </dgm:txFillClrLst>
-    <dgm:txEffectClrLst/>
-  </dgm:styleLbl>
-  <dgm:styleLbl name="dkBgShp">
-    <dgm:fillClrLst meth="repeat">
-      <a:schemeClr val="accent1">
-        <a:shade val="80000"/>
-      </a:schemeClr>
-    </dgm:fillClrLst>
-    <dgm:linClrLst meth="repeat">
-      <a:schemeClr val="accent1"/>
-    </dgm:linClrLst>
-    <dgm:effectClrLst/>
-    <dgm:txLinClrLst/>
-    <dgm:txFillClrLst meth="repeat">
-      <a:schemeClr val="lt1"/>
-    </dgm:txFillClrLst>
-    <dgm:txEffectClrLst/>
-  </dgm:styleLbl>
-  <dgm:styleLbl name="trBgShp">
-    <dgm:fillClrLst meth="repeat">
-      <a:schemeClr val="accent1">
-        <a:tint val="50000"/>
-        <a:alpha val="40000"/>
-      </a:schemeClr>
-    </dgm:fillClrLst>
-    <dgm:linClrLst meth="repeat">
-      <a:schemeClr val="accent1"/>
-    </dgm:linClrLst>
-    <dgm:effectClrLst/>
-    <dgm:txLinClrLst/>
-    <dgm:txFillClrLst meth="repeat">
-      <a:schemeClr val="lt1"/>
-    </dgm:txFillClrLst>
-    <dgm:txEffectClrLst/>
-  </dgm:styleLbl>
-  <dgm:styleLbl name="fgShp">
-    <dgm:fillClrLst meth="repeat">
-      <a:schemeClr val="accent1">
-        <a:tint val="60000"/>
-      </a:schemeClr>
-    </dgm:fillClrLst>
-    <dgm:linClrLst meth="repeat">
-      <a:schemeClr val="lt1"/>
-    </dgm:linClrLst>
-    <dgm:effectClrLst/>
-    <dgm:txLinClrLst/>
-    <dgm:txFillClrLst meth="repeat">
-      <a:schemeClr val="dk1"/>
-    </dgm:txFillClrLst>
-    <dgm:txEffectClrLst/>
-  </dgm:styleLbl>
-  <dgm:styleLbl name="revTx">
-    <dgm:fillClrLst meth="repeat">
-      <a:schemeClr val="lt1">
-        <a:alpha val="0"/>
-      </a:schemeClr>
-    </dgm:fillClrLst>
-    <dgm:linClrLst meth="repeat">
-      <a:schemeClr val="dk1">
-        <a:alpha val="0"/>
-      </a:schemeClr>
-    </dgm:linClrLst>
-    <dgm:effectClrLst/>
-    <dgm:txLinClrLst/>
-    <dgm:txFillClrLst meth="repeat">
-      <a:schemeClr val="tx1"/>
-    </dgm:txFillClrLst>
-    <dgm:txEffectClrLst/>
-  </dgm:styleLbl>
-</dgm:colorsDef>
-</file>
-
-<file path=ppt/diagrams/data1.xml><?xml version="1.0" encoding="utf-8"?>
-<dgm:dataModel xmlns:dgm="http://schemas.openxmlformats.org/drawingml/2006/diagram" xmlns:a="http://schemas.openxmlformats.org/drawingml/2006/main">
-  <dgm:ptLst>
-    <dgm:pt modelId="{B6A966AA-C2D0-420D-89FC-1A1AB0AD4072}" type="doc">
-      <dgm:prSet loTypeId="urn:microsoft.com/office/officeart/2005/8/layout/hProcess11" loCatId="process" qsTypeId="urn:microsoft.com/office/officeart/2005/8/quickstyle/simple1" qsCatId="simple" csTypeId="urn:microsoft.com/office/officeart/2005/8/colors/accent1_1" csCatId="accent1" phldr="1"/>
-      <dgm:spPr/>
-      <dgm:t>
-        <a:bodyPr/>
-        <a:lstStyle/>
-        <a:p>
-          <a:endParaRPr lang="en-US"/>
-        </a:p>
-      </dgm:t>
-    </dgm:pt>
-    <dgm:pt modelId="{45D50368-372D-4F79-95B9-B27BD239F0F6}">
-      <dgm:prSet phldrT="[Text]" custT="1"/>
-      <dgm:spPr/>
-      <dgm:t>
-        <a:bodyPr/>
-        <a:lstStyle/>
-        <a:p>
-          <a:pPr marL="0" algn="ctr">
-            <a:buNone/>
-          </a:pPr>
-          <a:r>
-            <a:rPr lang="en-US" sz="1800" b="1" dirty="0"/>
-            <a:t>Expand</a:t>
-          </a:r>
-        </a:p>
-      </dgm:t>
-    </dgm:pt>
-    <dgm:pt modelId="{CDE1A78B-2AE4-4A71-9139-416C219BC84D}" type="parTrans" cxnId="{68788A78-9180-41FF-BD09-BF4DBB52EA0D}">
-      <dgm:prSet/>
-      <dgm:spPr/>
-      <dgm:t>
-        <a:bodyPr/>
-        <a:lstStyle/>
-        <a:p>
-          <a:endParaRPr lang="en-US"/>
-        </a:p>
-      </dgm:t>
-    </dgm:pt>
-    <dgm:pt modelId="{508ABF25-4B40-405C-9E88-248ED8B31B83}" type="sibTrans" cxnId="{68788A78-9180-41FF-BD09-BF4DBB52EA0D}">
-      <dgm:prSet/>
-      <dgm:spPr/>
-      <dgm:t>
-        <a:bodyPr/>
-        <a:lstStyle/>
-        <a:p>
-          <a:endParaRPr lang="en-US"/>
-        </a:p>
-      </dgm:t>
-    </dgm:pt>
-    <dgm:pt modelId="{15FCB7DF-D0D3-43D8-8FE5-E5FFDED6264E}">
-      <dgm:prSet phldrT="[Text]" custT="1"/>
-      <dgm:spPr/>
-      <dgm:t>
-        <a:bodyPr/>
-        <a:lstStyle/>
-        <a:p>
-          <a:pPr marL="228600" indent="-228600" algn="ctr">
-            <a:buSzPct val="80000"/>
-            <a:buFont typeface="Courier New" panose="02070309020205020404" pitchFamily="49" charset="0"/>
-            <a:buChar char="o"/>
-          </a:pPr>
-          <a:r>
-            <a:rPr lang="en-US" sz="1800" dirty="0"/>
-            <a:t>Foster collaborative growth</a:t>
-          </a:r>
-        </a:p>
-      </dgm:t>
-    </dgm:pt>
-    <dgm:pt modelId="{5DD5E854-B70B-4927-93DD-9B930567F2D9}" type="parTrans" cxnId="{D8EBBD42-214D-4D3D-9A34-A5A6A40991CD}">
-      <dgm:prSet/>
-      <dgm:spPr/>
-      <dgm:t>
-        <a:bodyPr/>
-        <a:lstStyle/>
-        <a:p>
-          <a:endParaRPr lang="en-US"/>
-        </a:p>
-      </dgm:t>
-    </dgm:pt>
-    <dgm:pt modelId="{DDE76206-3F7F-4788-87BA-8C9D4D26CDB9}" type="sibTrans" cxnId="{D8EBBD42-214D-4D3D-9A34-A5A6A40991CD}">
-      <dgm:prSet/>
-      <dgm:spPr/>
-      <dgm:t>
-        <a:bodyPr/>
-        <a:lstStyle/>
-        <a:p>
-          <a:endParaRPr lang="en-US"/>
-        </a:p>
-      </dgm:t>
-    </dgm:pt>
-    <dgm:pt modelId="{196543C5-093B-4437-B406-DBE4B882EA97}">
-      <dgm:prSet phldrT="[Text]" custT="1"/>
-      <dgm:spPr/>
-      <dgm:t>
-        <a:bodyPr/>
-        <a:lstStyle/>
-        <a:p>
-          <a:pPr marL="0" algn="ctr">
-            <a:buNone/>
-          </a:pPr>
-          <a:r>
-            <a:rPr lang="en-US" sz="1800" b="1" dirty="0"/>
-            <a:t>Enhance</a:t>
-          </a:r>
-        </a:p>
-      </dgm:t>
-    </dgm:pt>
-    <dgm:pt modelId="{41DE1F19-4A9F-48CD-A44E-6BF1D04E31EE}" type="parTrans" cxnId="{52499B9F-797A-43CC-89E1-64C52021BFAF}">
-      <dgm:prSet/>
-      <dgm:spPr/>
-      <dgm:t>
-        <a:bodyPr/>
-        <a:lstStyle/>
-        <a:p>
-          <a:endParaRPr lang="en-US"/>
-        </a:p>
-      </dgm:t>
-    </dgm:pt>
-    <dgm:pt modelId="{F264F018-7FB9-43EC-B595-B986D351AD7B}" type="sibTrans" cxnId="{52499B9F-797A-43CC-89E1-64C52021BFAF}">
-      <dgm:prSet/>
-      <dgm:spPr/>
-      <dgm:t>
-        <a:bodyPr/>
-        <a:lstStyle/>
-        <a:p>
-          <a:endParaRPr lang="en-US"/>
-        </a:p>
-      </dgm:t>
-    </dgm:pt>
-    <dgm:pt modelId="{C485168C-07AD-4DE6-B17E-1E96E93777D7}">
-      <dgm:prSet phldrT="[Text]" custT="1"/>
-      <dgm:spPr/>
-      <dgm:t>
-        <a:bodyPr/>
-        <a:lstStyle/>
-        <a:p>
-          <a:pPr marL="228600" indent="-228600" algn="ctr">
-            <a:buSzPct val="80000"/>
-            <a:buFont typeface="Courier New" panose="02070309020205020404" pitchFamily="49" charset="0"/>
-            <a:buChar char="o"/>
-          </a:pPr>
-          <a:r>
-            <a:rPr lang="en-US" sz="1800" dirty="0"/>
-            <a:t>Ensure a tailored and user-focused experience</a:t>
-          </a:r>
-        </a:p>
-      </dgm:t>
-    </dgm:pt>
-    <dgm:pt modelId="{2EA2CE1F-978B-4B0A-92B2-CA23FBAEB8C0}" type="parTrans" cxnId="{B374803A-F1D8-4C12-8B03-25954CE7DDA9}">
-      <dgm:prSet/>
-      <dgm:spPr/>
-      <dgm:t>
-        <a:bodyPr/>
-        <a:lstStyle/>
-        <a:p>
-          <a:endParaRPr lang="en-US"/>
-        </a:p>
-      </dgm:t>
-    </dgm:pt>
-    <dgm:pt modelId="{05F43B89-7F05-43F2-A0A8-66E0914D6EC4}" type="sibTrans" cxnId="{B374803A-F1D8-4C12-8B03-25954CE7DDA9}">
-      <dgm:prSet/>
-      <dgm:spPr/>
-      <dgm:t>
-        <a:bodyPr/>
-        <a:lstStyle/>
-        <a:p>
-          <a:endParaRPr lang="en-US"/>
-        </a:p>
-      </dgm:t>
-    </dgm:pt>
-    <dgm:pt modelId="{CA2BABAF-EDAA-4496-8316-FD6EA3643E8F}">
-      <dgm:prSet phldrT="[Text]" custT="1"/>
-      <dgm:spPr/>
-      <dgm:t>
-        <a:bodyPr/>
-        <a:lstStyle/>
-        <a:p>
-          <a:pPr marL="0" algn="ctr">
-            <a:buNone/>
-          </a:pPr>
-          <a:r>
-            <a:rPr lang="en-US" sz="1800" b="1" dirty="0"/>
-            <a:t>Explore</a:t>
-          </a:r>
-        </a:p>
-      </dgm:t>
-    </dgm:pt>
-    <dgm:pt modelId="{2B1B4805-2FB7-402F-86A8-587F29181C18}" type="parTrans" cxnId="{4011B082-09BD-4DD1-A54F-EA5AB249A3C2}">
-      <dgm:prSet/>
-      <dgm:spPr/>
-      <dgm:t>
-        <a:bodyPr/>
-        <a:lstStyle/>
-        <a:p>
-          <a:endParaRPr lang="en-US"/>
-        </a:p>
-      </dgm:t>
-    </dgm:pt>
-    <dgm:pt modelId="{4498AB02-A1BF-4D28-8918-F87A89CEE23B}" type="sibTrans" cxnId="{4011B082-09BD-4DD1-A54F-EA5AB249A3C2}">
-      <dgm:prSet/>
-      <dgm:spPr/>
-      <dgm:t>
-        <a:bodyPr/>
-        <a:lstStyle/>
-        <a:p>
-          <a:endParaRPr lang="en-US"/>
-        </a:p>
-      </dgm:t>
-    </dgm:pt>
-    <dgm:pt modelId="{ABC1EDDD-C08B-4F9C-8453-9CEFCC2AF319}">
-      <dgm:prSet phldrT="[Text]" custT="1"/>
-      <dgm:spPr/>
-      <dgm:t>
-        <a:bodyPr/>
-        <a:lstStyle/>
-        <a:p>
-          <a:pPr marL="228600" indent="-228600" algn="ctr">
-            <a:buSzPct val="80000"/>
-            <a:buFont typeface="Courier New" panose="02070309020205020404" pitchFamily="49" charset="0"/>
-            <a:buChar char="o"/>
-          </a:pPr>
-          <a:r>
-            <a:rPr lang="en-US" sz="1800" dirty="0"/>
-            <a:t>Capitalize on emerging global markets</a:t>
-          </a:r>
-        </a:p>
-      </dgm:t>
-    </dgm:pt>
-    <dgm:pt modelId="{33D02404-349E-4E82-A8BA-C0A907006883}" type="parTrans" cxnId="{9C4BE375-6187-4BD4-A343-9FC71D796AF1}">
-      <dgm:prSet/>
-      <dgm:spPr/>
-      <dgm:t>
-        <a:bodyPr/>
-        <a:lstStyle/>
-        <a:p>
-          <a:endParaRPr lang="en-US"/>
-        </a:p>
-      </dgm:t>
-    </dgm:pt>
-    <dgm:pt modelId="{7D85D88C-6545-49D9-9F9D-01270187B165}" type="sibTrans" cxnId="{9C4BE375-6187-4BD4-A343-9FC71D796AF1}">
-      <dgm:prSet/>
-      <dgm:spPr/>
-      <dgm:t>
-        <a:bodyPr/>
-        <a:lstStyle/>
-        <a:p>
-          <a:endParaRPr lang="en-US"/>
-        </a:p>
-      </dgm:t>
-    </dgm:pt>
-    <dgm:pt modelId="{7F7D3F0A-88AE-44AB-92BC-B1AEC7CDD5CE}" type="pres">
-      <dgm:prSet presAssocID="{B6A966AA-C2D0-420D-89FC-1A1AB0AD4072}" presName="Name0" presStyleCnt="0">
-        <dgm:presLayoutVars>
-          <dgm:dir/>
-          <dgm:resizeHandles val="exact"/>
-        </dgm:presLayoutVars>
-      </dgm:prSet>
-      <dgm:spPr/>
-    </dgm:pt>
-    <dgm:pt modelId="{1321859E-820F-42A1-A815-96F9E1091C18}" type="pres">
-      <dgm:prSet presAssocID="{B6A966AA-C2D0-420D-89FC-1A1AB0AD4072}" presName="arrow" presStyleLbl="bgShp" presStyleIdx="0" presStyleCnt="1"/>
-      <dgm:spPr/>
-    </dgm:pt>
-    <dgm:pt modelId="{0C0EFEA6-53DB-4B11-B914-678B897CA613}" type="pres">
-      <dgm:prSet presAssocID="{B6A966AA-C2D0-420D-89FC-1A1AB0AD4072}" presName="points" presStyleCnt="0"/>
-      <dgm:spPr/>
-    </dgm:pt>
-    <dgm:pt modelId="{D1F8120B-2014-4539-8DB2-DF72EA65305F}" type="pres">
-      <dgm:prSet presAssocID="{45D50368-372D-4F79-95B9-B27BD239F0F6}" presName="compositeA" presStyleCnt="0"/>
-      <dgm:spPr/>
-    </dgm:pt>
-    <dgm:pt modelId="{7103C4FE-7A4B-41EF-8814-669D0064B6EF}" type="pres">
-      <dgm:prSet presAssocID="{45D50368-372D-4F79-95B9-B27BD239F0F6}" presName="textA" presStyleLbl="revTx" presStyleIdx="0" presStyleCnt="3" custScaleX="76000">
-        <dgm:presLayoutVars>
-          <dgm:bulletEnabled val="1"/>
-        </dgm:presLayoutVars>
-      </dgm:prSet>
-      <dgm:spPr/>
-    </dgm:pt>
-    <dgm:pt modelId="{69242FCE-B1A3-4CB0-90C2-CB5EC309668C}" type="pres">
-      <dgm:prSet presAssocID="{45D50368-372D-4F79-95B9-B27BD239F0F6}" presName="circleA" presStyleLbl="node1" presStyleIdx="0" presStyleCnt="3"/>
-      <dgm:spPr/>
-    </dgm:pt>
-    <dgm:pt modelId="{301F205F-64EC-4B0E-A2AD-D5977C935AF4}" type="pres">
-      <dgm:prSet presAssocID="{45D50368-372D-4F79-95B9-B27BD239F0F6}" presName="spaceA" presStyleCnt="0"/>
-      <dgm:spPr/>
-    </dgm:pt>
-    <dgm:pt modelId="{B3AB7B4B-B32A-45B9-A77C-F2AACFD79CA5}" type="pres">
-      <dgm:prSet presAssocID="{508ABF25-4B40-405C-9E88-248ED8B31B83}" presName="space" presStyleCnt="0"/>
-      <dgm:spPr/>
-    </dgm:pt>
-    <dgm:pt modelId="{9B80AA7C-AE0D-4517-8F0E-3798D9078ECA}" type="pres">
-      <dgm:prSet presAssocID="{196543C5-093B-4437-B406-DBE4B882EA97}" presName="compositeB" presStyleCnt="0"/>
-      <dgm:spPr/>
-    </dgm:pt>
-    <dgm:pt modelId="{C72ECC98-97C1-4FA6-9751-2F88545F8213}" type="pres">
-      <dgm:prSet presAssocID="{196543C5-093B-4437-B406-DBE4B882EA97}" presName="textB" presStyleLbl="revTx" presStyleIdx="1" presStyleCnt="3">
-        <dgm:presLayoutVars>
-          <dgm:bulletEnabled val="1"/>
-        </dgm:presLayoutVars>
-      </dgm:prSet>
-      <dgm:spPr/>
-    </dgm:pt>
-    <dgm:pt modelId="{8A3CF5DF-2912-4784-8B16-20EF1087B16D}" type="pres">
-      <dgm:prSet presAssocID="{196543C5-093B-4437-B406-DBE4B882EA97}" presName="circleB" presStyleLbl="node1" presStyleIdx="1" presStyleCnt="3"/>
-      <dgm:spPr/>
-    </dgm:pt>
-    <dgm:pt modelId="{AEB44FDA-4D40-47A5-BEE0-4EF9F97BF5D2}" type="pres">
-      <dgm:prSet presAssocID="{196543C5-093B-4437-B406-DBE4B882EA97}" presName="spaceB" presStyleCnt="0"/>
-      <dgm:spPr/>
-    </dgm:pt>
-    <dgm:pt modelId="{66B84C84-45A2-4C61-AA12-3A3F75DB82F8}" type="pres">
-      <dgm:prSet presAssocID="{F264F018-7FB9-43EC-B595-B986D351AD7B}" presName="space" presStyleCnt="0"/>
-      <dgm:spPr/>
-    </dgm:pt>
-    <dgm:pt modelId="{8CEF5A46-4D3D-4D9F-B7F4-405723F5505C}" type="pres">
-      <dgm:prSet presAssocID="{CA2BABAF-EDAA-4496-8316-FD6EA3643E8F}" presName="compositeA" presStyleCnt="0"/>
-      <dgm:spPr/>
-    </dgm:pt>
-    <dgm:pt modelId="{0EA8ECEB-4BEA-4EA4-A72E-9427A4EDF870}" type="pres">
-      <dgm:prSet presAssocID="{CA2BABAF-EDAA-4496-8316-FD6EA3643E8F}" presName="textA" presStyleLbl="revTx" presStyleIdx="2" presStyleCnt="3">
-        <dgm:presLayoutVars>
-          <dgm:bulletEnabled val="1"/>
-        </dgm:presLayoutVars>
-      </dgm:prSet>
-      <dgm:spPr/>
-    </dgm:pt>
-    <dgm:pt modelId="{AE8B9E76-450B-4587-ADD0-D709E0D11B62}" type="pres">
-      <dgm:prSet presAssocID="{CA2BABAF-EDAA-4496-8316-FD6EA3643E8F}" presName="circleA" presStyleLbl="node1" presStyleIdx="2" presStyleCnt="3"/>
-      <dgm:spPr/>
-    </dgm:pt>
-    <dgm:pt modelId="{7E02D670-50CE-4DE9-9D99-A3113C1CA49F}" type="pres">
-      <dgm:prSet presAssocID="{CA2BABAF-EDAA-4496-8316-FD6EA3643E8F}" presName="spaceA" presStyleCnt="0"/>
-      <dgm:spPr/>
-    </dgm:pt>
-  </dgm:ptLst>
-  <dgm:cxnLst>
-    <dgm:cxn modelId="{33FC2F0C-BBBC-49D9-8DB9-87CFB664B234}" type="presOf" srcId="{45D50368-372D-4F79-95B9-B27BD239F0F6}" destId="{7103C4FE-7A4B-41EF-8814-669D0064B6EF}" srcOrd="0" destOrd="0" presId="urn:microsoft.com/office/officeart/2005/8/layout/hProcess11"/>
-    <dgm:cxn modelId="{B374803A-F1D8-4C12-8B03-25954CE7DDA9}" srcId="{196543C5-093B-4437-B406-DBE4B882EA97}" destId="{C485168C-07AD-4DE6-B17E-1E96E93777D7}" srcOrd="0" destOrd="0" parTransId="{2EA2CE1F-978B-4B0A-92B2-CA23FBAEB8C0}" sibTransId="{05F43B89-7F05-43F2-A0A8-66E0914D6EC4}"/>
-    <dgm:cxn modelId="{D8EBBD42-214D-4D3D-9A34-A5A6A40991CD}" srcId="{45D50368-372D-4F79-95B9-B27BD239F0F6}" destId="{15FCB7DF-D0D3-43D8-8FE5-E5FFDED6264E}" srcOrd="0" destOrd="0" parTransId="{5DD5E854-B70B-4927-93DD-9B930567F2D9}" sibTransId="{DDE76206-3F7F-4788-87BA-8C9D4D26CDB9}"/>
-    <dgm:cxn modelId="{8AF7704F-B285-4A9C-BA90-65BEC6653B6C}" type="presOf" srcId="{B6A966AA-C2D0-420D-89FC-1A1AB0AD4072}" destId="{7F7D3F0A-88AE-44AB-92BC-B1AEC7CDD5CE}" srcOrd="0" destOrd="0" presId="urn:microsoft.com/office/officeart/2005/8/layout/hProcess11"/>
-    <dgm:cxn modelId="{B93E1354-FC50-4D0F-81DD-4CEBA5959AFE}" type="presOf" srcId="{CA2BABAF-EDAA-4496-8316-FD6EA3643E8F}" destId="{0EA8ECEB-4BEA-4EA4-A72E-9427A4EDF870}" srcOrd="0" destOrd="0" presId="urn:microsoft.com/office/officeart/2005/8/layout/hProcess11"/>
-    <dgm:cxn modelId="{9C4BE375-6187-4BD4-A343-9FC71D796AF1}" srcId="{CA2BABAF-EDAA-4496-8316-FD6EA3643E8F}" destId="{ABC1EDDD-C08B-4F9C-8453-9CEFCC2AF319}" srcOrd="0" destOrd="0" parTransId="{33D02404-349E-4E82-A8BA-C0A907006883}" sibTransId="{7D85D88C-6545-49D9-9F9D-01270187B165}"/>
-    <dgm:cxn modelId="{68788A78-9180-41FF-BD09-BF4DBB52EA0D}" srcId="{B6A966AA-C2D0-420D-89FC-1A1AB0AD4072}" destId="{45D50368-372D-4F79-95B9-B27BD239F0F6}" srcOrd="0" destOrd="0" parTransId="{CDE1A78B-2AE4-4A71-9139-416C219BC84D}" sibTransId="{508ABF25-4B40-405C-9E88-248ED8B31B83}"/>
-    <dgm:cxn modelId="{4011B082-09BD-4DD1-A54F-EA5AB249A3C2}" srcId="{B6A966AA-C2D0-420D-89FC-1A1AB0AD4072}" destId="{CA2BABAF-EDAA-4496-8316-FD6EA3643E8F}" srcOrd="2" destOrd="0" parTransId="{2B1B4805-2FB7-402F-86A8-587F29181C18}" sibTransId="{4498AB02-A1BF-4D28-8918-F87A89CEE23B}"/>
-    <dgm:cxn modelId="{0CFCA19E-9316-4666-B978-BF8C655DDDAF}" type="presOf" srcId="{196543C5-093B-4437-B406-DBE4B882EA97}" destId="{C72ECC98-97C1-4FA6-9751-2F88545F8213}" srcOrd="0" destOrd="0" presId="urn:microsoft.com/office/officeart/2005/8/layout/hProcess11"/>
-    <dgm:cxn modelId="{52499B9F-797A-43CC-89E1-64C52021BFAF}" srcId="{B6A966AA-C2D0-420D-89FC-1A1AB0AD4072}" destId="{196543C5-093B-4437-B406-DBE4B882EA97}" srcOrd="1" destOrd="0" parTransId="{41DE1F19-4A9F-48CD-A44E-6BF1D04E31EE}" sibTransId="{F264F018-7FB9-43EC-B595-B986D351AD7B}"/>
-    <dgm:cxn modelId="{A780DCA0-97BB-47F1-AE52-A151606F1265}" type="presOf" srcId="{ABC1EDDD-C08B-4F9C-8453-9CEFCC2AF319}" destId="{0EA8ECEB-4BEA-4EA4-A72E-9427A4EDF870}" srcOrd="0" destOrd="1" presId="urn:microsoft.com/office/officeart/2005/8/layout/hProcess11"/>
-    <dgm:cxn modelId="{F12E74E0-3FC7-4399-A4D7-928B7B4EA7A0}" type="presOf" srcId="{15FCB7DF-D0D3-43D8-8FE5-E5FFDED6264E}" destId="{7103C4FE-7A4B-41EF-8814-669D0064B6EF}" srcOrd="0" destOrd="1" presId="urn:microsoft.com/office/officeart/2005/8/layout/hProcess11"/>
-    <dgm:cxn modelId="{60BF31ED-B4A4-412E-B0A4-FCF5721F407F}" type="presOf" srcId="{C485168C-07AD-4DE6-B17E-1E96E93777D7}" destId="{C72ECC98-97C1-4FA6-9751-2F88545F8213}" srcOrd="0" destOrd="1" presId="urn:microsoft.com/office/officeart/2005/8/layout/hProcess11"/>
-    <dgm:cxn modelId="{7849C247-851C-4CEB-9B9D-59ABFE120C8A}" type="presParOf" srcId="{7F7D3F0A-88AE-44AB-92BC-B1AEC7CDD5CE}" destId="{1321859E-820F-42A1-A815-96F9E1091C18}" srcOrd="0" destOrd="0" presId="urn:microsoft.com/office/officeart/2005/8/layout/hProcess11"/>
-    <dgm:cxn modelId="{BF45A60D-96FF-473A-B57F-CF56378654CB}" type="presParOf" srcId="{7F7D3F0A-88AE-44AB-92BC-B1AEC7CDD5CE}" destId="{0C0EFEA6-53DB-4B11-B914-678B897CA613}" srcOrd="1" destOrd="0" presId="urn:microsoft.com/office/officeart/2005/8/layout/hProcess11"/>
-    <dgm:cxn modelId="{373F4474-FD59-4113-8085-E79F58FC39C7}" type="presParOf" srcId="{0C0EFEA6-53DB-4B11-B914-678B897CA613}" destId="{D1F8120B-2014-4539-8DB2-DF72EA65305F}" srcOrd="0" destOrd="0" presId="urn:microsoft.com/office/officeart/2005/8/layout/hProcess11"/>
-    <dgm:cxn modelId="{6CA87CCD-3781-4E2F-A803-26D211F1164A}" type="presParOf" srcId="{D1F8120B-2014-4539-8DB2-DF72EA65305F}" destId="{7103C4FE-7A4B-41EF-8814-669D0064B6EF}" srcOrd="0" destOrd="0" presId="urn:microsoft.com/office/officeart/2005/8/layout/hProcess11"/>
-    <dgm:cxn modelId="{2C783DC9-BCFF-47D6-B9A4-7620E681CE7B}" type="presParOf" srcId="{D1F8120B-2014-4539-8DB2-DF72EA65305F}" destId="{69242FCE-B1A3-4CB0-90C2-CB5EC309668C}" srcOrd="1" destOrd="0" presId="urn:microsoft.com/office/officeart/2005/8/layout/hProcess11"/>
-    <dgm:cxn modelId="{51436E83-D55A-4252-9307-E6DD23BC71B1}" type="presParOf" srcId="{D1F8120B-2014-4539-8DB2-DF72EA65305F}" destId="{301F205F-64EC-4B0E-A2AD-D5977C935AF4}" srcOrd="2" destOrd="0" presId="urn:microsoft.com/office/officeart/2005/8/layout/hProcess11"/>
-    <dgm:cxn modelId="{035DE029-A115-4D1B-B566-7C73919D30BD}" type="presParOf" srcId="{0C0EFEA6-53DB-4B11-B914-678B897CA613}" destId="{B3AB7B4B-B32A-45B9-A77C-F2AACFD79CA5}" srcOrd="1" destOrd="0" presId="urn:microsoft.com/office/officeart/2005/8/layout/hProcess11"/>
-    <dgm:cxn modelId="{C147C24D-FED8-4C5F-A80D-D6D44BF366E1}" type="presParOf" srcId="{0C0EFEA6-53DB-4B11-B914-678B897CA613}" destId="{9B80AA7C-AE0D-4517-8F0E-3798D9078ECA}" srcOrd="2" destOrd="0" presId="urn:microsoft.com/office/officeart/2005/8/layout/hProcess11"/>
-    <dgm:cxn modelId="{53793FBF-21A3-4D92-8C0F-F9CF0CAF6629}" type="presParOf" srcId="{9B80AA7C-AE0D-4517-8F0E-3798D9078ECA}" destId="{C72ECC98-97C1-4FA6-9751-2F88545F8213}" srcOrd="0" destOrd="0" presId="urn:microsoft.com/office/officeart/2005/8/layout/hProcess11"/>
-    <dgm:cxn modelId="{CE6E8620-4AAD-4191-A9D9-F888C053CED8}" type="presParOf" srcId="{9B80AA7C-AE0D-4517-8F0E-3798D9078ECA}" destId="{8A3CF5DF-2912-4784-8B16-20EF1087B16D}" srcOrd="1" destOrd="0" presId="urn:microsoft.com/office/officeart/2005/8/layout/hProcess11"/>
-    <dgm:cxn modelId="{6C95E7EA-2961-4ADE-BA5A-9B67FAC37BCE}" type="presParOf" srcId="{9B80AA7C-AE0D-4517-8F0E-3798D9078ECA}" destId="{AEB44FDA-4D40-47A5-BEE0-4EF9F97BF5D2}" srcOrd="2" destOrd="0" presId="urn:microsoft.com/office/officeart/2005/8/layout/hProcess11"/>
-    <dgm:cxn modelId="{3BC5DF92-4D9B-42AA-A67F-99A3E4840255}" type="presParOf" srcId="{0C0EFEA6-53DB-4B11-B914-678B897CA613}" destId="{66B84C84-45A2-4C61-AA12-3A3F75DB82F8}" srcOrd="3" destOrd="0" presId="urn:microsoft.com/office/officeart/2005/8/layout/hProcess11"/>
-    <dgm:cxn modelId="{FE27A33F-134B-4D24-AC36-DCCCF056641C}" type="presParOf" srcId="{0C0EFEA6-53DB-4B11-B914-678B897CA613}" destId="{8CEF5A46-4D3D-4D9F-B7F4-405723F5505C}" srcOrd="4" destOrd="0" presId="urn:microsoft.com/office/officeart/2005/8/layout/hProcess11"/>
-    <dgm:cxn modelId="{94D75A07-120C-42AF-912B-044BD69E1C67}" type="presParOf" srcId="{8CEF5A46-4D3D-4D9F-B7F4-405723F5505C}" destId="{0EA8ECEB-4BEA-4EA4-A72E-9427A4EDF870}" srcOrd="0" destOrd="0" presId="urn:microsoft.com/office/officeart/2005/8/layout/hProcess11"/>
-    <dgm:cxn modelId="{AF929006-0D84-43C4-AC24-C78F8617B9EC}" type="presParOf" srcId="{8CEF5A46-4D3D-4D9F-B7F4-405723F5505C}" destId="{AE8B9E76-450B-4587-ADD0-D709E0D11B62}" srcOrd="1" destOrd="0" presId="urn:microsoft.com/office/officeart/2005/8/layout/hProcess11"/>
-    <dgm:cxn modelId="{9A93D057-5018-4672-A272-9B3DEF73DECA}" type="presParOf" srcId="{8CEF5A46-4D3D-4D9F-B7F4-405723F5505C}" destId="{7E02D670-50CE-4DE9-9D99-A3113C1CA49F}" srcOrd="2" destOrd="0" presId="urn:microsoft.com/office/officeart/2005/8/layout/hProcess11"/>
-  </dgm:cxnLst>
-  <dgm:bg>
-    <a:noFill/>
-  </dgm:bg>
-  <dgm:whole/>
-  <dgm:extLst>
-    <a:ext uri="http://schemas.microsoft.com/office/drawing/2008/diagram">
-      <dsp:dataModelExt xmlns:dsp="http://schemas.microsoft.com/office/drawing/2008/diagram" relId="rId6" minVer="http://schemas.openxmlformats.org/drawingml/2006/diagram"/>
-    </a:ext>
-  </dgm:extLst>
-</dgm:dataModel>
-</file>
-
-<file path=ppt/diagrams/drawing1.xml><?xml version="1.0" encoding="utf-8"?>
-<dsp:drawing xmlns:dgm="http://schemas.openxmlformats.org/drawingml/2006/diagram" xmlns:dsp="http://schemas.microsoft.com/office/drawing/2008/diagram" xmlns:a="http://schemas.openxmlformats.org/drawingml/2006/main">
-  <dsp:spTree>
-    <dsp:nvGrpSpPr>
-      <dsp:cNvPr id="0" name=""/>
-      <dsp:cNvGrpSpPr/>
-    </dsp:nvGrpSpPr>
-    <dsp:grpSpPr/>
-    <dsp:sp modelId="{1321859E-820F-42A1-A815-96F9E1091C18}">
-      <dsp:nvSpPr>
-        <dsp:cNvPr id="0" name=""/>
-        <dsp:cNvSpPr/>
-      </dsp:nvSpPr>
-      <dsp:spPr>
-        <a:xfrm>
-          <a:off x="0" y="932497"/>
-          <a:ext cx="10077450" cy="1243330"/>
-        </a:xfrm>
-        <a:prstGeom prst="notchedRightArrow">
-          <a:avLst/>
-        </a:prstGeom>
-        <a:solidFill>
-          <a:schemeClr val="accent1">
-            <a:tint val="40000"/>
-            <a:hueOff val="0"/>
-            <a:satOff val="0"/>
-            <a:lumOff val="0"/>
-            <a:alphaOff val="0"/>
-          </a:schemeClr>
-        </a:solidFill>
-        <a:ln>
-          <a:noFill/>
-        </a:ln>
-        <a:effectLst/>
-      </dsp:spPr>
-      <dsp:style>
-        <a:lnRef idx="0">
-          <a:scrgbClr r="0" g="0" b="0"/>
-        </a:lnRef>
-        <a:fillRef idx="1">
-          <a:scrgbClr r="0" g="0" b="0"/>
-        </a:fillRef>
-        <a:effectRef idx="0">
-          <a:scrgbClr r="0" g="0" b="0"/>
-        </a:effectRef>
-        <a:fontRef idx="minor"/>
-      </dsp:style>
-    </dsp:sp>
-    <dsp:sp modelId="{7103C4FE-7A4B-41EF-8814-669D0064B6EF}">
-      <dsp:nvSpPr>
-        <dsp:cNvPr id="0" name=""/>
-        <dsp:cNvSpPr/>
-      </dsp:nvSpPr>
-      <dsp:spPr>
-        <a:xfrm>
-          <a:off x="355171" y="0"/>
-          <a:ext cx="2221369" cy="1243330"/>
-        </a:xfrm>
-        <a:prstGeom prst="rect">
-          <a:avLst/>
-        </a:prstGeom>
-        <a:noFill/>
-        <a:ln>
-          <a:noFill/>
-        </a:ln>
-        <a:effectLst/>
-      </dsp:spPr>
-      <dsp:style>
-        <a:lnRef idx="0">
-          <a:scrgbClr r="0" g="0" b="0"/>
-        </a:lnRef>
-        <a:fillRef idx="0">
-          <a:scrgbClr r="0" g="0" b="0"/>
-        </a:fillRef>
-        <a:effectRef idx="0">
-          <a:scrgbClr r="0" g="0" b="0"/>
-        </a:effectRef>
-        <a:fontRef idx="minor"/>
-      </dsp:style>
-      <dsp:txBody>
-        <a:bodyPr spcFirstLastPara="0" vert="horz" wrap="square" lIns="128016" tIns="128016" rIns="128016" bIns="128016" numCol="1" spcCol="1270" anchor="b" anchorCtr="1">
-          <a:noAutofit/>
-        </a:bodyPr>
-        <a:lstStyle/>
-        <a:p>
-          <a:pPr marL="0" lvl="0" indent="0" algn="ctr" defTabSz="800100">
-            <a:lnSpc>
-              <a:spcPct val="90000"/>
-            </a:lnSpc>
-            <a:spcBef>
-              <a:spcPct val="0"/>
-            </a:spcBef>
-            <a:spcAft>
-              <a:spcPct val="35000"/>
-            </a:spcAft>
-            <a:buNone/>
-          </a:pPr>
-          <a:r>
-            <a:rPr lang="en-US" sz="1800" b="1" kern="1200" dirty="0"/>
-            <a:t>Expand</a:t>
-          </a:r>
-        </a:p>
-        <a:p>
-          <a:pPr marL="228600" lvl="1" indent="-228600" algn="ctr" defTabSz="800100">
-            <a:lnSpc>
-              <a:spcPct val="90000"/>
-            </a:lnSpc>
-            <a:spcBef>
-              <a:spcPct val="0"/>
-            </a:spcBef>
-            <a:spcAft>
-              <a:spcPct val="15000"/>
-            </a:spcAft>
-            <a:buSzPct val="80000"/>
-            <a:buFont typeface="Courier New" panose="02070309020205020404" pitchFamily="49" charset="0"/>
-            <a:buChar char="o"/>
-          </a:pPr>
-          <a:r>
-            <a:rPr lang="en-US" sz="1800" kern="1200" dirty="0"/>
-            <a:t>Foster collaborative growth</a:t>
-          </a:r>
-        </a:p>
-      </dsp:txBody>
-      <dsp:txXfrm>
-        <a:off x="355171" y="0"/>
-        <a:ext cx="2221369" cy="1243330"/>
-      </dsp:txXfrm>
-    </dsp:sp>
-    <dsp:sp modelId="{69242FCE-B1A3-4CB0-90C2-CB5EC309668C}">
-      <dsp:nvSpPr>
-        <dsp:cNvPr id="0" name=""/>
-        <dsp:cNvSpPr/>
-      </dsp:nvSpPr>
-      <dsp:spPr>
-        <a:xfrm>
-          <a:off x="1310439" y="1398746"/>
-          <a:ext cx="310832" cy="310832"/>
-        </a:xfrm>
-        <a:prstGeom prst="ellipse">
-          <a:avLst/>
-        </a:prstGeom>
-        <a:solidFill>
-          <a:schemeClr val="lt1">
-            <a:hueOff val="0"/>
-            <a:satOff val="0"/>
-            <a:lumOff val="0"/>
-            <a:alphaOff val="0"/>
-          </a:schemeClr>
-        </a:solidFill>
-        <a:ln w="12700" cap="flat" cmpd="sng" algn="ctr">
-          <a:solidFill>
-            <a:schemeClr val="accent1">
-              <a:shade val="80000"/>
-              <a:hueOff val="0"/>
-              <a:satOff val="0"/>
-              <a:lumOff val="0"/>
-              <a:alphaOff val="0"/>
-            </a:schemeClr>
-          </a:solidFill>
-          <a:prstDash val="solid"/>
-          <a:miter lim="800000"/>
-        </a:ln>
-        <a:effectLst/>
-      </dsp:spPr>
-      <dsp:style>
-        <a:lnRef idx="2">
-          <a:scrgbClr r="0" g="0" b="0"/>
-        </a:lnRef>
-        <a:fillRef idx="1">
-          <a:scrgbClr r="0" g="0" b="0"/>
-        </a:fillRef>
-        <a:effectRef idx="0">
-          <a:scrgbClr r="0" g="0" b="0"/>
-        </a:effectRef>
-        <a:fontRef idx="minor">
-          <a:schemeClr val="lt1"/>
-        </a:fontRef>
-      </dsp:style>
-    </dsp:sp>
-    <dsp:sp modelId="{C72ECC98-97C1-4FA6-9751-2F88545F8213}">
-      <dsp:nvSpPr>
-        <dsp:cNvPr id="0" name=""/>
-        <dsp:cNvSpPr/>
-      </dsp:nvSpPr>
-      <dsp:spPr>
-        <a:xfrm>
-          <a:off x="3073425" y="1864995"/>
-          <a:ext cx="2922854" cy="1243330"/>
-        </a:xfrm>
-        <a:prstGeom prst="rect">
-          <a:avLst/>
-        </a:prstGeom>
-        <a:noFill/>
-        <a:ln>
-          <a:noFill/>
-        </a:ln>
-        <a:effectLst/>
-      </dsp:spPr>
-      <dsp:style>
-        <a:lnRef idx="0">
-          <a:scrgbClr r="0" g="0" b="0"/>
-        </a:lnRef>
-        <a:fillRef idx="0">
-          <a:scrgbClr r="0" g="0" b="0"/>
-        </a:fillRef>
-        <a:effectRef idx="0">
-          <a:scrgbClr r="0" g="0" b="0"/>
-        </a:effectRef>
-        <a:fontRef idx="minor"/>
-      </dsp:style>
-      <dsp:txBody>
-        <a:bodyPr spcFirstLastPara="0" vert="horz" wrap="square" lIns="128016" tIns="128016" rIns="128016" bIns="128016" numCol="1" spcCol="1270" anchor="t" anchorCtr="1">
-          <a:noAutofit/>
-        </a:bodyPr>
-        <a:lstStyle/>
-        <a:p>
-          <a:pPr marL="0" lvl="0" indent="0" algn="ctr" defTabSz="800100">
-            <a:lnSpc>
-              <a:spcPct val="90000"/>
-            </a:lnSpc>
-            <a:spcBef>
-              <a:spcPct val="0"/>
-            </a:spcBef>
-            <a:spcAft>
-              <a:spcPct val="35000"/>
-            </a:spcAft>
-            <a:buNone/>
-          </a:pPr>
-          <a:r>
-            <a:rPr lang="en-US" sz="1800" b="1" kern="1200" dirty="0"/>
-            <a:t>Enhance</a:t>
-          </a:r>
-        </a:p>
-        <a:p>
-          <a:pPr marL="228600" lvl="1" indent="-228600" algn="ctr" defTabSz="800100">
-            <a:lnSpc>
-              <a:spcPct val="90000"/>
-            </a:lnSpc>
-            <a:spcBef>
-              <a:spcPct val="0"/>
-            </a:spcBef>
-            <a:spcAft>
-              <a:spcPct val="15000"/>
-            </a:spcAft>
-            <a:buSzPct val="80000"/>
-            <a:buFont typeface="Courier New" panose="02070309020205020404" pitchFamily="49" charset="0"/>
-            <a:buChar char="o"/>
-          </a:pPr>
-          <a:r>
-            <a:rPr lang="en-US" sz="1800" kern="1200" dirty="0"/>
-            <a:t>Ensure a tailored and user-focused experience</a:t>
-          </a:r>
-        </a:p>
-      </dsp:txBody>
-      <dsp:txXfrm>
-        <a:off x="3073425" y="1864995"/>
-        <a:ext cx="2922854" cy="1243330"/>
-      </dsp:txXfrm>
-    </dsp:sp>
-    <dsp:sp modelId="{8A3CF5DF-2912-4784-8B16-20EF1087B16D}">
-      <dsp:nvSpPr>
-        <dsp:cNvPr id="0" name=""/>
-        <dsp:cNvSpPr/>
-      </dsp:nvSpPr>
-      <dsp:spPr>
-        <a:xfrm>
-          <a:off x="4379436" y="1398746"/>
-          <a:ext cx="310832" cy="310832"/>
-        </a:xfrm>
-        <a:prstGeom prst="ellipse">
-          <a:avLst/>
-        </a:prstGeom>
-        <a:solidFill>
-          <a:schemeClr val="lt1">
-            <a:hueOff val="0"/>
-            <a:satOff val="0"/>
-            <a:lumOff val="0"/>
-            <a:alphaOff val="0"/>
-          </a:schemeClr>
-        </a:solidFill>
-        <a:ln w="12700" cap="flat" cmpd="sng" algn="ctr">
-          <a:solidFill>
-            <a:schemeClr val="accent1">
-              <a:shade val="80000"/>
-              <a:hueOff val="0"/>
-              <a:satOff val="0"/>
-              <a:lumOff val="0"/>
-              <a:alphaOff val="0"/>
-            </a:schemeClr>
-          </a:solidFill>
-          <a:prstDash val="solid"/>
-          <a:miter lim="800000"/>
-        </a:ln>
-        <a:effectLst/>
-      </dsp:spPr>
-      <dsp:style>
-        <a:lnRef idx="2">
-          <a:scrgbClr r="0" g="0" b="0"/>
-        </a:lnRef>
-        <a:fillRef idx="1">
-          <a:scrgbClr r="0" g="0" b="0"/>
-        </a:fillRef>
-        <a:effectRef idx="0">
-          <a:scrgbClr r="0" g="0" b="0"/>
-        </a:effectRef>
-        <a:fontRef idx="minor">
-          <a:schemeClr val="lt1"/>
-        </a:fontRef>
-      </dsp:style>
-    </dsp:sp>
-    <dsp:sp modelId="{0EA8ECEB-4BEA-4EA4-A72E-9427A4EDF870}">
-      <dsp:nvSpPr>
-        <dsp:cNvPr id="0" name=""/>
-        <dsp:cNvSpPr/>
-      </dsp:nvSpPr>
-      <dsp:spPr>
-        <a:xfrm>
-          <a:off x="6142422" y="0"/>
-          <a:ext cx="2922854" cy="1243330"/>
-        </a:xfrm>
-        <a:prstGeom prst="rect">
-          <a:avLst/>
-        </a:prstGeom>
-        <a:noFill/>
-        <a:ln>
-          <a:noFill/>
-        </a:ln>
-        <a:effectLst/>
-      </dsp:spPr>
-      <dsp:style>
-        <a:lnRef idx="0">
-          <a:scrgbClr r="0" g="0" b="0"/>
-        </a:lnRef>
-        <a:fillRef idx="0">
-          <a:scrgbClr r="0" g="0" b="0"/>
-        </a:fillRef>
-        <a:effectRef idx="0">
-          <a:scrgbClr r="0" g="0" b="0"/>
-        </a:effectRef>
-        <a:fontRef idx="minor"/>
-      </dsp:style>
-      <dsp:txBody>
-        <a:bodyPr spcFirstLastPara="0" vert="horz" wrap="square" lIns="128016" tIns="128016" rIns="128016" bIns="128016" numCol="1" spcCol="1270" anchor="b" anchorCtr="1">
-          <a:noAutofit/>
-        </a:bodyPr>
-        <a:lstStyle/>
-        <a:p>
-          <a:pPr marL="0" lvl="0" indent="0" algn="ctr" defTabSz="800100">
-            <a:lnSpc>
-              <a:spcPct val="90000"/>
-            </a:lnSpc>
-            <a:spcBef>
-              <a:spcPct val="0"/>
-            </a:spcBef>
-            <a:spcAft>
-              <a:spcPct val="35000"/>
-            </a:spcAft>
-            <a:buNone/>
-          </a:pPr>
-          <a:r>
-            <a:rPr lang="en-US" sz="1800" b="1" kern="1200" dirty="0"/>
-            <a:t>Explore</a:t>
-          </a:r>
-        </a:p>
-        <a:p>
-          <a:pPr marL="228600" lvl="1" indent="-228600" algn="ctr" defTabSz="800100">
-            <a:lnSpc>
-              <a:spcPct val="90000"/>
-            </a:lnSpc>
-            <a:spcBef>
-              <a:spcPct val="0"/>
-            </a:spcBef>
-            <a:spcAft>
-              <a:spcPct val="15000"/>
-            </a:spcAft>
-            <a:buSzPct val="80000"/>
-            <a:buFont typeface="Courier New" panose="02070309020205020404" pitchFamily="49" charset="0"/>
-            <a:buChar char="o"/>
-          </a:pPr>
-          <a:r>
-            <a:rPr lang="en-US" sz="1800" kern="1200" dirty="0"/>
-            <a:t>Capitalize on emerging global markets</a:t>
-          </a:r>
-        </a:p>
-      </dsp:txBody>
-      <dsp:txXfrm>
-        <a:off x="6142422" y="0"/>
-        <a:ext cx="2922854" cy="1243330"/>
-      </dsp:txXfrm>
-    </dsp:sp>
-    <dsp:sp modelId="{AE8B9E76-450B-4587-ADD0-D709E0D11B62}">
-      <dsp:nvSpPr>
-        <dsp:cNvPr id="0" name=""/>
-        <dsp:cNvSpPr/>
-      </dsp:nvSpPr>
-      <dsp:spPr>
-        <a:xfrm>
-          <a:off x="7448433" y="1398746"/>
-          <a:ext cx="310832" cy="310832"/>
-        </a:xfrm>
-        <a:prstGeom prst="ellipse">
-          <a:avLst/>
-        </a:prstGeom>
-        <a:solidFill>
-          <a:schemeClr val="lt1">
-            <a:hueOff val="0"/>
-            <a:satOff val="0"/>
-            <a:lumOff val="0"/>
-            <a:alphaOff val="0"/>
-          </a:schemeClr>
-        </a:solidFill>
-        <a:ln w="12700" cap="flat" cmpd="sng" algn="ctr">
-          <a:solidFill>
-            <a:schemeClr val="accent1">
-              <a:shade val="80000"/>
-              <a:hueOff val="0"/>
-              <a:satOff val="0"/>
-              <a:lumOff val="0"/>
-              <a:alphaOff val="0"/>
-            </a:schemeClr>
-          </a:solidFill>
-          <a:prstDash val="solid"/>
-          <a:miter lim="800000"/>
-        </a:ln>
-        <a:effectLst/>
-      </dsp:spPr>
-      <dsp:style>
-        <a:lnRef idx="2">
-          <a:scrgbClr r="0" g="0" b="0"/>
-        </a:lnRef>
-        <a:fillRef idx="1">
-          <a:scrgbClr r="0" g="0" b="0"/>
-        </a:fillRef>
-        <a:effectRef idx="0">
-          <a:scrgbClr r="0" g="0" b="0"/>
-        </a:effectRef>
-        <a:fontRef idx="minor">
-          <a:schemeClr val="lt1"/>
-        </a:fontRef>
-      </dsp:style>
-    </dsp:sp>
-  </dsp:spTree>
-</dsp:drawing>
-</file>
-
-<file path=ppt/diagrams/layout1.xml><?xml version="1.0" encoding="utf-8"?>
-<dgm:layoutDef xmlns:dgm="http://schemas.openxmlformats.org/drawingml/2006/diagram" xmlns:a="http://schemas.openxmlformats.org/drawingml/2006/main" uniqueId="urn:microsoft.com/office/officeart/2005/8/layout/hProcess11">
-  <dgm:title val=""/>
-  <dgm:desc val=""/>
-  <dgm:catLst>
-    <dgm:cat type="process" pri="8000"/>
-    <dgm:cat type="convert" pri="14000"/>
-  </dgm:catLst>
-  <dgm:sampData useDef="1">
-    <dgm:dataModel>
-      <dgm:ptLst/>
-      <dgm:bg/>
-      <dgm:whole/>
-    </dgm:dataModel>
-  </dgm:sampData>
-  <dgm:styleData>
-    <dgm:dataModel>
-      <dgm:ptLst>
-        <dgm:pt modelId="0" type="doc"/>
-        <dgm:pt modelId="1"/>
-        <dgm:pt modelId="2"/>
-      </dgm:ptLst>
-      <dgm:cxnLst>
-        <dgm:cxn modelId="4" srcId="0" destId="1" srcOrd="0" destOrd="0"/>
-        <dgm:cxn modelId="5" srcId="0" destId="2" srcOrd="1" destOrd="0"/>
-      </dgm:cxnLst>
-      <dgm:bg/>
-      <dgm:whole/>
-    </dgm:dataModel>
-  </dgm:styleData>
-  <dgm:clrData>
-    <dgm:dataModel>
-      <dgm:ptLst>
-        <dgm:pt modelId="0" type="doc"/>
-        <dgm:pt modelId="1"/>
-        <dgm:pt modelId="2"/>
-        <dgm:pt modelId="3"/>
-        <dgm:pt modelId="4"/>
-      </dgm:ptLst>
-      <dgm:cxnLst>
-        <dgm:cxn modelId="5" srcId="0" destId="1" srcOrd="0" destOrd="0"/>
-        <dgm:cxn modelId="6" srcId="0" destId="2" srcOrd="1" destOrd="0"/>
-        <dgm:cxn modelId="7" srcId="0" destId="3" srcOrd="2" destOrd="0"/>
-        <dgm:cxn modelId="8" srcId="0" destId="4" srcOrd="3" destOrd="0"/>
-      </dgm:cxnLst>
-      <dgm:bg/>
-      <dgm:whole/>
-    </dgm:dataModel>
-  </dgm:clrData>
-  <dgm:layoutNode name="Name0">
-    <dgm:varLst>
-      <dgm:dir/>
-      <dgm:resizeHandles val="exact"/>
-    </dgm:varLst>
-    <dgm:alg type="composite"/>
-    <dgm:shape xmlns:r="http://schemas.openxmlformats.org/officeDocument/2006/relationships" r:blip="">
-      <dgm:adjLst/>
-    </dgm:shape>
-    <dgm:presOf/>
-    <dgm:choose name="Name1">
-      <dgm:if name="Name2" func="var" arg="dir" op="equ" val="norm">
-        <dgm:constrLst>
-          <dgm:constr type="w" for="ch" forName="arrow" refType="w"/>
-          <dgm:constr type="h" for="ch" forName="arrow" refType="h" fact="0.4"/>
-          <dgm:constr type="ctrY" for="ch" forName="arrow" refType="h" fact="0.5"/>
-          <dgm:constr type="l" for="ch" forName="arrow"/>
-          <dgm:constr type="w" for="ch" forName="points" refType="w" fact="0.9"/>
-          <dgm:constr type="h" for="ch" forName="points" refType="h"/>
-          <dgm:constr type="t" for="ch" forName="points"/>
-          <dgm:constr type="l" for="ch" forName="points"/>
-        </dgm:constrLst>
-      </dgm:if>
-      <dgm:else name="Name3">
-        <dgm:constrLst>
-          <dgm:constr type="w" for="ch" forName="arrow" refType="w"/>
-          <dgm:constr type="h" for="ch" forName="arrow" refType="h" fact="0.4"/>
-          <dgm:constr type="ctrY" for="ch" forName="arrow" refType="h" fact="0.5"/>
-          <dgm:constr type="r" for="ch" forName="arrow" refType="w"/>
-          <dgm:constr type="w" for="ch" forName="points" refType="w" fact="0.9"/>
-          <dgm:constr type="h" for="ch" forName="points" refType="h"/>
-          <dgm:constr type="t" for="ch" forName="points"/>
-          <dgm:constr type="r" for="ch" forName="points" refType="w"/>
-        </dgm:constrLst>
-      </dgm:else>
-    </dgm:choose>
-    <dgm:ruleLst/>
-    <dgm:layoutNode name="arrow" styleLbl="bgShp">
-      <dgm:alg type="sp"/>
-      <dgm:choose name="Name4">
-        <dgm:if name="Name5" func="var" arg="dir" op="equ" val="norm">
-          <dgm:shape xmlns:r="http://schemas.openxmlformats.org/officeDocument/2006/relationships" type="notchedRightArrow" r:blip="">
-            <dgm:adjLst/>
-          </dgm:shape>
-        </dgm:if>
-        <dgm:else name="Name6">
-          <dgm:shape xmlns:r="http://schemas.openxmlformats.org/officeDocument/2006/relationships" rot="180" type="notchedRightArrow" r:blip="">
-            <dgm:adjLst/>
-          </dgm:shape>
-        </dgm:else>
-      </dgm:choose>
-      <dgm:presOf/>
-      <dgm:constrLst/>
-      <dgm:ruleLst/>
-    </dgm:layoutNode>
-    <dgm:layoutNode name="points">
-      <dgm:choose name="Name7">
-        <dgm:if name="Name8" func="var" arg="dir" op="equ" val="norm">
-          <dgm:alg type="lin">
-            <dgm:param type="linDir" val="fromL"/>
-          </dgm:alg>
-        </dgm:if>
-        <dgm:else name="Name9">
-          <dgm:alg type="lin">
-            <dgm:param type="linDir" val="fromR"/>
-          </dgm:alg>
-        </dgm:else>
-      </dgm:choose>
-      <dgm:shape xmlns:r="http://schemas.openxmlformats.org/officeDocument/2006/relationships" r:blip="">
-        <dgm:adjLst/>
-      </dgm:shape>
-      <dgm:presOf/>
-      <dgm:constrLst>
-        <dgm:constr type="w" for="ch" forName="compositeA" refType="w"/>
-        <dgm:constr type="h" for="ch" forName="compositeA" refType="h"/>
-        <dgm:constr type="w" for="ch" forName="compositeB" refType="w" refFor="ch" refForName="compositeA" op="equ"/>
-        <dgm:constr type="h" for="ch" forName="compositeB" refType="h" refFor="ch" refForName="compositeA" op="equ"/>
-        <dgm:constr type="primFontSz" for="des" ptType="node" op="equ" val="65"/>
-        <dgm:constr type="w" for="ch" forName="space" refType="w" refFor="ch" refForName="compositeA" op="equ" fact="0.05"/>
-      </dgm:constrLst>
-      <dgm:ruleLst/>
-      <dgm:forEach name="Name10" axis="ch" ptType="node">
-        <dgm:choose name="Name11">
-          <dgm:if name="Name12" axis="self" ptType="node" func="posOdd" op="equ" val="1">
-            <dgm:layoutNode name="compositeA">
-              <dgm:alg type="composite"/>
-              <dgm:shape xmlns:r="http://schemas.openxmlformats.org/officeDocument/2006/relationships" r:blip="">
-                <dgm:adjLst/>
-              </dgm:shape>
-              <dgm:presOf/>
-              <dgm:constrLst>
-                <dgm:constr type="w" for="ch" forName="textA" refType="w"/>
-                <dgm:constr type="h" for="ch" forName="textA" refType="h" fact="0.4"/>
-                <dgm:constr type="t" for="ch" forName="textA"/>
-                <dgm:constr type="l" for="ch" forName="textA"/>
-                <dgm:constr type="h" for="ch" forName="circleA" refType="h" fact="0.1"/>
-                <dgm:constr type="h" for="ch" forName="circleA" refType="w" op="lte"/>
-                <dgm:constr type="w" for="ch" forName="circleA" refType="h" refFor="ch" refForName="circleA" op="equ"/>
-                <dgm:constr type="ctrY" for="ch" forName="circleA" refType="h" fact="0.5"/>
-                <dgm:constr type="ctrX" for="ch" forName="circleA" refType="w" refFor="ch" refForName="textA" fact="0.5"/>
-                <dgm:constr type="w" for="ch" forName="spaceA" refType="w"/>
-                <dgm:constr type="h" for="ch" forName="spaceA" refType="h" fact="0.4"/>
-                <dgm:constr type="b" for="ch" forName="spaceA" refType="h"/>
-                <dgm:constr type="l" for="ch" forName="spaceA"/>
-              </dgm:constrLst>
-              <dgm:ruleLst/>
-              <dgm:layoutNode name="textA" styleLbl="revTx">
-                <dgm:varLst>
-                  <dgm:bulletEnabled val="1"/>
-                </dgm:varLst>
-                <dgm:alg type="tx">
-                  <dgm:param type="txAnchorVert" val="b"/>
-                  <dgm:param type="txAnchorVertCh" val="b"/>
-                  <dgm:param type="txAnchorHorzCh" val="ctr"/>
-                </dgm:alg>
-                <dgm:shape xmlns:r="http://schemas.openxmlformats.org/officeDocument/2006/relationships" type="rect" r:blip="">
-                  <dgm:adjLst/>
-                </dgm:shape>
-                <dgm:presOf axis="desOrSelf" ptType="node"/>
-                <dgm:constrLst/>
-                <dgm:ruleLst>
-                  <dgm:rule type="primFontSz" val="5" fact="NaN" max="NaN"/>
-                </dgm:ruleLst>
-              </dgm:layoutNode>
-              <dgm:layoutNode name="circleA">
-                <dgm:alg type="sp"/>
-                <dgm:shape xmlns:r="http://schemas.openxmlformats.org/officeDocument/2006/relationships" type="ellipse" r:blip="">
-                  <dgm:adjLst/>
-                </dgm:shape>
-                <dgm:presOf/>
-                <dgm:constrLst/>
-                <dgm:ruleLst/>
-              </dgm:layoutNode>
-              <dgm:layoutNode name="spaceA">
-                <dgm:alg type="sp"/>
-                <dgm:shape xmlns:r="http://schemas.openxmlformats.org/officeDocument/2006/relationships" r:blip="">
-                  <dgm:adjLst/>
-                </dgm:shape>
-                <dgm:presOf/>
-                <dgm:constrLst/>
-                <dgm:ruleLst/>
-              </dgm:layoutNode>
-            </dgm:layoutNode>
-          </dgm:if>
-          <dgm:else name="Name13">
-            <dgm:layoutNode name="compositeB">
-              <dgm:alg type="composite"/>
-              <dgm:shape xmlns:r="http://schemas.openxmlformats.org/officeDocument/2006/relationships" r:blip="">
-                <dgm:adjLst/>
-              </dgm:shape>
-              <dgm:presOf/>
-              <dgm:constrLst>
-                <dgm:constr type="w" for="ch" forName="textB" refType="w"/>
-                <dgm:constr type="h" for="ch" forName="textB" refType="h" fact="0.4"/>
-                <dgm:constr type="b" for="ch" forName="textB" refType="h"/>
-                <dgm:constr type="l" for="ch" forName="textB"/>
-                <dgm:constr type="h" for="ch" forName="circleB" refType="h" fact="0.1"/>
-                <dgm:constr type="w" for="ch" forName="circleB" refType="h" refFor="ch" refForName="circleB" op="equ"/>
-                <dgm:constr type="h" for="ch" forName="circleB" refType="w" op="lte"/>
-                <dgm:constr type="ctrY" for="ch" forName="circleB" refType="h" fact="0.5"/>
-                <dgm:constr type="ctrX" for="ch" forName="circleB" refType="w" refFor="ch" refForName="textB" fact="0.5"/>
-                <dgm:constr type="w" for="ch" forName="spaceB" refType="w"/>
-                <dgm:constr type="h" for="ch" forName="spaceB" refType="h" fact="0.4"/>
-                <dgm:constr type="t" for="ch" forName="spaceB"/>
-                <dgm:constr type="l" for="ch" forName="spaceB"/>
-              </dgm:constrLst>
-              <dgm:ruleLst/>
-              <dgm:layoutNode name="textB" styleLbl="revTx">
-                <dgm:varLst>
-                  <dgm:bulletEnabled val="1"/>
-                </dgm:varLst>
-                <dgm:alg type="tx">
-                  <dgm:param type="txAnchorVert" val="t"/>
-                  <dgm:param type="txAnchorVertCh" val="t"/>
-                  <dgm:param type="txAnchorHorzCh" val="ctr"/>
-                </dgm:alg>
-                <dgm:shape xmlns:r="http://schemas.openxmlformats.org/officeDocument/2006/relationships" type="rect" r:blip="">
-                  <dgm:adjLst/>
-                </dgm:shape>
-                <dgm:presOf axis="desOrSelf" ptType="node"/>
-                <dgm:constrLst/>
-                <dgm:ruleLst>
-                  <dgm:rule type="primFontSz" val="5" fact="NaN" max="NaN"/>
-                </dgm:ruleLst>
-              </dgm:layoutNode>
-              <dgm:layoutNode name="circleB">
-                <dgm:alg type="sp"/>
-                <dgm:shape xmlns:r="http://schemas.openxmlformats.org/officeDocument/2006/relationships" type="ellipse" r:blip="">
-                  <dgm:adjLst/>
-                </dgm:shape>
-                <dgm:presOf/>
-                <dgm:constrLst/>
-                <dgm:ruleLst/>
-              </dgm:layoutNode>
-              <dgm:layoutNode name="spaceB">
-                <dgm:alg type="sp"/>
-                <dgm:shape xmlns:r="http://schemas.openxmlformats.org/officeDocument/2006/relationships" r:blip="">
-                  <dgm:adjLst/>
-                </dgm:shape>
-                <dgm:presOf/>
-                <dgm:constrLst/>
-                <dgm:ruleLst/>
-              </dgm:layoutNode>
-            </dgm:layoutNode>
-          </dgm:else>
-        </dgm:choose>
-        <dgm:forEach name="Name14" axis="followSib" ptType="sibTrans" cnt="1">
-          <dgm:layoutNode name="space">
-            <dgm:alg type="sp"/>
-            <dgm:shape xmlns:r="http://schemas.openxmlformats.org/officeDocument/2006/relationships" r:blip="">
-              <dgm:adjLst/>
-            </dgm:shape>
-            <dgm:presOf/>
-            <dgm:constrLst/>
-            <dgm:ruleLst/>
-          </dgm:layoutNode>
-        </dgm:forEach>
-      </dgm:forEach>
-    </dgm:layoutNode>
-  </dgm:layoutNode>
-</dgm:layoutDef>
-</file>
-
-<file path=ppt/diagrams/quickStyle1.xml><?xml version="1.0" encoding="utf-8"?>
-<dgm:styleDef xmlns:dgm="http://schemas.openxmlformats.org/drawingml/2006/diagram" xmlns:a="http://schemas.openxmlformats.org/drawingml/2006/main" uniqueId="urn:microsoft.com/office/officeart/2005/8/quickstyle/simple1">
-  <dgm:title val=""/>
-  <dgm:desc val=""/>
-  <dgm:catLst>
-    <dgm:cat type="simple" pri="10100"/>
-  </dgm:catLst>
-  <dgm:scene3d>
-    <a:camera prst="orthographicFront"/>
-    <a:lightRig rig="threePt" dir="t"/>
-  </dgm:scene3d>
-  <dgm:styleLbl name="node0">
-    <dgm:scene3d>
-      <a:camera prst="orthographicFront"/>
-      <a:lightRig rig="threePt" dir="t"/>
-    </dgm:scene3d>
-    <dgm:sp3d/>
-    <dgm:txPr/>
-    <dgm:style>
-      <a:lnRef idx="2">
-        <a:scrgbClr r="0" g="0" b="0"/>
-      </a:lnRef>
-      <a:fillRef idx="1">
-        <a:scrgbClr r="0" g="0" b="0"/>
-      </a:fillRef>
-      <a:effectRef idx="0">
-        <a:scrgbClr r="0" g="0" b="0"/>
-      </a:effectRef>
-      <a:fontRef idx="minor">
-        <a:schemeClr val="lt1"/>
-      </a:fontRef>
-    </dgm:style>
-  </dgm:styleLbl>
-  <dgm:styleLbl name="lnNode1">
-    <dgm:scene3d>
-      <a:camera prst="orthographicFront"/>
-      <a:lightRig rig="threePt" dir="t"/>
-    </dgm:scene3d>
-    <dgm:sp3d/>
-    <dgm:txPr/>
-    <dgm:style>
-      <a:lnRef idx="2">
-        <a:scrgbClr r="0" g="0" b="0"/>
-      </a:lnRef>
-      <a:fillRef idx="1">
-        <a:scrgbClr r="0" g="0" b="0"/>
-      </a:fillRef>
-      <a:effectRef idx="0">
-        <a:scrgbClr r="0" g="0" b="0"/>
-      </a:effectRef>
-      <a:fontRef idx="minor">
-        <a:schemeClr val="lt1"/>
-      </a:fontRef>
-    </dgm:style>
-  </dgm:styleLbl>
-  <dgm:styleLbl name="vennNode1">
-    <dgm:scene3d>
-      <a:camera prst="orthographicFront"/>
-      <a:lightRig rig="threePt" dir="t"/>
-    </dgm:scene3d>
-    <dgm:sp3d/>
-    <dgm:txPr/>
-    <dgm:style>
-      <a:lnRef idx="2">
-        <a:scrgbClr r="0" g="0" b="0"/>
-      </a:lnRef>
-      <a:fillRef idx="1">
-        <a:scrgbClr r="0" g="0" b="0"/>
-      </a:fillRef>
-      <a:effectRef idx="0">
-        <a:scrgbClr r="0" g="0" b="0"/>
-      </a:effectRef>
-      <a:fontRef idx="minor">
-        <a:schemeClr val="tx1"/>
-      </a:fontRef>
-    </dgm:style>
-  </dgm:styleLbl>
-  <dgm:styleLbl name="alignNode1">
-    <dgm:scene3d>
-      <a:camera prst="orthographicFront"/>
-      <a:lightRig rig="threePt" dir="t"/>
-    </dgm:scene3d>
-    <dgm:sp3d/>
-    <dgm:txPr/>
-    <dgm:style>
-      <a:lnRef idx="2">
-        <a:scrgbClr r="0" g="0" b="0"/>
-      </a:lnRef>
-      <a:fillRef idx="1">
-        <a:scrgbClr r="0" g="0" b="0"/>
-      </a:fillRef>
-      <a:effectRef idx="0">
-        <a:scrgbClr r="0" g="0" b="0"/>
-      </a:effectRef>
-      <a:fontRef idx="minor">
-        <a:schemeClr val="lt1"/>
-      </a:fontRef>
-    </dgm:style>
-  </dgm:styleLbl>
-  <dgm:styleLbl name="node1">
-    <dgm:scene3d>
-      <a:camera prst="orthographicFront"/>
-      <a:lightRig rig="threePt" dir="t"/>
-    </dgm:scene3d>
-    <dgm:sp3d/>
-    <dgm:txPr/>
-    <dgm:style>
-      <a:lnRef idx="2">
-        <a:scrgbClr r="0" g="0" b="0"/>
-      </a:lnRef>
-      <a:fillRef idx="1">
-        <a:scrgbClr r="0" g="0" b="0"/>
-      </a:fillRef>
-      <a:effectRef idx="0">
-        <a:scrgbClr r="0" g="0" b="0"/>
-      </a:effectRef>
-      <a:fontRef idx="minor">
-        <a:schemeClr val="lt1"/>
-      </a:fontRef>
-    </dgm:style>
-  </dgm:styleLbl>
-  <dgm:styleLbl name="node2">
-    <dgm:scene3d>
-      <a:camera prst="orthographicFront"/>
-      <a:lightRig rig="threePt" dir="t"/>
-    </dgm:scene3d>
-    <dgm:sp3d/>
-    <dgm:txPr/>
-    <dgm:style>
-      <a:lnRef idx="2">
-        <a:scrgbClr r="0" g="0" b="0"/>
-      </a:lnRef>
-      <a:fillRef idx="1">
-        <a:scrgbClr r="0" g="0" b="0"/>
-      </a:fillRef>
-      <a:effectRef idx="0">
-        <a:scrgbClr r="0" g="0" b="0"/>
-      </a:effectRef>
-      <a:fontRef idx="minor">
-        <a:schemeClr val="lt1"/>
-      </a:fontRef>
-    </dgm:style>
-  </dgm:styleLbl>
-  <dgm:styleLbl name="node3">
-    <dgm:scene3d>
-      <a:camera prst="orthographicFront"/>
-      <a:lightRig rig="threePt" dir="t"/>
-    </dgm:scene3d>
-    <dgm:sp3d/>
-    <dgm:txPr/>
-    <dgm:style>
-      <a:lnRef idx="2">
-        <a:scrgbClr r="0" g="0" b="0"/>
-      </a:lnRef>
-      <a:fillRef idx="1">
-        <a:scrgbClr r="0" g="0" b="0"/>
-      </a:fillRef>
-      <a:effectRef idx="0">
-        <a:scrgbClr r="0" g="0" b="0"/>
-      </a:effectRef>
-      <a:fontRef idx="minor">
-        <a:schemeClr val="lt1"/>
-      </a:fontRef>
-    </dgm:style>
-  </dgm:styleLbl>
-  <dgm:styleLbl name="node4">
-    <dgm:scene3d>
-      <a:camera prst="orthographicFront"/>
-      <a:lightRig rig="threePt" dir="t"/>
-    </dgm:scene3d>
-    <dgm:sp3d/>
-    <dgm:txPr/>
-    <dgm:style>
-      <a:lnRef idx="2">
-        <a:scrgbClr r="0" g="0" b="0"/>
-      </a:lnRef>
-      <a:fillRef idx="1">
-        <a:scrgbClr r="0" g="0" b="0"/>
-      </a:fillRef>
-      <a:effectRef idx="0">
-        <a:scrgbClr r="0" g="0" b="0"/>
-      </a:effectRef>
-      <a:fontRef idx="minor">
-        <a:schemeClr val="lt1"/>
-      </a:fontRef>
-    </dgm:style>
-  </dgm:styleLbl>
-  <dgm:styleLbl name="fgImgPlace1">
-    <dgm:scene3d>
-      <a:camera prst="orthographicFront"/>
-      <a:lightRig rig="threePt" dir="t"/>
-    </dgm:scene3d>
-    <dgm:sp3d/>
-    <dgm:txPr/>
-    <dgm:style>
-      <a:lnRef idx="2">
-        <a:scrgbClr r="0" g="0" b="0"/>
-      </a:lnRef>
-      <a:fillRef idx="1">
-        <a:scrgbClr r="0" g="0" b="0"/>
-      </a:fillRef>
-      <a:effectRef idx="0">
-        <a:scrgbClr r="0" g="0" b="0"/>
-      </a:effectRef>
-      <a:fontRef idx="minor"/>
-    </dgm:style>
-  </dgm:styleLbl>
-  <dgm:styleLbl name="alignImgPlace1">
-    <dgm:scene3d>
-      <a:camera prst="orthographicFront"/>
-      <a:lightRig rig="threePt" dir="t"/>
-    </dgm:scene3d>
-    <dgm:sp3d/>
-    <dgm:txPr/>
-    <dgm:style>
-      <a:lnRef idx="2">
-        <a:scrgbClr r="0" g="0" b="0"/>
-      </a:lnRef>
-      <a:fillRef idx="1">
-        <a:scrgbClr r="0" g="0" b="0"/>
-      </a:fillRef>
-      <a:effectRef idx="0">
-        <a:scrgbClr r="0" g="0" b="0"/>
-      </a:effectRef>
-      <a:fontRef idx="minor"/>
-    </dgm:style>
-  </dgm:styleLbl>
-  <dgm:styleLbl name="bgImgPlace1">
-    <dgm:scene3d>
-      <a:camera prst="orthographicFront"/>
-      <a:lightRig rig="threePt" dir="t"/>
-    </dgm:scene3d>
-    <dgm:sp3d/>
-    <dgm:txPr/>
-    <dgm:style>
-      <a:lnRef idx="2">
-        <a:scrgbClr r="0" g="0" b="0"/>
-      </a:lnRef>
-      <a:fillRef idx="1">
-        <a:scrgbClr r="0" g="0" b="0"/>
-      </a:fillRef>
-      <a:effectRef idx="0">
-        <a:scrgbClr r="0" g="0" b="0"/>
-      </a:effectRef>
-      <a:fontRef idx="minor"/>
-    </dgm:style>
-  </dgm:styleLbl>
-  <dgm:styleLbl name="sibTrans2D1">
-    <dgm:scene3d>
-      <a:camera prst="orthographicFront"/>
-      <a:lightRig rig="threePt" dir="t"/>
-    </dgm:scene3d>
-    <dgm:sp3d/>
-    <dgm:txPr/>
-    <dgm:style>
-      <a:lnRef idx="0">
-        <a:scrgbClr r="0" g="0" b="0"/>
-      </a:lnRef>
-      <a:fillRef idx="1">
-        <a:scrgbClr r="0" g="0" b="0"/>
-      </a:fillRef>
-      <a:effectRef idx="0">
-        <a:scrgbClr r="0" g="0" b="0"/>
-      </a:effectRef>
-      <a:fontRef idx="minor">
-        <a:schemeClr val="lt1"/>
-      </a:fontRef>
-    </dgm:style>
-  </dgm:styleLbl>
-  <dgm:styleLbl name="fgSibTrans2D1">
-    <dgm:scene3d>
-      <a:camera prst="orthographicFront"/>
-      <a:lightRig rig="threePt" dir="t"/>
-    </dgm:scene3d>
-    <dgm:sp3d/>
-    <dgm:txPr/>
-    <dgm:style>
-      <a:lnRef idx="0">
-        <a:scrgbClr r="0" g="0" b="0"/>
-      </a:lnRef>
-      <a:fillRef idx="1">
-        <a:scrgbClr r="0" g="0" b="0"/>
-      </a:fillRef>
-      <a:effectRef idx="0">
-        <a:scrgbClr r="0" g="0" b="0"/>
-      </a:effectRef>
-      <a:fontRef idx="minor">
-        <a:schemeClr val="lt1"/>
-      </a:fontRef>
-    </dgm:style>
-  </dgm:styleLbl>
-  <dgm:styleLbl name="bgSibTrans2D1">
-    <dgm:scene3d>
-      <a:camera prst="orthographicFront"/>
-      <a:lightRig rig="threePt" dir="t"/>
-    </dgm:scene3d>
-    <dgm:sp3d/>
-    <dgm:txPr/>
-    <dgm:style>
-      <a:lnRef idx="0">
-        <a:scrgbClr r="0" g="0" b="0"/>
-      </a:lnRef>
-      <a:fillRef idx="1">
-        <a:scrgbClr r="0" g="0" b="0"/>
-      </a:fillRef>
-      <a:effectRef idx="0">
-        <a:scrgbClr r="0" g="0" b="0"/>
-      </a:effectRef>
-      <a:fontRef idx="minor">
-        <a:schemeClr val="lt1"/>
-      </a:fontRef>
-    </dgm:style>
-  </dgm:styleLbl>
-  <dgm:styleLbl name="sibTrans1D1">
-    <dgm:scene3d>
-      <a:camera prst="orthographicFront"/>
-      <a:lightRig rig="threePt" dir="t"/>
-    </dgm:scene3d>
-    <dgm:sp3d/>
-    <dgm:txPr/>
-    <dgm:style>
-      <a:lnRef idx="1">
-        <a:scrgbClr r="0" g="0" b="0"/>
-      </a:lnRef>
-      <a:fillRef idx="0">
-        <a:scrgbClr r="0" g="0" b="0"/>
-      </a:fillRef>
-      <a:effectRef idx="0">
-        <a:scrgbClr r="0" g="0" b="0"/>
-      </a:effectRef>
-      <a:fontRef idx="minor"/>
-    </dgm:style>
-  </dgm:styleLbl>
-  <dgm:styleLbl name="callout">
-    <dgm:scene3d>
-      <a:camera prst="orthographicFront"/>
-      <a:lightRig rig="threePt" dir="t"/>
-    </dgm:scene3d>
-    <dgm:sp3d/>
-    <dgm:txPr/>
-    <dgm:style>
-      <a:lnRef idx="2">
-        <a:scrgbClr r="0" g="0" b="0"/>
-      </a:lnRef>
-      <a:fillRef idx="1">
-        <a:scrgbClr r="0" g="0" b="0"/>
-      </a:fillRef>
-      <a:effectRef idx="0">
-        <a:scrgbClr r="0" g="0" b="0"/>
-      </a:effectRef>
-      <a:fontRef idx="minor"/>
-    </dgm:style>
-  </dgm:styleLbl>
-  <dgm:styleLbl name="asst0">
-    <dgm:scene3d>
-      <a:camera prst="orthographicFront"/>
-      <a:lightRig rig="threePt" dir="t"/>
-    </dgm:scene3d>
-    <dgm:sp3d/>
-    <dgm:txPr/>
-    <dgm:style>
-      <a:lnRef idx="2">
-        <a:scrgbClr r="0" g="0" b="0"/>
-      </a:lnRef>
-      <a:fillRef idx="1">
-        <a:scrgbClr r="0" g="0" b="0"/>
-      </a:fillRef>
-      <a:effectRef idx="0">
-        <a:scrgbClr r="0" g="0" b="0"/>
-      </a:effectRef>
-      <a:fontRef idx="minor">
-        <a:schemeClr val="lt1"/>
-      </a:fontRef>
-    </dgm:style>
-  </dgm:styleLbl>
-  <dgm:styleLbl name="asst1">
-    <dgm:scene3d>
-      <a:camera prst="orthographicFront"/>
-      <a:lightRig rig="threePt" dir="t"/>
-    </dgm:scene3d>
-    <dgm:sp3d/>
-    <dgm:txPr/>
-    <dgm:style>
-      <a:lnRef idx="2">
-        <a:scrgbClr r="0" g="0" b="0"/>
-      </a:lnRef>
-      <a:fillRef idx="1">
-        <a:scrgbClr r="0" g="0" b="0"/>
-      </a:fillRef>
-      <a:effectRef idx="0">
-        <a:scrgbClr r="0" g="0" b="0"/>
-      </a:effectRef>
-      <a:fontRef idx="minor">
-        <a:schemeClr val="lt1"/>
-      </a:fontRef>
-    </dgm:style>
-  </dgm:styleLbl>
-  <dgm:styleLbl name="asst2">
-    <dgm:scene3d>
-      <a:camera prst="orthographicFront"/>
-      <a:lightRig rig="threePt" dir="t"/>
-    </dgm:scene3d>
-    <dgm:sp3d/>
-    <dgm:txPr/>
-    <dgm:style>
-      <a:lnRef idx="2">
-        <a:scrgbClr r="0" g="0" b="0"/>
-      </a:lnRef>
-      <a:fillRef idx="1">
-        <a:scrgbClr r="0" g="0" b="0"/>
-      </a:fillRef>
-      <a:effectRef idx="0">
-        <a:scrgbClr r="0" g="0" b="0"/>
-      </a:effectRef>
-      <a:fontRef idx="minor">
-        <a:schemeClr val="lt1"/>
-      </a:fontRef>
-    </dgm:style>
-  </dgm:styleLbl>
-  <dgm:styleLbl name="asst3">
-    <dgm:scene3d>
-      <a:camera prst="orthographicFront"/>
-      <a:lightRig rig="threePt" dir="t"/>
-    </dgm:scene3d>
-    <dgm:sp3d/>
-    <dgm:txPr/>
-    <dgm:style>
-      <a:lnRef idx="2">
-        <a:scrgbClr r="0" g="0" b="0"/>
-      </a:lnRef>
-      <a:fillRef idx="1">
-        <a:scrgbClr r="0" g="0" b="0"/>
-      </a:fillRef>
-      <a:effectRef idx="0">
-        <a:scrgbClr r="0" g="0" b="0"/>
-      </a:effectRef>
-      <a:fontRef idx="minor">
-        <a:schemeClr val="lt1"/>
-      </a:fontRef>
-    </dgm:style>
-  </dgm:styleLbl>
-  <dgm:styleLbl name="asst4">
-    <dgm:scene3d>
-      <a:camera prst="orthographicFront"/>
-      <a:lightRig rig="threePt" dir="t"/>
-    </dgm:scene3d>
-    <dgm:sp3d/>
-    <dgm:txPr/>
-    <dgm:style>
-      <a:lnRef idx="2">
-        <a:scrgbClr r="0" g="0" b="0"/>
-      </a:lnRef>
-      <a:fillRef idx="1">
-        <a:scrgbClr r="0" g="0" b="0"/>
-      </a:fillRef>
-      <a:effectRef idx="0">
-        <a:scrgbClr r="0" g="0" b="0"/>
-      </a:effectRef>
-      <a:fontRef idx="minor">
-        <a:schemeClr val="lt1"/>
-      </a:fontRef>
-    </dgm:style>
-  </dgm:styleLbl>
-  <dgm:styleLbl name="parChTrans2D1">
-    <dgm:scene3d>
-      <a:camera prst="orthographicFront"/>
-      <a:lightRig rig="threePt" dir="t"/>
-    </dgm:scene3d>
-    <dgm:sp3d/>
-    <dgm:txPr/>
-    <dgm:style>
-      <a:lnRef idx="2">
-        <a:scrgbClr r="0" g="0" b="0"/>
-      </a:lnRef>
-      <a:fillRef idx="1">
-        <a:scrgbClr r="0" g="0" b="0"/>
-      </a:fillRef>
-      <a:effectRef idx="0">
-        <a:scrgbClr r="0" g="0" b="0"/>
-      </a:effectRef>
-      <a:fontRef idx="minor">
-        <a:schemeClr val="lt1"/>
-      </a:fontRef>
-    </dgm:style>
-  </dgm:styleLbl>
-  <dgm:styleLbl name="parChTrans2D2">
-    <dgm:scene3d>
-      <a:camera prst="orthographicFront"/>
-      <a:lightRig rig="threePt" dir="t"/>
-    </dgm:scene3d>
-    <dgm:sp3d/>
-    <dgm:txPr/>
-    <dgm:style>
-      <a:lnRef idx="2">
-        <a:scrgbClr r="0" g="0" b="0"/>
-      </a:lnRef>
-      <a:fillRef idx="1">
-        <a:scrgbClr r="0" g="0" b="0"/>
-      </a:fillRef>
-      <a:effectRef idx="0">
-        <a:scrgbClr r="0" g="0" b="0"/>
-      </a:effectRef>
-      <a:fontRef idx="minor">
-        <a:schemeClr val="lt1"/>
-      </a:fontRef>
-    </dgm:style>
-  </dgm:styleLbl>
-  <dgm:styleLbl name="parChTrans2D3">
-    <dgm:scene3d>
-      <a:camera prst="orthographicFront"/>
-      <a:lightRig rig="threePt" dir="t"/>
-    </dgm:scene3d>
-    <dgm:sp3d/>
-    <dgm:txPr/>
-    <dgm:style>
-      <a:lnRef idx="2">
-        <a:scrgbClr r="0" g="0" b="0"/>
-      </a:lnRef>
-      <a:fillRef idx="1">
-        <a:scrgbClr r="0" g="0" b="0"/>
-      </a:fillRef>
-      <a:effectRef idx="0">
-        <a:scrgbClr r="0" g="0" b="0"/>
-      </a:effectRef>
-      <a:fontRef idx="minor">
-        <a:schemeClr val="lt1"/>
-      </a:fontRef>
-    </dgm:style>
-  </dgm:styleLbl>
-  <dgm:styleLbl name="parChTrans2D4">
-    <dgm:scene3d>
-      <a:camera prst="orthographicFront"/>
-      <a:lightRig rig="threePt" dir="t"/>
-    </dgm:scene3d>
-    <dgm:sp3d/>
-    <dgm:txPr/>
-    <dgm:style>
-      <a:lnRef idx="2">
-        <a:scrgbClr r="0" g="0" b="0"/>
-      </a:lnRef>
-      <a:fillRef idx="1">
-        <a:scrgbClr r="0" g="0" b="0"/>
-      </a:fillRef>
-      <a:effectRef idx="0">
-        <a:scrgbClr r="0" g="0" b="0"/>
-      </a:effectRef>
-      <a:fontRef idx="minor">
-        <a:schemeClr val="lt1"/>
-      </a:fontRef>
-    </dgm:style>
-  </dgm:styleLbl>
-  <dgm:styleLbl name="parChTrans1D1">
-    <dgm:scene3d>
-      <a:camera prst="orthographicFront"/>
-      <a:lightRig rig="threePt" dir="t"/>
-    </dgm:scene3d>
-    <dgm:sp3d/>
-    <dgm:txPr/>
-    <dgm:style>
-      <a:lnRef idx="2">
-        <a:scrgbClr r="0" g="0" b="0"/>
-      </a:lnRef>
-      <a:fillRef idx="0">
-        <a:scrgbClr r="0" g="0" b="0"/>
-      </a:fillRef>
-      <a:effectRef idx="0">
-        <a:scrgbClr r="0" g="0" b="0"/>
-      </a:effectRef>
-      <a:fontRef idx="minor"/>
-    </dgm:style>
-  </dgm:styleLbl>
-  <dgm:styleLbl name="parChTrans1D2">
-    <dgm:scene3d>
-      <a:camera prst="orthographicFront"/>
-      <a:lightRig rig="threePt" dir="t"/>
-    </dgm:scene3d>
-    <dgm:sp3d/>
-    <dgm:txPr/>
-    <dgm:style>
-      <a:lnRef idx="2">
-        <a:scrgbClr r="0" g="0" b="0"/>
-      </a:lnRef>
-      <a:fillRef idx="0">
-        <a:scrgbClr r="0" g="0" b="0"/>
-      </a:fillRef>
-      <a:effectRef idx="0">
-        <a:scrgbClr r="0" g="0" b="0"/>
-      </a:effectRef>
-      <a:fontRef idx="minor"/>
-    </dgm:style>
-  </dgm:styleLbl>
-  <dgm:styleLbl name="parChTrans1D3">
-    <dgm:scene3d>
-      <a:camera prst="orthographicFront"/>
-      <a:lightRig rig="threePt" dir="t"/>
-    </dgm:scene3d>
-    <dgm:sp3d/>
-    <dgm:txPr/>
-    <dgm:style>
-      <a:lnRef idx="2">
-        <a:scrgbClr r="0" g="0" b="0"/>
-      </a:lnRef>
-      <a:fillRef idx="0">
-        <a:scrgbClr r="0" g="0" b="0"/>
-      </a:fillRef>
-      <a:effectRef idx="0">
-        <a:scrgbClr r="0" g="0" b="0"/>
-      </a:effectRef>
-      <a:fontRef idx="minor"/>
-    </dgm:style>
-  </dgm:styleLbl>
-  <dgm:styleLbl name="parChTrans1D4">
-    <dgm:scene3d>
-      <a:camera prst="orthographicFront"/>
-      <a:lightRig rig="threePt" dir="t"/>
-    </dgm:scene3d>
-    <dgm:sp3d/>
-    <dgm:txPr/>
-    <dgm:style>
-      <a:lnRef idx="2">
-        <a:scrgbClr r="0" g="0" b="0"/>
-      </a:lnRef>
-      <a:fillRef idx="0">
-        <a:scrgbClr r="0" g="0" b="0"/>
-      </a:fillRef>
-      <a:effectRef idx="0">
-        <a:scrgbClr r="0" g="0" b="0"/>
-      </a:effectRef>
-      <a:fontRef idx="minor"/>
-    </dgm:style>
-  </dgm:styleLbl>
-  <dgm:styleLbl name="fgAcc1">
-    <dgm:scene3d>
-      <a:camera prst="orthographicFront"/>
-      <a:lightRig rig="threePt" dir="t"/>
-    </dgm:scene3d>
-    <dgm:sp3d/>
-    <dgm:txPr/>
-    <dgm:style>
-      <a:lnRef idx="2">
-        <a:scrgbClr r="0" g="0" b="0"/>
-      </a:lnRef>
-      <a:fillRef idx="1">
-        <a:scrgbClr r="0" g="0" b="0"/>
-      </a:fillRef>
-      <a:effectRef idx="0">
-        <a:scrgbClr r="0" g="0" b="0"/>
-      </a:effectRef>
-      <a:fontRef idx="minor"/>
-    </dgm:style>
-  </dgm:styleLbl>
-  <dgm:styleLbl name="conFgAcc1">
-    <dgm:scene3d>
-      <a:camera prst="orthographicFront"/>
-      <a:lightRig rig="threePt" dir="t"/>
-    </dgm:scene3d>
-    <dgm:sp3d/>
-    <dgm:txPr/>
-    <dgm:style>
-      <a:lnRef idx="2">
-        <a:scrgbClr r="0" g="0" b="0"/>
-      </a:lnRef>
-      <a:fillRef idx="1">
-        <a:scrgbClr r="0" g="0" b="0"/>
-      </a:fillRef>
-      <a:effectRef idx="0">
-        <a:scrgbClr r="0" g="0" b="0"/>
-      </a:effectRef>
-      <a:fontRef idx="minor"/>
-    </dgm:style>
-  </dgm:styleLbl>
-  <dgm:styleLbl name="alignAcc1">
-    <dgm:scene3d>
-      <a:camera prst="orthographicFront"/>
-      <a:lightRig rig="threePt" dir="t"/>
-    </dgm:scene3d>
-    <dgm:sp3d/>
-    <dgm:txPr/>
-    <dgm:style>
-      <a:lnRef idx="2">
-        <a:scrgbClr r="0" g="0" b="0"/>
-      </a:lnRef>
-      <a:fillRef idx="1">
-        <a:scrgbClr r="0" g="0" b="0"/>
-      </a:fillRef>
-      <a:effectRef idx="0">
-        <a:scrgbClr r="0" g="0" b="0"/>
-      </a:effectRef>
-      <a:fontRef idx="minor"/>
-    </dgm:style>
-  </dgm:styleLbl>
-  <dgm:styleLbl name="trAlignAcc1">
-    <dgm:scene3d>
-      <a:camera prst="orthographicFront"/>
-      <a:lightRig rig="threePt" dir="t"/>
-    </dgm:scene3d>
-    <dgm:sp3d/>
-    <dgm:txPr/>
-    <dgm:style>
-      <a:lnRef idx="1">
-        <a:scrgbClr r="0" g="0" b="0"/>
-      </a:lnRef>
-      <a:fillRef idx="1">
-        <a:scrgbClr r="0" g="0" b="0"/>
-      </a:fillRef>
-      <a:effectRef idx="0">
-        <a:scrgbClr r="0" g="0" b="0"/>
-      </a:effectRef>
-      <a:fontRef idx="minor"/>
-    </dgm:style>
-  </dgm:styleLbl>
-  <dgm:styleLbl name="bgAcc1">
-    <dgm:scene3d>
-      <a:camera prst="orthographicFront"/>
-      <a:lightRig rig="threePt" dir="t"/>
-    </dgm:scene3d>
-    <dgm:sp3d/>
-    <dgm:txPr/>
-    <dgm:style>
-      <a:lnRef idx="2">
-        <a:scrgbClr r="0" g="0" b="0"/>
-      </a:lnRef>
-      <a:fillRef idx="1">
-        <a:scrgbClr r="0" g="0" b="0"/>
-      </a:fillRef>
-      <a:effectRef idx="0">
-        <a:scrgbClr r="0" g="0" b="0"/>
-      </a:effectRef>
-      <a:fontRef idx="minor"/>
-    </dgm:style>
-  </dgm:styleLbl>
-  <dgm:styleLbl name="solidFgAcc1">
-    <dgm:scene3d>
-      <a:camera prst="orthographicFront"/>
-      <a:lightRig rig="threePt" dir="t"/>
-    </dgm:scene3d>
-    <dgm:sp3d/>
-    <dgm:txPr/>
-    <dgm:style>
-      <a:lnRef idx="2">
-        <a:scrgbClr r="0" g="0" b="0"/>
-      </a:lnRef>
-      <a:fillRef idx="1">
-        <a:scrgbClr r="0" g="0" b="0"/>
-      </a:fillRef>
-      <a:effectRef idx="0">
-        <a:scrgbClr r="0" g="0" b="0"/>
-      </a:effectRef>
-      <a:fontRef idx="minor"/>
-    </dgm:style>
-  </dgm:styleLbl>
-  <dgm:styleLbl name="solidAlignAcc1">
-    <dgm:scene3d>
-      <a:camera prst="orthographicFront"/>
-      <a:lightRig rig="threePt" dir="t"/>
-    </dgm:scene3d>
-    <dgm:sp3d/>
-    <dgm:txPr/>
-    <dgm:style>
-      <a:lnRef idx="2">
-        <a:scrgbClr r="0" g="0" b="0"/>
-      </a:lnRef>
-      <a:fillRef idx="1">
-        <a:scrgbClr r="0" g="0" b="0"/>
-      </a:fillRef>
-      <a:effectRef idx="0">
-        <a:scrgbClr r="0" g="0" b="0"/>
-      </a:effectRef>
-      <a:fontRef idx="minor"/>
-    </dgm:style>
-  </dgm:styleLbl>
-  <dgm:styleLbl name="solidBgAcc1">
-    <dgm:scene3d>
-      <a:camera prst="orthographicFront"/>
-      <a:lightRig rig="threePt" dir="t"/>
-    </dgm:scene3d>
-    <dgm:sp3d/>
-    <dgm:txPr/>
-    <dgm:style>
-      <a:lnRef idx="2">
-        <a:scrgbClr r="0" g="0" b="0"/>
-      </a:lnRef>
-      <a:fillRef idx="1">
-        <a:scrgbClr r="0" g="0" b="0"/>
-      </a:fillRef>
-      <a:effectRef idx="0">
-        <a:scrgbClr r="0" g="0" b="0"/>
-      </a:effectRef>
-      <a:fontRef idx="minor"/>
-    </dgm:style>
-  </dgm:styleLbl>
-  <dgm:styleLbl name="fgAccFollowNode1">
-    <dgm:scene3d>
-      <a:camera prst="orthographicFront"/>
-      <a:lightRig rig="threePt" dir="t"/>
-    </dgm:scene3d>
-    <dgm:sp3d/>
-    <dgm:txPr/>
-    <dgm:style>
-      <a:lnRef idx="2">
-        <a:scrgbClr r="0" g="0" b="0"/>
-      </a:lnRef>
-      <a:fillRef idx="1">
-        <a:scrgbClr r="0" g="0" b="0"/>
-      </a:fillRef>
-      <a:effectRef idx="0">
-        <a:scrgbClr r="0" g="0" b="0"/>
-      </a:effectRef>
-      <a:fontRef idx="minor"/>
-    </dgm:style>
-  </dgm:styleLbl>
-  <dgm:styleLbl name="alignAccFollowNode1">
-    <dgm:scene3d>
-      <a:camera prst="orthographicFront"/>
-      <a:lightRig rig="threePt" dir="t"/>
-    </dgm:scene3d>
-    <dgm:sp3d/>
-    <dgm:txPr/>
-    <dgm:style>
-      <a:lnRef idx="2">
-        <a:scrgbClr r="0" g="0" b="0"/>
-      </a:lnRef>
-      <a:fillRef idx="1">
-        <a:scrgbClr r="0" g="0" b="0"/>
-      </a:fillRef>
-      <a:effectRef idx="0">
-        <a:scrgbClr r="0" g="0" b="0"/>
-      </a:effectRef>
-      <a:fontRef idx="minor"/>
-    </dgm:style>
-  </dgm:styleLbl>
-  <dgm:styleLbl name="bgAccFollowNode1">
-    <dgm:scene3d>
-      <a:camera prst="orthographicFront"/>
-      <a:lightRig rig="threePt" dir="t"/>
-    </dgm:scene3d>
-    <dgm:sp3d/>
-    <dgm:txPr/>
-    <dgm:style>
-      <a:lnRef idx="2">
-        <a:scrgbClr r="0" g="0" b="0"/>
-      </a:lnRef>
-      <a:fillRef idx="1">
-        <a:scrgbClr r="0" g="0" b="0"/>
-      </a:fillRef>
-      <a:effectRef idx="0">
-        <a:scrgbClr r="0" g="0" b="0"/>
-      </a:effectRef>
-      <a:fontRef idx="minor"/>
-    </dgm:style>
-  </dgm:styleLbl>
-  <dgm:styleLbl name="fgAcc0">
-    <dgm:scene3d>
-      <a:camera prst="orthographicFront"/>
-      <a:lightRig rig="threePt" dir="t"/>
-    </dgm:scene3d>
-    <dgm:sp3d/>
-    <dgm:txPr/>
-    <dgm:style>
-      <a:lnRef idx="2">
-        <a:scrgbClr r="0" g="0" b="0"/>
-      </a:lnRef>
-      <a:fillRef idx="1">
-        <a:scrgbClr r="0" g="0" b="0"/>
-      </a:fillRef>
-      <a:effectRef idx="0">
-        <a:scrgbClr r="0" g="0" b="0"/>
-      </a:effectRef>
-      <a:fontRef idx="minor"/>
-    </dgm:style>
-  </dgm:styleLbl>
-  <dgm:styleLbl name="fgAcc2">
-    <dgm:scene3d>
-      <a:camera prst="orthographicFront"/>
-      <a:lightRig rig="threePt" dir="t"/>
-    </dgm:scene3d>
-    <dgm:sp3d/>
-    <dgm:txPr/>
-    <dgm:style>
-      <a:lnRef idx="2">
-        <a:scrgbClr r="0" g="0" b="0"/>
-      </a:lnRef>
-      <a:fillRef idx="1">
-        <a:scrgbClr r="0" g="0" b="0"/>
-      </a:fillRef>
-      <a:effectRef idx="0">
-        <a:scrgbClr r="0" g="0" b="0"/>
-      </a:effectRef>
-      <a:fontRef idx="minor"/>
-    </dgm:style>
-  </dgm:styleLbl>
-  <dgm:styleLbl name="fgAcc3">
-    <dgm:scene3d>
-      <a:camera prst="orthographicFront"/>
-      <a:lightRig rig="threePt" dir="t"/>
-    </dgm:scene3d>
-    <dgm:sp3d/>
-    <dgm:txPr/>
-    <dgm:style>
-      <a:lnRef idx="2">
-        <a:scrgbClr r="0" g="0" b="0"/>
-      </a:lnRef>
-      <a:fillRef idx="1">
-        <a:scrgbClr r="0" g="0" b="0"/>
-      </a:fillRef>
-      <a:effectRef idx="0">
-        <a:scrgbClr r="0" g="0" b="0"/>
-      </a:effectRef>
-      <a:fontRef idx="minor"/>
-    </dgm:style>
-  </dgm:styleLbl>
-  <dgm:styleLbl name="fgAcc4">
-    <dgm:scene3d>
-      <a:camera prst="orthographicFront"/>
-      <a:lightRig rig="threePt" dir="t"/>
-    </dgm:scene3d>
-    <dgm:sp3d/>
-    <dgm:txPr/>
-    <dgm:style>
-      <a:lnRef idx="2">
-        <a:scrgbClr r="0" g="0" b="0"/>
-      </a:lnRef>
-      <a:fillRef idx="1">
-        <a:scrgbClr r="0" g="0" b="0"/>
-      </a:fillRef>
-      <a:effectRef idx="0">
-        <a:scrgbClr r="0" g="0" b="0"/>
-      </a:effectRef>
-      <a:fontRef idx="minor"/>
-    </dgm:style>
-  </dgm:styleLbl>
-  <dgm:styleLbl name="bgShp">
-    <dgm:scene3d>
-      <a:camera prst="orthographicFront"/>
-      <a:lightRig rig="threePt" dir="t"/>
-    </dgm:scene3d>
-    <dgm:sp3d/>
-    <dgm:txPr/>
-    <dgm:style>
-      <a:lnRef idx="0">
-        <a:scrgbClr r="0" g="0" b="0"/>
-      </a:lnRef>
-      <a:fillRef idx="1">
-        <a:scrgbClr r="0" g="0" b="0"/>
-      </a:fillRef>
-      <a:effectRef idx="0">
-        <a:scrgbClr r="0" g="0" b="0"/>
-      </a:effectRef>
-      <a:fontRef idx="minor"/>
-    </dgm:style>
-  </dgm:styleLbl>
-  <dgm:styleLbl name="dkBgShp">
-    <dgm:scene3d>
-      <a:camera prst="orthographicFront"/>
-      <a:lightRig rig="threePt" dir="t"/>
-    </dgm:scene3d>
-    <dgm:sp3d/>
-    <dgm:txPr/>
-    <dgm:style>
-      <a:lnRef idx="0">
-        <a:scrgbClr r="0" g="0" b="0"/>
-      </a:lnRef>
-      <a:fillRef idx="1">
-        <a:scrgbClr r="0" g="0" b="0"/>
-      </a:fillRef>
-      <a:effectRef idx="0">
-        <a:scrgbClr r="0" g="0" b="0"/>
-      </a:effectRef>
-      <a:fontRef idx="minor"/>
-    </dgm:style>
-  </dgm:styleLbl>
-  <dgm:styleLbl name="trBgShp">
-    <dgm:scene3d>
-      <a:camera prst="orthographicFront"/>
-      <a:lightRig rig="threePt" dir="t"/>
-    </dgm:scene3d>
-    <dgm:sp3d/>
-    <dgm:txPr/>
-    <dgm:style>
-      <a:lnRef idx="0">
-        <a:scrgbClr r="0" g="0" b="0"/>
-      </a:lnRef>
-      <a:fillRef idx="1">
-        <a:scrgbClr r="0" g="0" b="0"/>
-      </a:fillRef>
-      <a:effectRef idx="0">
-        <a:scrgbClr r="0" g="0" b="0"/>
-      </a:effectRef>
-      <a:fontRef idx="minor"/>
-    </dgm:style>
-  </dgm:styleLbl>
-  <dgm:styleLbl name="fgShp">
-    <dgm:scene3d>
-      <a:camera prst="orthographicFront"/>
-      <a:lightRig rig="threePt" dir="t"/>
-    </dgm:scene3d>
-    <dgm:sp3d/>
-    <dgm:txPr/>
-    <dgm:style>
-      <a:lnRef idx="2">
-        <a:scrgbClr r="0" g="0" b="0"/>
-      </a:lnRef>
-      <a:fillRef idx="1">
-        <a:scrgbClr r="0" g="0" b="0"/>
-      </a:fillRef>
-      <a:effectRef idx="0">
-        <a:scrgbClr r="0" g="0" b="0"/>
-      </a:effectRef>
-      <a:fontRef idx="minor"/>
-    </dgm:style>
-  </dgm:styleLbl>
-  <dgm:styleLbl name="revTx">
-    <dgm:scene3d>
-      <a:camera prst="orthographicFront"/>
-      <a:lightRig rig="threePt" dir="t"/>
-    </dgm:scene3d>
-    <dgm:sp3d/>
-    <dgm:txPr/>
-    <dgm:style>
-      <a:lnRef idx="0">
-        <a:scrgbClr r="0" g="0" b="0"/>
-      </a:lnRef>
-      <a:fillRef idx="0">
-        <a:scrgbClr r="0" g="0" b="0"/>
-      </a:fillRef>
-      <a:effectRef idx="0">
-        <a:scrgbClr r="0" g="0" b="0"/>
-      </a:effectRef>
-      <a:fontRef idx="minor"/>
-    </dgm:style>
-  </dgm:styleLbl>
-</dgm:styleDef>
 </file>
 
 <file path=ppt/handoutMasters/handoutMaster1.xml><?xml version="1.0" encoding="utf-8"?>
@@ -3635,6 +693,67 @@
     </a:lvl9pPr>
   </p:notesStyle>
 </p:notesMaster>
+</file>
+
+<file path=ppt/notesSlides/notesSlide1.xml><?xml version="1.0" encoding="utf-8"?>
+<p:notes xmlns:a="http://schemas.openxmlformats.org/drawingml/2006/main" xmlns:r="http://schemas.openxmlformats.org/officeDocument/2006/relationships" xmlns:p="http://schemas.openxmlformats.org/presentationml/2006/main">
+  <p:cSld>
+    <p:spTree>
+      <p:nvGrpSpPr>
+        <p:cNvPr id="1" name=""/>
+        <p:cNvGrpSpPr/>
+        <p:nvPr/>
+      </p:nvGrpSpPr>
+      <p:grpSpPr>
+        <a:xfrm>
+          <a:off x="0" y="0"/>
+          <a:ext cx="0" cy="0"/>
+          <a:chOff x="0" y="0"/>
+          <a:chExt cx="0" cy="0"/>
+        </a:xfrm>
+      </p:grpSpPr>
+      <p:sp>
+        <p:nvSpPr>
+          <p:cNvPr id="2" name="Slide Image Placeholder 1"/>
+          <p:cNvSpPr>
+            <a:spLocks noGrp="1" noRot="1" noChangeAspect="1"/>
+          </p:cNvSpPr>
+          <p:nvPr>
+            <p:ph type="sldImg"/>
+          </p:nvPr>
+        </p:nvSpPr>
+        <p:spPr/>
+      </p:sp>
+      <p:sp>
+        <p:nvSpPr>
+          <p:cNvPr id="3" name="Notes Placeholder 2"/>
+          <p:cNvSpPr>
+            <a:spLocks noGrp="1"/>
+          </p:cNvSpPr>
+          <p:nvPr>
+            <p:ph type="body" idx="1"/>
+          </p:nvPr>
+        </p:nvSpPr>
+        <p:spPr/>
+        <p:txBody>
+          <a:bodyPr/>
+          <a:lstStyle/>
+          <a:p>
+            <a:endParaRPr lang="en-US" dirty="0"/>
+          </a:p>
+        </p:txBody>
+      </p:sp>
+    </p:spTree>
+    <p:extLst>
+      <p:ext uri="{BB962C8B-B14F-4D97-AF65-F5344CB8AC3E}">
+        <p14:creationId xmlns:p14="http://schemas.microsoft.com/office/powerpoint/2010/main" val="2014232348"/>
+      </p:ext>
+    </p:extLst>
+  </p:cSld>
+  <p:clrMapOvr>
+    <a:masterClrMapping/>
+  </p:clrMapOvr>
+</p:notes>
 </file>
 
 <file path=ppt/slideLayouts/slideLayout1.xml><?xml version="1.0" encoding="utf-8"?>
@@ -8221,23 +5340,42 @@
           <a:p>
             <a:r>
               <a:rPr lang="en-US" dirty="0"/>
-              <a:t>Miguel Zavala – </a:t>
+              <a:t>Miguel Zavala | ahmad salama | arman azhand</a:t>
             </a:r>
+          </a:p>
+        </p:txBody>
+      </p:sp>
+      <p:sp>
+        <p:nvSpPr>
+          <p:cNvPr id="3" name="TextBox 2">
+            <a:extLst>
+              <a:ext uri="{FF2B5EF4-FFF2-40B4-BE49-F238E27FC236}">
+                <a16:creationId xmlns:a16="http://schemas.microsoft.com/office/drawing/2014/main" id="{F01D12B0-0B25-2046-C1EE-A5B75E658DF4}"/>
+              </a:ext>
+            </a:extLst>
+          </p:cNvPr>
+          <p:cNvSpPr txBox="1"/>
+          <p:nvPr/>
+        </p:nvSpPr>
+        <p:spPr>
+          <a:xfrm>
+            <a:off x="5294301" y="5736407"/>
+            <a:ext cx="1603398" cy="307777"/>
+          </a:xfrm>
+          <a:prstGeom prst="rect">
+            <a:avLst/>
+          </a:prstGeom>
+          <a:noFill/>
+        </p:spPr>
+        <p:txBody>
+          <a:bodyPr wrap="square" rtlCol="0">
+            <a:spAutoFit/>
+          </a:bodyPr>
+          <a:lstStyle/>
+          <a:p>
             <a:r>
-              <a:rPr lang="en-US" dirty="0" err="1"/>
-              <a:t>ahmad</a:t>
-            </a:r>
-            <a:r>
-              <a:rPr lang="en-US" dirty="0"/>
-              <a:t> </a:t>
-            </a:r>
-            <a:r>
-              <a:rPr lang="en-US" dirty="0" err="1"/>
-              <a:t>salama</a:t>
-            </a:r>
-            <a:r>
-              <a:rPr lang="en-US" dirty="0"/>
-              <a:t> – arman azhand</a:t>
+              <a:rPr lang="en-US" sz="1400" dirty="0"/>
+              <a:t>MSDS 6372 Project 1</a:t>
             </a:r>
           </a:p>
         </p:txBody>
@@ -8256,367 +5394,6 @@
 </file>
 
 <file path=ppt/slides/slide10.xml><?xml version="1.0" encoding="utf-8"?>
-<p:sld xmlns:a="http://schemas.openxmlformats.org/drawingml/2006/main" xmlns:r="http://schemas.openxmlformats.org/officeDocument/2006/relationships" xmlns:p="http://schemas.openxmlformats.org/presentationml/2006/main">
-  <p:cSld>
-    <p:spTree>
-      <p:nvGrpSpPr>
-        <p:cNvPr id="1" name=""/>
-        <p:cNvGrpSpPr/>
-        <p:nvPr/>
-      </p:nvGrpSpPr>
-      <p:grpSpPr>
-        <a:xfrm>
-          <a:off x="0" y="0"/>
-          <a:ext cx="0" cy="0"/>
-          <a:chOff x="0" y="0"/>
-          <a:chExt cx="0" cy="0"/>
-        </a:xfrm>
-      </p:grpSpPr>
-      <p:sp>
-        <p:nvSpPr>
-          <p:cNvPr id="2" name="Title 1">
-            <a:extLst>
-              <a:ext uri="{FF2B5EF4-FFF2-40B4-BE49-F238E27FC236}">
-                <a16:creationId xmlns:a16="http://schemas.microsoft.com/office/drawing/2014/main" id="{B7545968-70F7-0180-6448-3547E442EF4A}"/>
-              </a:ext>
-            </a:extLst>
-          </p:cNvPr>
-          <p:cNvSpPr>
-            <a:spLocks noGrp="1"/>
-          </p:cNvSpPr>
-          <p:nvPr>
-            <p:ph type="title"/>
-          </p:nvPr>
-        </p:nvSpPr>
-        <p:spPr>
-          <a:xfrm>
-            <a:off x="1280160" y="1097280"/>
-            <a:ext cx="9820656" cy="914400"/>
-          </a:xfrm>
-          <a:noFill/>
-        </p:spPr>
-        <p:txBody>
-          <a:bodyPr anchor="t" anchorCtr="0"/>
-          <a:lstStyle/>
-          <a:p>
-            <a:r>
-              <a:rPr lang="en-US" dirty="0"/>
-              <a:t>Traction</a:t>
-            </a:r>
-          </a:p>
-        </p:txBody>
-      </p:sp>
-      <p:sp>
-        <p:nvSpPr>
-          <p:cNvPr id="8" name="Content Placeholder 7">
-            <a:extLst>
-              <a:ext uri="{FF2B5EF4-FFF2-40B4-BE49-F238E27FC236}">
-                <a16:creationId xmlns:a16="http://schemas.microsoft.com/office/drawing/2014/main" id="{215CE58D-2739-522B-7C3A-6A7C985360C0}"/>
-              </a:ext>
-            </a:extLst>
-          </p:cNvPr>
-          <p:cNvSpPr>
-            <a:spLocks noGrp="1"/>
-          </p:cNvSpPr>
-          <p:nvPr>
-            <p:ph sz="half" idx="1"/>
-          </p:nvPr>
-        </p:nvSpPr>
-        <p:spPr>
-          <a:xfrm>
-            <a:off x="1280160" y="2377440"/>
-            <a:ext cx="4572000" cy="3429000"/>
-          </a:xfrm>
-          <a:noFill/>
-        </p:spPr>
-        <p:txBody>
-          <a:bodyPr vert="horz" lIns="91440" tIns="45720" rIns="91440" bIns="45720" rtlCol="0" anchor="t">
-            <a:normAutofit/>
-          </a:bodyPr>
-          <a:lstStyle/>
-          <a:p>
-            <a:r>
-              <a:rPr lang="en-US" dirty="0"/>
-              <a:t>Product launch</a:t>
-            </a:r>
-          </a:p>
-          <a:p>
-            <a:pPr lvl="1"/>
-            <a:r>
-              <a:rPr lang="en-US" dirty="0"/>
-              <a:t>Successful introduction of our product to market</a:t>
-            </a:r>
-          </a:p>
-          <a:p>
-            <a:r>
-              <a:rPr lang="en-US" dirty="0"/>
-              <a:t>10,000 user milestone</a:t>
-            </a:r>
-          </a:p>
-          <a:p>
-            <a:pPr lvl="1"/>
-            <a:r>
-              <a:rPr lang="en-US" dirty="0"/>
-              <a:t>Substantial user base, indicating growing demand</a:t>
-            </a:r>
-          </a:p>
-          <a:p>
-            <a:r>
-              <a:rPr lang="en-US" dirty="0"/>
-              <a:t>Strategic partnership</a:t>
-            </a:r>
-          </a:p>
-          <a:p>
-            <a:pPr lvl="1"/>
-            <a:r>
-              <a:rPr lang="en-US" dirty="0"/>
-              <a:t>Expanding market presence and capabilities</a:t>
-            </a:r>
-          </a:p>
-        </p:txBody>
-      </p:sp>
-      <p:graphicFrame>
-        <p:nvGraphicFramePr>
-          <p:cNvPr id="3" name="Table Placeholder 2">
-            <a:extLst>
-              <a:ext uri="{FF2B5EF4-FFF2-40B4-BE49-F238E27FC236}">
-                <a16:creationId xmlns:a16="http://schemas.microsoft.com/office/drawing/2014/main" id="{B20B0B18-4396-F037-6C24-F75EAFC0EC9D}"/>
-              </a:ext>
-            </a:extLst>
-          </p:cNvPr>
-          <p:cNvGraphicFramePr>
-            <a:graphicFrameLocks noGrp="1"/>
-          </p:cNvGraphicFramePr>
-          <p:nvPr>
-            <p:ph sz="half" idx="2"/>
-            <p:extLst>
-              <p:ext uri="{D42A27DB-BD31-4B8C-83A1-F6EECF244321}">
-                <p14:modId xmlns:p14="http://schemas.microsoft.com/office/powerpoint/2010/main" val="3310461082"/>
-              </p:ext>
-            </p:extLst>
-          </p:nvPr>
-        </p:nvGraphicFramePr>
-        <p:xfrm>
-          <a:off x="6227763" y="2378075"/>
-          <a:ext cx="4645024" cy="3429000"/>
-        </p:xfrm>
-        <a:graphic>
-          <a:graphicData uri="http://schemas.openxmlformats.org/drawingml/2006/table">
-            <a:tbl>
-              <a:tblPr firstRow="1" bandRow="1">
-                <a:tableStyleId>{BC89EF96-8CEA-46FF-86C4-4CE0E7609802}</a:tableStyleId>
-              </a:tblPr>
-              <a:tblGrid>
-                <a:gridCol w="3349815">
-                  <a:extLst>
-                    <a:ext uri="{9D8B030D-6E8A-4147-A177-3AD203B41FA5}">
-                      <a16:colId xmlns:a16="http://schemas.microsoft.com/office/drawing/2014/main" val="4076170109"/>
-                    </a:ext>
-                  </a:extLst>
-                </a:gridCol>
-                <a:gridCol w="1295209">
-                  <a:extLst>
-                    <a:ext uri="{9D8B030D-6E8A-4147-A177-3AD203B41FA5}">
-                      <a16:colId xmlns:a16="http://schemas.microsoft.com/office/drawing/2014/main" val="1858434544"/>
-                    </a:ext>
-                  </a:extLst>
-                </a:gridCol>
-              </a:tblGrid>
-              <a:tr h="685800">
-                <a:tc>
-                  <a:txBody>
-                    <a:bodyPr/>
-                    <a:lstStyle/>
-                    <a:p>
-                      <a:pPr algn="ctr"/>
-                      <a:r>
-                        <a:rPr lang="en-US" sz="2400" dirty="0"/>
-                        <a:t>Milestone</a:t>
-                      </a:r>
-                    </a:p>
-                  </a:txBody>
-                  <a:tcPr anchor="ctr"/>
-                </a:tc>
-                <a:tc>
-                  <a:txBody>
-                    <a:bodyPr/>
-                    <a:lstStyle/>
-                    <a:p>
-                      <a:pPr algn="ctr"/>
-                      <a:r>
-                        <a:rPr lang="en-US" sz="2400" dirty="0"/>
-                        <a:t>Quarter</a:t>
-                      </a:r>
-                    </a:p>
-                  </a:txBody>
-                  <a:tcPr anchor="ctr"/>
-                </a:tc>
-                <a:extLst>
-                  <a:ext uri="{0D108BD9-81ED-4DB2-BD59-A6C34878D82A}">
-                    <a16:rowId xmlns:a16="http://schemas.microsoft.com/office/drawing/2014/main" val="1527639249"/>
-                  </a:ext>
-                </a:extLst>
-              </a:tr>
-              <a:tr h="685800">
-                <a:tc>
-                  <a:txBody>
-                    <a:bodyPr/>
-                    <a:lstStyle/>
-                    <a:p>
-                      <a:pPr algn="ctr"/>
-                      <a:r>
-                        <a:rPr lang="en-US" dirty="0"/>
-                        <a:t>Product launch</a:t>
-                      </a:r>
-                    </a:p>
-                  </a:txBody>
-                  <a:tcPr anchor="ctr"/>
-                </a:tc>
-                <a:tc>
-                  <a:txBody>
-                    <a:bodyPr/>
-                    <a:lstStyle/>
-                    <a:p>
-                      <a:pPr algn="ctr"/>
-                      <a:r>
-                        <a:rPr lang="en-US" dirty="0"/>
-                        <a:t>Q1</a:t>
-                      </a:r>
-                    </a:p>
-                  </a:txBody>
-                  <a:tcPr anchor="ctr"/>
-                </a:tc>
-                <a:extLst>
-                  <a:ext uri="{0D108BD9-81ED-4DB2-BD59-A6C34878D82A}">
-                    <a16:rowId xmlns:a16="http://schemas.microsoft.com/office/drawing/2014/main" val="3418955261"/>
-                  </a:ext>
-                </a:extLst>
-              </a:tr>
-              <a:tr h="685800">
-                <a:tc>
-                  <a:txBody>
-                    <a:bodyPr/>
-                    <a:lstStyle/>
-                    <a:p>
-                      <a:pPr algn="ctr"/>
-                      <a:r>
-                        <a:rPr lang="en-US" dirty="0"/>
-                        <a:t>10,000 user milestone</a:t>
-                      </a:r>
-                    </a:p>
-                  </a:txBody>
-                  <a:tcPr anchor="ctr"/>
-                </a:tc>
-                <a:tc>
-                  <a:txBody>
-                    <a:bodyPr/>
-                    <a:lstStyle/>
-                    <a:p>
-                      <a:pPr algn="ctr"/>
-                      <a:r>
-                        <a:rPr lang="en-US" dirty="0"/>
-                        <a:t>Q2</a:t>
-                      </a:r>
-                    </a:p>
-                  </a:txBody>
-                  <a:tcPr anchor="ctr"/>
-                </a:tc>
-                <a:extLst>
-                  <a:ext uri="{0D108BD9-81ED-4DB2-BD59-A6C34878D82A}">
-                    <a16:rowId xmlns:a16="http://schemas.microsoft.com/office/drawing/2014/main" val="1518902757"/>
-                  </a:ext>
-                </a:extLst>
-              </a:tr>
-              <a:tr h="685800">
-                <a:tc>
-                  <a:txBody>
-                    <a:bodyPr/>
-                    <a:lstStyle/>
-                    <a:p>
-                      <a:pPr algn="ctr"/>
-                      <a:r>
-                        <a:rPr lang="en-US" dirty="0"/>
-                        <a:t>Strategic partnership</a:t>
-                      </a:r>
-                    </a:p>
-                  </a:txBody>
-                  <a:tcPr anchor="ctr"/>
-                </a:tc>
-                <a:tc>
-                  <a:txBody>
-                    <a:bodyPr/>
-                    <a:lstStyle/>
-                    <a:p>
-                      <a:pPr algn="ctr"/>
-                      <a:r>
-                        <a:rPr lang="en-US" dirty="0"/>
-                        <a:t>Q3</a:t>
-                      </a:r>
-                    </a:p>
-                  </a:txBody>
-                  <a:tcPr anchor="ctr"/>
-                </a:tc>
-                <a:extLst>
-                  <a:ext uri="{0D108BD9-81ED-4DB2-BD59-A6C34878D82A}">
-                    <a16:rowId xmlns:a16="http://schemas.microsoft.com/office/drawing/2014/main" val="2854133869"/>
-                  </a:ext>
-                </a:extLst>
-              </a:tr>
-              <a:tr h="685800">
-                <a:tc>
-                  <a:txBody>
-                    <a:bodyPr/>
-                    <a:lstStyle/>
-                    <a:p>
-                      <a:pPr lvl="0" algn="ctr">
-                        <a:buNone/>
-                      </a:pPr>
-                      <a:r>
-                        <a:rPr lang="en-US" dirty="0"/>
-                        <a:t>Campaign launch</a:t>
-                      </a:r>
-                    </a:p>
-                  </a:txBody>
-                  <a:tcPr anchor="ctr"/>
-                </a:tc>
-                <a:tc>
-                  <a:txBody>
-                    <a:bodyPr/>
-                    <a:lstStyle/>
-                    <a:p>
-                      <a:pPr algn="ctr"/>
-                      <a:r>
-                        <a:rPr lang="en-US" dirty="0"/>
-                        <a:t>Q4</a:t>
-                      </a:r>
-                    </a:p>
-                  </a:txBody>
-                  <a:tcPr anchor="ctr"/>
-                </a:tc>
-                <a:extLst>
-                  <a:ext uri="{0D108BD9-81ED-4DB2-BD59-A6C34878D82A}">
-                    <a16:rowId xmlns:a16="http://schemas.microsoft.com/office/drawing/2014/main" val="1780349918"/>
-                  </a:ext>
-                </a:extLst>
-              </a:tr>
-            </a:tbl>
-          </a:graphicData>
-        </a:graphic>
-      </p:graphicFrame>
-    </p:spTree>
-    <p:extLst>
-      <p:ext uri="{BB962C8B-B14F-4D97-AF65-F5344CB8AC3E}">
-        <p14:creationId xmlns:p14="http://schemas.microsoft.com/office/powerpoint/2010/main" val="4259977132"/>
-      </p:ext>
-    </p:extLst>
-  </p:cSld>
-  <p:clrMapOvr>
-    <a:masterClrMapping/>
-  </p:clrMapOvr>
-</p:sld>
-</file>
-
-<file path=ppt/slides/slide11.xml><?xml version="1.0" encoding="utf-8"?>
 <p:sld xmlns:a="http://schemas.openxmlformats.org/drawingml/2006/main" xmlns:r="http://schemas.openxmlformats.org/officeDocument/2006/relationships" xmlns:p="http://schemas.openxmlformats.org/presentationml/2006/main">
   <p:cSld>
     <p:spTree>
@@ -8662,7 +5439,7 @@
           <a:p>
             <a:r>
               <a:rPr lang="en-US" dirty="0"/>
-              <a:t>Financials</a:t>
+              <a:t>Comparison of Model error metrics</a:t>
             </a:r>
           </a:p>
         </p:txBody>
@@ -8683,14 +5460,14 @@
             <p:ph type="tbl" sz="quarter" idx="13"/>
             <p:extLst>
               <p:ext uri="{D42A27DB-BD31-4B8C-83A1-F6EECF244321}">
-                <p14:modId xmlns:p14="http://schemas.microsoft.com/office/powerpoint/2010/main" val="3194512839"/>
+                <p14:modId xmlns:p14="http://schemas.microsoft.com/office/powerpoint/2010/main" val="4290730203"/>
               </p:ext>
             </p:extLst>
           </p:nvPr>
         </p:nvGraphicFramePr>
         <p:xfrm>
-          <a:off x="1279525" y="2378075"/>
-          <a:ext cx="9620248" cy="3429000"/>
+          <a:off x="1279524" y="1963083"/>
+          <a:ext cx="9601200" cy="4226700"/>
         </p:xfrm>
         <a:graphic>
           <a:graphicData uri="http://schemas.openxmlformats.org/drawingml/2006/table">
@@ -8699,45 +5476,31 @@
                 <a:tableStyleId>{BC89EF96-8CEA-46FF-86C4-4CE0E7609802}</a:tableStyleId>
               </a:tblPr>
               <a:tblGrid>
-                <a:gridCol w="2405062">
+                <a:gridCol w="7052386">
                   <a:extLst>
                     <a:ext uri="{9D8B030D-6E8A-4147-A177-3AD203B41FA5}">
                       <a16:colId xmlns:a16="http://schemas.microsoft.com/office/drawing/2014/main" val="3909542061"/>
                     </a:ext>
                   </a:extLst>
                 </a:gridCol>
-                <a:gridCol w="2405062">
+                <a:gridCol w="2548814">
                   <a:extLst>
                     <a:ext uri="{9D8B030D-6E8A-4147-A177-3AD203B41FA5}">
                       <a16:colId xmlns:a16="http://schemas.microsoft.com/office/drawing/2014/main" val="3856532422"/>
                     </a:ext>
                   </a:extLst>
                 </a:gridCol>
-                <a:gridCol w="2405062">
-                  <a:extLst>
-                    <a:ext uri="{9D8B030D-6E8A-4147-A177-3AD203B41FA5}">
-                      <a16:colId xmlns:a16="http://schemas.microsoft.com/office/drawing/2014/main" val="3438228390"/>
-                    </a:ext>
-                  </a:extLst>
-                </a:gridCol>
-                <a:gridCol w="2405062">
-                  <a:extLst>
-                    <a:ext uri="{9D8B030D-6E8A-4147-A177-3AD203B41FA5}">
-                      <a16:colId xmlns:a16="http://schemas.microsoft.com/office/drawing/2014/main" val="3737151041"/>
-                    </a:ext>
-                  </a:extLst>
-                </a:gridCol>
               </a:tblGrid>
-              <a:tr h="685800">
+              <a:tr h="1056675">
                 <a:tc>
                   <a:txBody>
                     <a:bodyPr/>
                     <a:lstStyle/>
                     <a:p>
-                      <a:pPr algn="ctr"/>
+                      <a:pPr algn="l"/>
                       <a:r>
-                        <a:rPr lang="en-US" sz="2400" dirty="0"/>
-                        <a:t>Quarter</a:t>
+                        <a:rPr lang="en-US" sz="2800" dirty="0"/>
+                        <a:t>Model</a:t>
                       </a:r>
                     </a:p>
                   </a:txBody>
@@ -8750,8 +5513,36 @@
                     <a:p>
                       <a:pPr algn="ctr"/>
                       <a:r>
+                        <a:rPr lang="en-US" sz="2800" dirty="0"/>
+                        <a:t>Error Metric</a:t>
+                      </a:r>
+                    </a:p>
+                  </a:txBody>
+                  <a:tcPr anchor="ctr"/>
+                </a:tc>
+                <a:extLst>
+                  <a:ext uri="{0D108BD9-81ED-4DB2-BD59-A6C34878D82A}">
+                    <a16:rowId xmlns:a16="http://schemas.microsoft.com/office/drawing/2014/main" val="211601482"/>
+                  </a:ext>
+                </a:extLst>
+              </a:tr>
+              <a:tr h="1056675">
+                <a:tc>
+                  <a:txBody>
+                    <a:bodyPr/>
+                    <a:lstStyle/>
+                    <a:p>
+                      <a:pPr algn="l"/>
+                      <a:r>
                         <a:rPr lang="en-US" sz="2400" dirty="0"/>
-                        <a:t>Revenue ($)</a:t>
+                        <a:t>Linear Regression</a:t>
+                      </a:r>
+                    </a:p>
+                    <a:p>
+                      <a:pPr algn="l"/>
+                      <a:r>
+                        <a:rPr lang="en-US" dirty="0"/>
+                        <a:t>(variables here)</a:t>
                       </a:r>
                     </a:p>
                   </a:txBody>
@@ -8763,9 +5554,34 @@
                     <a:lstStyle/>
                     <a:p>
                       <a:pPr algn="ctr"/>
+                      <a:endParaRPr lang="en-US" dirty="0"/>
+                    </a:p>
+                  </a:txBody>
+                  <a:tcPr anchor="ctr"/>
+                </a:tc>
+                <a:extLst>
+                  <a:ext uri="{0D108BD9-81ED-4DB2-BD59-A6C34878D82A}">
+                    <a16:rowId xmlns:a16="http://schemas.microsoft.com/office/drawing/2014/main" val="3713753144"/>
+                  </a:ext>
+                </a:extLst>
+              </a:tr>
+              <a:tr h="1056675">
+                <a:tc>
+                  <a:txBody>
+                    <a:bodyPr/>
+                    <a:lstStyle/>
+                    <a:p>
+                      <a:pPr algn="l"/>
                       <a:r>
                         <a:rPr lang="en-US" sz="2400" dirty="0"/>
-                        <a:t>Expenses ($)</a:t>
+                        <a:t>Complex Linear Regression</a:t>
+                      </a:r>
+                    </a:p>
+                    <a:p>
+                      <a:pPr algn="l"/>
+                      <a:r>
+                        <a:rPr lang="en-US" dirty="0"/>
+                        <a:t>(variables here)</a:t>
                       </a:r>
                     </a:p>
                   </a:txBody>
@@ -8777,30 +5593,34 @@
                     <a:lstStyle/>
                     <a:p>
                       <a:pPr algn="ctr"/>
-                      <a:r>
-                        <a:rPr lang="en-US" sz="2400" dirty="0"/>
-                        <a:t>Net profit ($)</a:t>
-                      </a:r>
+                      <a:endParaRPr lang="en-US" dirty="0"/>
                     </a:p>
                   </a:txBody>
                   <a:tcPr anchor="ctr"/>
                 </a:tc>
                 <a:extLst>
                   <a:ext uri="{0D108BD9-81ED-4DB2-BD59-A6C34878D82A}">
-                    <a16:rowId xmlns:a16="http://schemas.microsoft.com/office/drawing/2014/main" val="211601482"/>
+                    <a16:rowId xmlns:a16="http://schemas.microsoft.com/office/drawing/2014/main" val="210696092"/>
                   </a:ext>
                 </a:extLst>
               </a:tr>
-              <a:tr h="685800">
+              <a:tr h="1056675">
                 <a:tc>
                   <a:txBody>
                     <a:bodyPr/>
                     <a:lstStyle/>
                     <a:p>
-                      <a:pPr algn="ctr"/>
+                      <a:pPr algn="l"/>
+                      <a:r>
+                        <a:rPr lang="en-US" sz="2400" dirty="0"/>
+                        <a:t>Nonparametric approach *whichever one we chose*</a:t>
+                      </a:r>
+                    </a:p>
+                    <a:p>
+                      <a:pPr algn="l"/>
                       <a:r>
                         <a:rPr lang="en-US" dirty="0"/>
-                        <a:t>Q1</a:t>
+                        <a:t>(variables/hyperparameters here)</a:t>
                       </a:r>
                     </a:p>
                   </a:txBody>
@@ -8812,164 +5632,7 @@
                     <a:lstStyle/>
                     <a:p>
                       <a:pPr algn="ctr"/>
-                      <a:r>
-                        <a:rPr lang="en-US" dirty="0"/>
-                        <a:t>$200,000</a:t>
-                      </a:r>
-                    </a:p>
-                  </a:txBody>
-                  <a:tcPr anchor="ctr"/>
-                </a:tc>
-                <a:tc>
-                  <a:txBody>
-                    <a:bodyPr/>
-                    <a:lstStyle/>
-                    <a:p>
-                      <a:pPr algn="ctr"/>
-                      <a:r>
-                        <a:rPr lang="en-US" dirty="0"/>
-                        <a:t>$150,000</a:t>
-                      </a:r>
-                    </a:p>
-                  </a:txBody>
-                  <a:tcPr anchor="ctr"/>
-                </a:tc>
-                <a:tc>
-                  <a:txBody>
-                    <a:bodyPr/>
-                    <a:lstStyle/>
-                    <a:p>
-                      <a:pPr algn="ctr"/>
-                      <a:r>
-                        <a:rPr lang="en-US" dirty="0"/>
-                        <a:t>$50,000</a:t>
-                      </a:r>
-                    </a:p>
-                  </a:txBody>
-                  <a:tcPr anchor="ctr"/>
-                </a:tc>
-                <a:extLst>
-                  <a:ext uri="{0D108BD9-81ED-4DB2-BD59-A6C34878D82A}">
-                    <a16:rowId xmlns:a16="http://schemas.microsoft.com/office/drawing/2014/main" val="3713753144"/>
-                  </a:ext>
-                </a:extLst>
-              </a:tr>
-              <a:tr h="685800">
-                <a:tc>
-                  <a:txBody>
-                    <a:bodyPr/>
-                    <a:lstStyle/>
-                    <a:p>
-                      <a:pPr algn="ctr"/>
-                      <a:r>
-                        <a:rPr lang="en-US" dirty="0"/>
-                        <a:t>Q2</a:t>
-                      </a:r>
-                    </a:p>
-                  </a:txBody>
-                  <a:tcPr anchor="ctr"/>
-                </a:tc>
-                <a:tc>
-                  <a:txBody>
-                    <a:bodyPr/>
-                    <a:lstStyle/>
-                    <a:p>
-                      <a:pPr algn="ctr"/>
-                      <a:r>
-                        <a:rPr lang="en-US" dirty="0"/>
-                        <a:t>$300,000</a:t>
-                      </a:r>
-                    </a:p>
-                  </a:txBody>
-                  <a:tcPr anchor="ctr"/>
-                </a:tc>
-                <a:tc>
-                  <a:txBody>
-                    <a:bodyPr/>
-                    <a:lstStyle/>
-                    <a:p>
-                      <a:pPr algn="ctr"/>
-                      <a:r>
-                        <a:rPr lang="en-US" dirty="0"/>
-                        <a:t>$200,000</a:t>
-                      </a:r>
-                    </a:p>
-                  </a:txBody>
-                  <a:tcPr anchor="ctr"/>
-                </a:tc>
-                <a:tc>
-                  <a:txBody>
-                    <a:bodyPr/>
-                    <a:lstStyle/>
-                    <a:p>
-                      <a:pPr algn="ctr"/>
-                      <a:r>
-                        <a:rPr lang="en-US" dirty="0"/>
-                        <a:t>$100,000</a:t>
-                      </a:r>
-                    </a:p>
-                  </a:txBody>
-                  <a:tcPr anchor="ctr"/>
-                </a:tc>
-                <a:extLst>
-                  <a:ext uri="{0D108BD9-81ED-4DB2-BD59-A6C34878D82A}">
-                    <a16:rowId xmlns:a16="http://schemas.microsoft.com/office/drawing/2014/main" val="210696092"/>
-                  </a:ext>
-                </a:extLst>
-              </a:tr>
-              <a:tr h="685800">
-                <a:tc>
-                  <a:txBody>
-                    <a:bodyPr/>
-                    <a:lstStyle/>
-                    <a:p>
-                      <a:pPr algn="ctr"/>
-                      <a:r>
-                        <a:rPr lang="en-US" dirty="0"/>
-                        <a:t>Q3</a:t>
-                      </a:r>
-                    </a:p>
-                  </a:txBody>
-                  <a:tcPr anchor="ctr"/>
-                </a:tc>
-                <a:tc>
-                  <a:txBody>
-                    <a:bodyPr/>
-                    <a:lstStyle/>
-                    <a:p>
-                      <a:pPr algn="ctr"/>
-                      <a:r>
-                        <a:rPr lang="en-US" dirty="0"/>
-                        <a:t>$400,000</a:t>
-                      </a:r>
-                    </a:p>
-                  </a:txBody>
-                  <a:tcPr anchor="ctr"/>
-                </a:tc>
-                <a:tc>
-                  <a:txBody>
-                    <a:bodyPr/>
-                    <a:lstStyle/>
-                    <a:p>
-                      <a:pPr algn="ctr"/>
-                      <a:r>
-                        <a:rPr lang="en-US" dirty="0"/>
-                        <a:t>$250,000</a:t>
-                      </a:r>
-                    </a:p>
-                  </a:txBody>
-                  <a:tcPr anchor="ctr"/>
-                </a:tc>
-                <a:tc>
-                  <a:txBody>
-                    <a:bodyPr/>
-                    <a:lstStyle/>
-                    <a:p>
-                      <a:pPr algn="ctr"/>
-                      <a:r>
-                        <a:rPr lang="en-US" dirty="0"/>
-                        <a:t>$150,000</a:t>
-                      </a:r>
+                      <a:endParaRPr lang="en-US" dirty="0"/>
                     </a:p>
                   </a:txBody>
                   <a:tcPr anchor="ctr"/>
@@ -8977,69 +5640,6 @@
                 <a:extLst>
                   <a:ext uri="{0D108BD9-81ED-4DB2-BD59-A6C34878D82A}">
                     <a16:rowId xmlns:a16="http://schemas.microsoft.com/office/drawing/2014/main" val="1335514058"/>
-                  </a:ext>
-                </a:extLst>
-              </a:tr>
-              <a:tr h="685800">
-                <a:tc>
-                  <a:txBody>
-                    <a:bodyPr/>
-                    <a:lstStyle/>
-                    <a:p>
-                      <a:pPr algn="ctr"/>
-                      <a:r>
-                        <a:rPr lang="en-US" dirty="0"/>
-                        <a:t>Q4</a:t>
-                      </a:r>
-                    </a:p>
-                  </a:txBody>
-                  <a:tcPr anchor="ctr"/>
-                </a:tc>
-                <a:tc>
-                  <a:txBody>
-                    <a:bodyPr/>
-                    <a:lstStyle/>
-                    <a:p>
-                      <a:pPr algn="ctr"/>
-                      <a:r>
-                        <a:rPr lang="en-US" dirty="0"/>
-                        <a:t>$300,000</a:t>
-                      </a:r>
-                    </a:p>
-                  </a:txBody>
-                  <a:tcPr anchor="ctr"/>
-                </a:tc>
-                <a:tc>
-                  <a:txBody>
-                    <a:bodyPr/>
-                    <a:lstStyle/>
-                    <a:p>
-                      <a:pPr algn="ctr"/>
-                      <a:r>
-                        <a:rPr lang="en-US" dirty="0"/>
-                        <a:t>$200,000</a:t>
-                      </a:r>
-                    </a:p>
-                  </a:txBody>
-                  <a:tcPr anchor="ctr"/>
-                </a:tc>
-                <a:tc>
-                  <a:txBody>
-                    <a:bodyPr/>
-                    <a:lstStyle/>
-                    <a:p>
-                      <a:pPr algn="ctr"/>
-                      <a:r>
-                        <a:rPr lang="en-US" dirty="0"/>
-                        <a:t>$100,000</a:t>
-                      </a:r>
-                    </a:p>
-                  </a:txBody>
-                  <a:tcPr anchor="ctr"/>
-                </a:tc>
-                <a:extLst>
-                  <a:ext uri="{0D108BD9-81ED-4DB2-BD59-A6C34878D82A}">
-                    <a16:rowId xmlns:a16="http://schemas.microsoft.com/office/drawing/2014/main" val="2420206096"/>
                   </a:ext>
                 </a:extLst>
               </a:tr>
@@ -9060,7 +5660,7 @@
 </p:sld>
 </file>
 
-<file path=ppt/slides/slide12.xml><?xml version="1.0" encoding="utf-8"?>
+<file path=ppt/slides/slide11.xml><?xml version="1.0" encoding="utf-8"?>
 <p:sld xmlns:a="http://schemas.openxmlformats.org/drawingml/2006/main" xmlns:r="http://schemas.openxmlformats.org/officeDocument/2006/relationships" xmlns:p="http://schemas.openxmlformats.org/presentationml/2006/main">
   <p:cSld>
     <p:spTree>
@@ -9106,7 +5706,7 @@
           <a:p>
             <a:r>
               <a:rPr lang="en-US" dirty="0"/>
-              <a:t>Summary</a:t>
+              <a:t>Summary and Final remarks</a:t>
             </a:r>
           </a:p>
         </p:txBody>
@@ -9230,7 +5830,7 @@
 </p:sld>
 </file>
 
-<file path=ppt/slides/slide13.xml><?xml version="1.0" encoding="utf-8"?>
+<file path=ppt/slides/slide12.xml><?xml version="1.0" encoding="utf-8"?>
 <p:sld xmlns:a="http://schemas.openxmlformats.org/drawingml/2006/main" xmlns:r="http://schemas.openxmlformats.org/officeDocument/2006/relationships" xmlns:p="http://schemas.openxmlformats.org/presentationml/2006/main">
   <p:cSld>
     <p:spTree>
@@ -9324,37 +5924,625 @@
       </p:pic>
       <p:sp>
         <p:nvSpPr>
-          <p:cNvPr id="4" name="Text Placeholder 3">
+          <p:cNvPr id="3" name="Text Placeholder 3">
             <a:extLst>
               <a:ext uri="{FF2B5EF4-FFF2-40B4-BE49-F238E27FC236}">
-                <a16:creationId xmlns:a16="http://schemas.microsoft.com/office/drawing/2014/main" id="{A704BCD3-171F-C06E-AC4E-108832525DF4}"/>
+                <a16:creationId xmlns:a16="http://schemas.microsoft.com/office/drawing/2014/main" id="{66B863B4-8B11-AB52-5557-08CB804E7980}"/>
               </a:ext>
             </a:extLst>
           </p:cNvPr>
-          <p:cNvSpPr>
-            <a:spLocks noGrp="1"/>
+          <p:cNvSpPr txBox="1">
+            <a:spLocks/>
           </p:cNvSpPr>
-          <p:nvPr>
-            <p:ph type="body" sz="quarter" idx="14"/>
-          </p:nvPr>
+          <p:nvPr/>
         </p:nvSpPr>
         <p:spPr>
           <a:xfrm>
-            <a:off x="1572768" y="6044184"/>
-            <a:ext cx="9116568" cy="365760"/>
+            <a:off x="58233" y="3149117"/>
+            <a:ext cx="11292519" cy="365760"/>
           </a:xfrm>
+          <a:prstGeom prst="rect">
+            <a:avLst/>
+          </a:prstGeom>
         </p:spPr>
         <p:txBody>
-          <a:bodyPr anchor="t" anchorCtr="0"/>
-          <a:lstStyle/>
+          <a:bodyPr vert="horz" lIns="0" tIns="0" rIns="0" bIns="0" rtlCol="0" anchor="t" anchorCtr="0">
+            <a:noAutofit/>
+          </a:bodyPr>
+          <a:lstStyle>
+            <a:lvl1pPr marL="0" indent="0" algn="ctr" defTabSz="914400" rtl="0" eaLnBrk="1" latinLnBrk="0" hangingPunct="1">
+              <a:lnSpc>
+                <a:spcPct val="90000"/>
+              </a:lnSpc>
+              <a:spcBef>
+                <a:spcPts val="0"/>
+              </a:spcBef>
+              <a:buClr>
+                <a:schemeClr val="accent1"/>
+              </a:buClr>
+              <a:buFont typeface="Courier New" panose="02070309020205020404" pitchFamily="49" charset="0"/>
+              <a:buNone/>
+              <a:defRPr sz="2400" b="0" i="0" kern="1200" cap="all" baseline="0">
+                <a:solidFill>
+                  <a:schemeClr val="tx1"/>
+                </a:solidFill>
+                <a:latin typeface="+mn-lt"/>
+                <a:ea typeface="+mn-ea"/>
+                <a:cs typeface="+mn-cs"/>
+              </a:defRPr>
+            </a:lvl1pPr>
+            <a:lvl2pPr marL="685800" indent="-457200" algn="l" defTabSz="914400" rtl="0" eaLnBrk="1" latinLnBrk="0" hangingPunct="1">
+              <a:lnSpc>
+                <a:spcPct val="100000"/>
+              </a:lnSpc>
+              <a:spcBef>
+                <a:spcPts val="500"/>
+              </a:spcBef>
+              <a:buClr>
+                <a:schemeClr val="accent1"/>
+              </a:buClr>
+              <a:buFont typeface="Courier New" panose="02070309020205020404" pitchFamily="49" charset="0"/>
+              <a:buChar char="o"/>
+              <a:defRPr sz="2000" b="0" i="0" kern="1200" baseline="0">
+                <a:solidFill>
+                  <a:schemeClr val="tx1"/>
+                </a:solidFill>
+                <a:latin typeface="+mn-lt"/>
+                <a:ea typeface="+mn-ea"/>
+                <a:cs typeface="+mn-cs"/>
+              </a:defRPr>
+            </a:lvl2pPr>
+            <a:lvl3pPr marL="1143000" indent="-457200" algn="l" defTabSz="914400" rtl="0" eaLnBrk="1" latinLnBrk="0" hangingPunct="1">
+              <a:lnSpc>
+                <a:spcPct val="100000"/>
+              </a:lnSpc>
+              <a:spcBef>
+                <a:spcPts val="500"/>
+              </a:spcBef>
+              <a:buClr>
+                <a:schemeClr val="accent1"/>
+              </a:buClr>
+              <a:buFont typeface="Courier New" panose="02070309020205020404" pitchFamily="49" charset="0"/>
+              <a:buChar char="o"/>
+              <a:defRPr sz="1800" b="0" i="0" kern="1200" baseline="0">
+                <a:solidFill>
+                  <a:schemeClr val="tx1"/>
+                </a:solidFill>
+                <a:latin typeface="+mn-lt"/>
+                <a:ea typeface="+mn-ea"/>
+                <a:cs typeface="+mn-cs"/>
+              </a:defRPr>
+            </a:lvl3pPr>
+            <a:lvl4pPr marL="1600200" indent="-457200" algn="l" defTabSz="914400" rtl="0" eaLnBrk="1" latinLnBrk="0" hangingPunct="1">
+              <a:lnSpc>
+                <a:spcPct val="100000"/>
+              </a:lnSpc>
+              <a:spcBef>
+                <a:spcPts val="500"/>
+              </a:spcBef>
+              <a:buClr>
+                <a:schemeClr val="accent1"/>
+              </a:buClr>
+              <a:buFont typeface="Courier New" panose="02070309020205020404" pitchFamily="49" charset="0"/>
+              <a:buChar char="o"/>
+              <a:defRPr sz="1600" b="0" i="0" kern="1200" baseline="0">
+                <a:solidFill>
+                  <a:schemeClr val="tx1"/>
+                </a:solidFill>
+                <a:latin typeface="+mn-lt"/>
+                <a:ea typeface="+mn-ea"/>
+                <a:cs typeface="+mn-cs"/>
+              </a:defRPr>
+            </a:lvl4pPr>
+            <a:lvl5pPr marL="2057400" indent="-457200" algn="l" defTabSz="914400" rtl="0" eaLnBrk="1" latinLnBrk="0" hangingPunct="1">
+              <a:lnSpc>
+                <a:spcPct val="100000"/>
+              </a:lnSpc>
+              <a:spcBef>
+                <a:spcPts val="500"/>
+              </a:spcBef>
+              <a:buClr>
+                <a:schemeClr val="accent1"/>
+              </a:buClr>
+              <a:buFont typeface="Courier New" panose="02070309020205020404" pitchFamily="49" charset="0"/>
+              <a:buChar char="o"/>
+              <a:defRPr sz="1400" b="0" i="0" kern="1200" baseline="0">
+                <a:solidFill>
+                  <a:schemeClr val="tx1"/>
+                </a:solidFill>
+                <a:latin typeface="+mn-lt"/>
+                <a:ea typeface="+mn-ea"/>
+                <a:cs typeface="+mn-cs"/>
+              </a:defRPr>
+            </a:lvl5pPr>
+            <a:lvl6pPr marL="2514600" indent="-228600" algn="l" defTabSz="914400" rtl="0" eaLnBrk="1" latinLnBrk="0" hangingPunct="1">
+              <a:lnSpc>
+                <a:spcPct val="90000"/>
+              </a:lnSpc>
+              <a:spcBef>
+                <a:spcPts val="500"/>
+              </a:spcBef>
+              <a:buFont typeface="Arial" panose="020B0604020202020204" pitchFamily="34" charset="0"/>
+              <a:buChar char="•"/>
+              <a:defRPr sz="1800" kern="1200">
+                <a:solidFill>
+                  <a:schemeClr val="tx1"/>
+                </a:solidFill>
+                <a:latin typeface="+mn-lt"/>
+                <a:ea typeface="+mn-ea"/>
+                <a:cs typeface="+mn-cs"/>
+              </a:defRPr>
+            </a:lvl6pPr>
+            <a:lvl7pPr marL="2971800" indent="-228600" algn="l" defTabSz="914400" rtl="0" eaLnBrk="1" latinLnBrk="0" hangingPunct="1">
+              <a:lnSpc>
+                <a:spcPct val="90000"/>
+              </a:lnSpc>
+              <a:spcBef>
+                <a:spcPts val="500"/>
+              </a:spcBef>
+              <a:buFont typeface="Arial" panose="020B0604020202020204" pitchFamily="34" charset="0"/>
+              <a:buChar char="•"/>
+              <a:defRPr sz="1800" kern="1200">
+                <a:solidFill>
+                  <a:schemeClr val="tx1"/>
+                </a:solidFill>
+                <a:latin typeface="+mn-lt"/>
+                <a:ea typeface="+mn-ea"/>
+                <a:cs typeface="+mn-cs"/>
+              </a:defRPr>
+            </a:lvl7pPr>
+            <a:lvl8pPr marL="3429000" indent="-228600" algn="l" defTabSz="914400" rtl="0" eaLnBrk="1" latinLnBrk="0" hangingPunct="1">
+              <a:lnSpc>
+                <a:spcPct val="90000"/>
+              </a:lnSpc>
+              <a:spcBef>
+                <a:spcPts val="500"/>
+              </a:spcBef>
+              <a:buFont typeface="Arial" panose="020B0604020202020204" pitchFamily="34" charset="0"/>
+              <a:buChar char="•"/>
+              <a:defRPr sz="1800" kern="1200">
+                <a:solidFill>
+                  <a:schemeClr val="tx1"/>
+                </a:solidFill>
+                <a:latin typeface="+mn-lt"/>
+                <a:ea typeface="+mn-ea"/>
+                <a:cs typeface="+mn-cs"/>
+              </a:defRPr>
+            </a:lvl8pPr>
+            <a:lvl9pPr marL="3886200" indent="-228600" algn="l" defTabSz="914400" rtl="0" eaLnBrk="1" latinLnBrk="0" hangingPunct="1">
+              <a:lnSpc>
+                <a:spcPct val="90000"/>
+              </a:lnSpc>
+              <a:spcBef>
+                <a:spcPts val="500"/>
+              </a:spcBef>
+              <a:buFont typeface="Arial" panose="020B0604020202020204" pitchFamily="34" charset="0"/>
+              <a:buChar char="•"/>
+              <a:defRPr sz="1800" kern="1200">
+                <a:solidFill>
+                  <a:schemeClr val="tx1"/>
+                </a:solidFill>
+                <a:latin typeface="+mn-lt"/>
+                <a:ea typeface="+mn-ea"/>
+                <a:cs typeface="+mn-cs"/>
+              </a:defRPr>
+            </a:lvl9pPr>
+          </a:lstStyle>
           <a:p>
             <a:r>
-              <a:rPr lang="en-US" dirty="0"/>
-              <a:t>Aidyn zhanbolat | Aidyn@adatum.com | www.adatum.com</a:t>
+              <a:rPr lang="en-US" sz="1800" dirty="0"/>
+              <a:t>	</a:t>
             </a:r>
           </a:p>
         </p:txBody>
       </p:sp>
+      <p:graphicFrame>
+        <p:nvGraphicFramePr>
+          <p:cNvPr id="5" name="Table 4">
+            <a:extLst>
+              <a:ext uri="{FF2B5EF4-FFF2-40B4-BE49-F238E27FC236}">
+                <a16:creationId xmlns:a16="http://schemas.microsoft.com/office/drawing/2014/main" id="{047FBE33-2DD6-A086-0E53-2FE59364DDC3}"/>
+              </a:ext>
+            </a:extLst>
+          </p:cNvPr>
+          <p:cNvGraphicFramePr>
+            <a:graphicFrameLocks noGrp="1"/>
+          </p:cNvGraphicFramePr>
+          <p:nvPr>
+            <p:extLst>
+              <p:ext uri="{D42A27DB-BD31-4B8C-83A1-F6EECF244321}">
+                <p14:modId xmlns:p14="http://schemas.microsoft.com/office/powerpoint/2010/main" val="2871217297"/>
+              </p:ext>
+            </p:extLst>
+          </p:nvPr>
+        </p:nvGraphicFramePr>
+        <p:xfrm>
+          <a:off x="1003922" y="5115559"/>
+          <a:ext cx="10205471" cy="822960"/>
+        </p:xfrm>
+        <a:graphic>
+          <a:graphicData uri="http://schemas.openxmlformats.org/drawingml/2006/table">
+            <a:tbl>
+              <a:tblPr firstRow="1" bandRow="1">
+                <a:tableStyleId>{BC89EF96-8CEA-46FF-86C4-4CE0E7609802}</a:tableStyleId>
+              </a:tblPr>
+              <a:tblGrid>
+                <a:gridCol w="3410349">
+                  <a:extLst>
+                    <a:ext uri="{9D8B030D-6E8A-4147-A177-3AD203B41FA5}">
+                      <a16:colId xmlns:a16="http://schemas.microsoft.com/office/drawing/2014/main" val="1955434835"/>
+                    </a:ext>
+                  </a:extLst>
+                </a:gridCol>
+                <a:gridCol w="3397561">
+                  <a:extLst>
+                    <a:ext uri="{9D8B030D-6E8A-4147-A177-3AD203B41FA5}">
+                      <a16:colId xmlns:a16="http://schemas.microsoft.com/office/drawing/2014/main" val="1507644317"/>
+                    </a:ext>
+                  </a:extLst>
+                </a:gridCol>
+                <a:gridCol w="3397561">
+                  <a:extLst>
+                    <a:ext uri="{9D8B030D-6E8A-4147-A177-3AD203B41FA5}">
+                      <a16:colId xmlns:a16="http://schemas.microsoft.com/office/drawing/2014/main" val="679705197"/>
+                    </a:ext>
+                  </a:extLst>
+                </a:gridCol>
+              </a:tblGrid>
+              <a:tr h="356142">
+                <a:tc>
+                  <a:txBody>
+                    <a:bodyPr/>
+                    <a:lstStyle/>
+                    <a:p>
+                      <a:pPr algn="ctr"/>
+                      <a:r>
+                        <a:rPr kumimoji="0" lang="en-US" sz="2400" b="0" i="0" u="none" strike="noStrike" kern="1200" cap="all" spc="0" normalizeH="0" baseline="0" noProof="0" dirty="0">
+                          <a:ln>
+                            <a:noFill/>
+                          </a:ln>
+                          <a:solidFill>
+                            <a:srgbClr val="000000"/>
+                          </a:solidFill>
+                          <a:effectLst/>
+                          <a:uLnTx/>
+                          <a:uFillTx/>
+                          <a:latin typeface="+mn-lt"/>
+                          <a:ea typeface="+mn-ea"/>
+                          <a:cs typeface="+mn-cs"/>
+                        </a:rPr>
+                        <a:t>Miguel Zavala</a:t>
+                      </a:r>
+                      <a:endParaRPr lang="en-US" dirty="0"/>
+                    </a:p>
+                  </a:txBody>
+                  <a:tcPr anchor="ctr">
+                    <a:lnL w="12700" cmpd="sng">
+                      <a:noFill/>
+                    </a:lnL>
+                    <a:lnR w="12700" cmpd="sng">
+                      <a:noFill/>
+                    </a:lnR>
+                    <a:lnT w="12700" cmpd="sng">
+                      <a:noFill/>
+                    </a:lnT>
+                    <a:lnB w="25400" cmpd="sng">
+                      <a:noFill/>
+                    </a:lnB>
+                    <a:lnTlToBr w="12700" cmpd="sng">
+                      <a:noFill/>
+                      <a:prstDash val="solid"/>
+                    </a:lnTlToBr>
+                    <a:lnBlToTr w="12700" cmpd="sng">
+                      <a:noFill/>
+                      <a:prstDash val="solid"/>
+                    </a:lnBlToTr>
+                    <a:solidFill>
+                      <a:schemeClr val="bg1"/>
+                    </a:solidFill>
+                  </a:tcPr>
+                </a:tc>
+                <a:tc>
+                  <a:txBody>
+                    <a:bodyPr/>
+                    <a:lstStyle/>
+                    <a:p>
+                      <a:pPr marL="0" marR="0" lvl="0" indent="0" algn="ctr" defTabSz="914400" rtl="0" eaLnBrk="1" fontAlgn="auto" latinLnBrk="0" hangingPunct="1">
+                        <a:lnSpc>
+                          <a:spcPct val="90000"/>
+                        </a:lnSpc>
+                        <a:spcBef>
+                          <a:spcPts val="0"/>
+                        </a:spcBef>
+                        <a:spcAft>
+                          <a:spcPts val="0"/>
+                        </a:spcAft>
+                        <a:buClr>
+                          <a:srgbClr val="96D3ED"/>
+                        </a:buClr>
+                        <a:buSzTx/>
+                        <a:buFont typeface="Courier New" panose="02070309020205020404" pitchFamily="49" charset="0"/>
+                        <a:buNone/>
+                        <a:tabLst/>
+                        <a:defRPr/>
+                      </a:pPr>
+                      <a:r>
+                        <a:rPr kumimoji="0" lang="en-US" sz="2400" b="0" i="0" u="none" strike="noStrike" kern="1200" cap="all" spc="0" normalizeH="0" baseline="0" noProof="0" dirty="0">
+                          <a:ln>
+                            <a:noFill/>
+                          </a:ln>
+                          <a:solidFill>
+                            <a:srgbClr val="000000"/>
+                          </a:solidFill>
+                          <a:effectLst/>
+                          <a:uLnTx/>
+                          <a:uFillTx/>
+                          <a:latin typeface="+mn-lt"/>
+                          <a:ea typeface="+mn-ea"/>
+                          <a:cs typeface="+mn-cs"/>
+                        </a:rPr>
+                        <a:t>ahmad salama</a:t>
+                      </a:r>
+                      <a:endParaRPr lang="en-US" dirty="0"/>
+                    </a:p>
+                  </a:txBody>
+                  <a:tcPr anchor="ctr">
+                    <a:lnL w="12700" cmpd="sng">
+                      <a:noFill/>
+                    </a:lnL>
+                    <a:lnR w="12700" cmpd="sng">
+                      <a:noFill/>
+                    </a:lnR>
+                    <a:lnT w="12700" cmpd="sng">
+                      <a:noFill/>
+                    </a:lnT>
+                    <a:lnB w="25400" cmpd="sng">
+                      <a:noFill/>
+                    </a:lnB>
+                    <a:lnTlToBr w="12700" cmpd="sng">
+                      <a:noFill/>
+                      <a:prstDash val="solid"/>
+                    </a:lnTlToBr>
+                    <a:lnBlToTr w="12700" cmpd="sng">
+                      <a:noFill/>
+                      <a:prstDash val="solid"/>
+                    </a:lnBlToTr>
+                    <a:solidFill>
+                      <a:schemeClr val="bg1"/>
+                    </a:solidFill>
+                  </a:tcPr>
+                </a:tc>
+                <a:tc>
+                  <a:txBody>
+                    <a:bodyPr/>
+                    <a:lstStyle/>
+                    <a:p>
+                      <a:pPr marL="0" marR="0" lvl="0" indent="0" algn="ctr" defTabSz="914400" rtl="0" eaLnBrk="1" fontAlgn="auto" latinLnBrk="0" hangingPunct="1">
+                        <a:lnSpc>
+                          <a:spcPct val="90000"/>
+                        </a:lnSpc>
+                        <a:spcBef>
+                          <a:spcPts val="0"/>
+                        </a:spcBef>
+                        <a:spcAft>
+                          <a:spcPts val="0"/>
+                        </a:spcAft>
+                        <a:buClr>
+                          <a:srgbClr val="96D3ED"/>
+                        </a:buClr>
+                        <a:buSzTx/>
+                        <a:buFont typeface="Courier New" panose="02070309020205020404" pitchFamily="49" charset="0"/>
+                        <a:buNone/>
+                        <a:tabLst/>
+                        <a:defRPr/>
+                      </a:pPr>
+                      <a:r>
+                        <a:rPr kumimoji="0" lang="en-US" sz="2400" b="0" i="0" u="none" strike="noStrike" kern="1200" cap="all" spc="0" normalizeH="0" baseline="0" noProof="0" dirty="0">
+                          <a:ln>
+                            <a:noFill/>
+                          </a:ln>
+                          <a:solidFill>
+                            <a:srgbClr val="000000"/>
+                          </a:solidFill>
+                          <a:effectLst/>
+                          <a:uLnTx/>
+                          <a:uFillTx/>
+                          <a:latin typeface="+mn-lt"/>
+                          <a:ea typeface="+mn-ea"/>
+                          <a:cs typeface="+mn-cs"/>
+                        </a:rPr>
+                        <a:t>arman azhanD</a:t>
+                      </a:r>
+                    </a:p>
+                  </a:txBody>
+                  <a:tcPr anchor="ctr">
+                    <a:lnL w="12700" cmpd="sng">
+                      <a:noFill/>
+                    </a:lnL>
+                    <a:lnR w="12700" cmpd="sng">
+                      <a:noFill/>
+                    </a:lnR>
+                    <a:lnT w="12700" cmpd="sng">
+                      <a:noFill/>
+                    </a:lnT>
+                    <a:lnB w="25400" cmpd="sng">
+                      <a:noFill/>
+                    </a:lnB>
+                    <a:lnTlToBr w="12700" cmpd="sng">
+                      <a:noFill/>
+                      <a:prstDash val="solid"/>
+                    </a:lnTlToBr>
+                    <a:lnBlToTr w="12700" cmpd="sng">
+                      <a:noFill/>
+                      <a:prstDash val="solid"/>
+                    </a:lnBlToTr>
+                    <a:solidFill>
+                      <a:schemeClr val="bg1"/>
+                    </a:solidFill>
+                  </a:tcPr>
+                </a:tc>
+                <a:extLst>
+                  <a:ext uri="{0D108BD9-81ED-4DB2-BD59-A6C34878D82A}">
+                    <a16:rowId xmlns:a16="http://schemas.microsoft.com/office/drawing/2014/main" val="1605305767"/>
+                  </a:ext>
+                </a:extLst>
+              </a:tr>
+              <a:tr h="328025">
+                <a:tc>
+                  <a:txBody>
+                    <a:bodyPr/>
+                    <a:lstStyle/>
+                    <a:p>
+                      <a:pPr algn="ctr"/>
+                      <a:r>
+                        <a:rPr lang="en-US" sz="1800" dirty="0">
+                          <a:hlinkClick r:id="rId3"/>
+                        </a:rPr>
+                        <a:t>mzavalagamero@mail.smu.edu</a:t>
+                      </a:r>
+                      <a:endParaRPr lang="en-US" dirty="0"/>
+                    </a:p>
+                  </a:txBody>
+                  <a:tcPr anchor="ctr">
+                    <a:lnL w="12700" cmpd="sng">
+                      <a:noFill/>
+                    </a:lnL>
+                    <a:lnR w="12700" cmpd="sng">
+                      <a:noFill/>
+                    </a:lnR>
+                    <a:lnT w="25400" cmpd="sng">
+                      <a:noFill/>
+                    </a:lnT>
+                    <a:lnB w="12700" cmpd="sng">
+                      <a:noFill/>
+                    </a:lnB>
+                    <a:lnTlToBr w="12700" cmpd="sng">
+                      <a:noFill/>
+                      <a:prstDash val="solid"/>
+                    </a:lnTlToBr>
+                    <a:lnBlToTr w="12700" cmpd="sng">
+                      <a:noFill/>
+                      <a:prstDash val="solid"/>
+                    </a:lnBlToTr>
+                    <a:solidFill>
+                      <a:schemeClr val="bg1"/>
+                    </a:solidFill>
+                  </a:tcPr>
+                </a:tc>
+                <a:tc>
+                  <a:txBody>
+                    <a:bodyPr/>
+                    <a:lstStyle/>
+                    <a:p>
+                      <a:pPr algn="ctr"/>
+                      <a:r>
+                        <a:rPr lang="en-US" dirty="0">
+                          <a:hlinkClick r:id="rId4"/>
+                        </a:rPr>
+                        <a:t>asalama@mail.smu.edu</a:t>
+                      </a:r>
+                      <a:r>
+                        <a:rPr lang="en-US" dirty="0"/>
+                        <a:t> </a:t>
+                      </a:r>
+                    </a:p>
+                  </a:txBody>
+                  <a:tcPr anchor="ctr">
+                    <a:lnL w="12700" cmpd="sng">
+                      <a:noFill/>
+                    </a:lnL>
+                    <a:lnR w="12700" cmpd="sng">
+                      <a:noFill/>
+                    </a:lnR>
+                    <a:lnT w="25400" cmpd="sng">
+                      <a:noFill/>
+                    </a:lnT>
+                    <a:lnB w="12700" cmpd="sng">
+                      <a:noFill/>
+                    </a:lnB>
+                    <a:lnTlToBr w="12700" cmpd="sng">
+                      <a:noFill/>
+                      <a:prstDash val="solid"/>
+                    </a:lnTlToBr>
+                    <a:lnBlToTr w="12700" cmpd="sng">
+                      <a:noFill/>
+                      <a:prstDash val="solid"/>
+                    </a:lnBlToTr>
+                    <a:solidFill>
+                      <a:schemeClr val="bg1"/>
+                    </a:solidFill>
+                  </a:tcPr>
+                </a:tc>
+                <a:tc>
+                  <a:txBody>
+                    <a:bodyPr/>
+                    <a:lstStyle/>
+                    <a:p>
+                      <a:pPr marL="0" marR="0" lvl="0" indent="0" algn="ctr" defTabSz="914400" rtl="0" eaLnBrk="1" fontAlgn="auto" latinLnBrk="0" hangingPunct="1">
+                        <a:lnSpc>
+                          <a:spcPct val="100000"/>
+                        </a:lnSpc>
+                        <a:spcBef>
+                          <a:spcPts val="0"/>
+                        </a:spcBef>
+                        <a:spcAft>
+                          <a:spcPts val="0"/>
+                        </a:spcAft>
+                        <a:buClrTx/>
+                        <a:buSzTx/>
+                        <a:buFontTx/>
+                        <a:buNone/>
+                        <a:tabLst/>
+                        <a:defRPr/>
+                      </a:pPr>
+                      <a:r>
+                        <a:rPr lang="en-US" sz="1800" dirty="0">
+                          <a:hlinkClick r:id="rId5"/>
+                        </a:rPr>
+                        <a:t>aazhand@mail.smu.edu</a:t>
+                      </a:r>
+                      <a:r>
+                        <a:rPr lang="en-US" sz="1800" dirty="0"/>
+                        <a:t> </a:t>
+                      </a:r>
+                    </a:p>
+                  </a:txBody>
+                  <a:tcPr anchor="ctr">
+                    <a:lnL w="12700" cmpd="sng">
+                      <a:noFill/>
+                    </a:lnL>
+                    <a:lnR w="12700" cmpd="sng">
+                      <a:noFill/>
+                    </a:lnR>
+                    <a:lnT w="25400" cmpd="sng">
+                      <a:noFill/>
+                    </a:lnT>
+                    <a:lnB w="12700" cmpd="sng">
+                      <a:noFill/>
+                    </a:lnB>
+                    <a:lnTlToBr w="12700" cmpd="sng">
+                      <a:noFill/>
+                      <a:prstDash val="solid"/>
+                    </a:lnTlToBr>
+                    <a:lnBlToTr w="12700" cmpd="sng">
+                      <a:noFill/>
+                      <a:prstDash val="solid"/>
+                    </a:lnBlToTr>
+                    <a:solidFill>
+                      <a:schemeClr val="bg1"/>
+                    </a:solidFill>
+                  </a:tcPr>
+                </a:tc>
+                <a:extLst>
+                  <a:ext uri="{0D108BD9-81ED-4DB2-BD59-A6C34878D82A}">
+                    <a16:rowId xmlns:a16="http://schemas.microsoft.com/office/drawing/2014/main" val="477514973"/>
+                  </a:ext>
+                </a:extLst>
+              </a:tr>
+            </a:tbl>
+          </a:graphicData>
+        </a:graphic>
+      </p:graphicFrame>
     </p:spTree>
     <p:extLst>
       <p:ext uri="{BB962C8B-B14F-4D97-AF65-F5344CB8AC3E}">
@@ -17701,7 +14889,15 @@
             </a:r>
             <a:r>
               <a:rPr lang="en-US" sz="3600" dirty="0"/>
-              <a:t> and related factors associated with a patient’s length of stay after accounting for other variables?</a:t>
+              <a:t> (and related factors) associated with a patient’s </a:t>
+            </a:r>
+            <a:r>
+              <a:rPr lang="en-US" sz="3600" b="1" dirty="0"/>
+              <a:t>length of stay </a:t>
+            </a:r>
+            <a:r>
+              <a:rPr lang="en-US" sz="3600" dirty="0"/>
+              <a:t>after accounting for other variables?</a:t>
             </a:r>
           </a:p>
           <a:p>
@@ -17945,256 +15141,6 @@
 <file path=ppt/slides/slide4.xml><?xml version="1.0" encoding="utf-8"?>
 <p:sld xmlns:a="http://schemas.openxmlformats.org/drawingml/2006/main" xmlns:r="http://schemas.openxmlformats.org/officeDocument/2006/relationships" xmlns:p="http://schemas.openxmlformats.org/presentationml/2006/main">
   <p:cSld>
-    <p:spTree>
-      <p:nvGrpSpPr>
-        <p:cNvPr id="1" name=""/>
-        <p:cNvGrpSpPr/>
-        <p:nvPr/>
-      </p:nvGrpSpPr>
-      <p:grpSpPr>
-        <a:xfrm>
-          <a:off x="0" y="0"/>
-          <a:ext cx="0" cy="0"/>
-          <a:chOff x="0" y="0"/>
-          <a:chExt cx="0" cy="0"/>
-        </a:xfrm>
-      </p:grpSpPr>
-      <p:sp>
-        <p:nvSpPr>
-          <p:cNvPr id="2" name="Title 1">
-            <a:extLst>
-              <a:ext uri="{FF2B5EF4-FFF2-40B4-BE49-F238E27FC236}">
-                <a16:creationId xmlns:a16="http://schemas.microsoft.com/office/drawing/2014/main" id="{BF463CB3-2956-E8D2-C23D-A3BAA7295DEC}"/>
-              </a:ext>
-            </a:extLst>
-          </p:cNvPr>
-          <p:cNvSpPr>
-            <a:spLocks noGrp="1"/>
-          </p:cNvSpPr>
-          <p:nvPr>
-            <p:ph type="ctrTitle"/>
-          </p:nvPr>
-        </p:nvSpPr>
-        <p:spPr>
-          <a:xfrm>
-            <a:off x="978408" y="1143000"/>
-            <a:ext cx="10241280" cy="2286000"/>
-          </a:xfrm>
-          <a:noFill/>
-        </p:spPr>
-        <p:txBody>
-          <a:bodyPr anchor="b" anchorCtr="0"/>
-          <a:lstStyle/>
-          <a:p>
-            <a:r>
-              <a:rPr lang="en-US" dirty="0"/>
-              <a:t>Product overview</a:t>
-            </a:r>
-          </a:p>
-        </p:txBody>
-      </p:sp>
-      <p:sp>
-        <p:nvSpPr>
-          <p:cNvPr id="3" name="Subtitle 2">
-            <a:extLst>
-              <a:ext uri="{FF2B5EF4-FFF2-40B4-BE49-F238E27FC236}">
-                <a16:creationId xmlns:a16="http://schemas.microsoft.com/office/drawing/2014/main" id="{FEECEBD4-35BF-26BB-D438-DA43EBD5EE89}"/>
-              </a:ext>
-            </a:extLst>
-          </p:cNvPr>
-          <p:cNvSpPr>
-            <a:spLocks noGrp="1"/>
-          </p:cNvSpPr>
-          <p:nvPr>
-            <p:ph type="subTitle" idx="1"/>
-          </p:nvPr>
-        </p:nvSpPr>
-        <p:spPr>
-          <a:xfrm>
-            <a:off x="2075688" y="3803904"/>
-            <a:ext cx="8046720" cy="914400"/>
-          </a:xfrm>
-          <a:noFill/>
-        </p:spPr>
-        <p:txBody>
-          <a:bodyPr>
-            <a:normAutofit/>
-          </a:bodyPr>
-          <a:lstStyle/>
-          <a:p>
-            <a:r>
-              <a:rPr lang="en-US" dirty="0"/>
-              <a:t>Combining functionality and user-friendliness, we empowers users to streamline operations and boost efficiency</a:t>
-            </a:r>
-          </a:p>
-        </p:txBody>
-      </p:sp>
-    </p:spTree>
-    <p:extLst>
-      <p:ext uri="{BB962C8B-B14F-4D97-AF65-F5344CB8AC3E}">
-        <p14:creationId xmlns:p14="http://schemas.microsoft.com/office/powerpoint/2010/main" val="435195399"/>
-      </p:ext>
-    </p:extLst>
-  </p:cSld>
-  <p:clrMapOvr>
-    <a:masterClrMapping/>
-  </p:clrMapOvr>
-</p:sld>
-</file>
-
-<file path=ppt/slides/slide5.xml><?xml version="1.0" encoding="utf-8"?>
-<p:sld xmlns:a="http://schemas.openxmlformats.org/drawingml/2006/main" xmlns:r="http://schemas.openxmlformats.org/officeDocument/2006/relationships" xmlns:p="http://schemas.openxmlformats.org/presentationml/2006/main">
-  <p:cSld>
-    <p:spTree>
-      <p:nvGrpSpPr>
-        <p:cNvPr id="1" name=""/>
-        <p:cNvGrpSpPr/>
-        <p:nvPr/>
-      </p:nvGrpSpPr>
-      <p:grpSpPr>
-        <a:xfrm>
-          <a:off x="0" y="0"/>
-          <a:ext cx="0" cy="0"/>
-          <a:chOff x="0" y="0"/>
-          <a:chExt cx="0" cy="0"/>
-        </a:xfrm>
-      </p:grpSpPr>
-      <p:sp>
-        <p:nvSpPr>
-          <p:cNvPr id="2" name="Title 1">
-            <a:extLst>
-              <a:ext uri="{FF2B5EF4-FFF2-40B4-BE49-F238E27FC236}">
-                <a16:creationId xmlns:a16="http://schemas.microsoft.com/office/drawing/2014/main" id="{9635F5E3-2B1C-7C0A-8581-67A9052D13AA}"/>
-              </a:ext>
-            </a:extLst>
-          </p:cNvPr>
-          <p:cNvSpPr>
-            <a:spLocks noGrp="1"/>
-          </p:cNvSpPr>
-          <p:nvPr>
-            <p:ph type="title"/>
-          </p:nvPr>
-        </p:nvSpPr>
-        <p:spPr>
-          <a:xfrm>
-            <a:off x="5340096" y="1097280"/>
-            <a:ext cx="6217920" cy="1828800"/>
-          </a:xfrm>
-          <a:noFill/>
-        </p:spPr>
-        <p:txBody>
-          <a:bodyPr/>
-          <a:lstStyle/>
-          <a:p>
-            <a:r>
-              <a:rPr lang="en-US" dirty="0"/>
-              <a:t>Product benefits</a:t>
-            </a:r>
-          </a:p>
-        </p:txBody>
-      </p:sp>
-      <p:pic>
-        <p:nvPicPr>
-          <p:cNvPr id="16" name="Picture Placeholder 15" descr="Pipette over three glass jars">
-            <a:extLst>
-              <a:ext uri="{FF2B5EF4-FFF2-40B4-BE49-F238E27FC236}">
-                <a16:creationId xmlns:a16="http://schemas.microsoft.com/office/drawing/2014/main" id="{363B2CE7-DE69-D368-9719-08D0C83ABC06}"/>
-              </a:ext>
-            </a:extLst>
-          </p:cNvPr>
-          <p:cNvPicPr>
-            <a:picLocks noGrp="1" noChangeAspect="1"/>
-          </p:cNvPicPr>
-          <p:nvPr>
-            <p:ph type="pic" sz="quarter" idx="13"/>
-          </p:nvPr>
-        </p:nvPicPr>
-        <p:blipFill>
-          <a:blip r:embed="rId2"/>
-          <a:srcRect/>
-          <a:stretch/>
-        </p:blipFill>
-        <p:spPr>
-          <a:xfrm>
-            <a:off x="1298448" y="1828800"/>
-            <a:ext cx="3200400" cy="3200400"/>
-          </a:xfrm>
-        </p:spPr>
-      </p:pic>
-      <p:sp>
-        <p:nvSpPr>
-          <p:cNvPr id="3" name="Content Placeholder 2">
-            <a:extLst>
-              <a:ext uri="{FF2B5EF4-FFF2-40B4-BE49-F238E27FC236}">
-                <a16:creationId xmlns:a16="http://schemas.microsoft.com/office/drawing/2014/main" id="{A6A33159-D030-2F82-A142-F75940728319}"/>
-              </a:ext>
-            </a:extLst>
-          </p:cNvPr>
-          <p:cNvSpPr>
-            <a:spLocks noGrp="1"/>
-          </p:cNvSpPr>
-          <p:nvPr>
-            <p:ph idx="1"/>
-          </p:nvPr>
-        </p:nvSpPr>
-        <p:spPr>
-          <a:xfrm>
-            <a:off x="5340096" y="3429000"/>
-            <a:ext cx="6217920" cy="2743200"/>
-          </a:xfrm>
-          <a:noFill/>
-        </p:spPr>
-        <p:txBody>
-          <a:bodyPr/>
-          <a:lstStyle/>
-          <a:p>
-            <a:r>
-              <a:rPr lang="en-US" dirty="0"/>
-              <a:t>Increased productivity</a:t>
-            </a:r>
-          </a:p>
-          <a:p>
-            <a:r>
-              <a:rPr lang="en-US" dirty="0"/>
-              <a:t>Seamless integration</a:t>
-            </a:r>
-          </a:p>
-          <a:p>
-            <a:r>
-              <a:rPr lang="en-US" dirty="0"/>
-              <a:t>Enhanced user experience</a:t>
-            </a:r>
-          </a:p>
-          <a:p>
-            <a:r>
-              <a:rPr lang="en-US" dirty="0"/>
-              <a:t>Scalability for future growth</a:t>
-            </a:r>
-          </a:p>
-          <a:p>
-            <a:r>
-              <a:rPr lang="en-US" dirty="0"/>
-              <a:t>User-friendly learning</a:t>
-            </a:r>
-          </a:p>
-        </p:txBody>
-      </p:sp>
-    </p:spTree>
-    <p:extLst>
-      <p:ext uri="{BB962C8B-B14F-4D97-AF65-F5344CB8AC3E}">
-        <p14:creationId xmlns:p14="http://schemas.microsoft.com/office/powerpoint/2010/main" val="3666674671"/>
-      </p:ext>
-    </p:extLst>
-  </p:cSld>
-  <p:clrMapOvr>
-    <a:masterClrMapping/>
-  </p:clrMapOvr>
-</p:sld>
-</file>
-
-<file path=ppt/slides/slide6.xml><?xml version="1.0" encoding="utf-8"?>
-<p:sld xmlns:a="http://schemas.openxmlformats.org/drawingml/2006/main" xmlns:r="http://schemas.openxmlformats.org/officeDocument/2006/relationships" xmlns:p="http://schemas.openxmlformats.org/presentationml/2006/main">
-  <p:cSld>
     <p:bg>
       <p:bgPr>
         <a:solidFill>
@@ -18263,8 +15209,8 @@
         </p:nvSpPr>
         <p:spPr>
           <a:xfrm>
-            <a:off x="1984248" y="1920240"/>
-            <a:ext cx="8229600" cy="3017520"/>
+            <a:off x="1984248" y="2270014"/>
+            <a:ext cx="8229600" cy="1713639"/>
           </a:xfrm>
           <a:noFill/>
         </p:spPr>
@@ -18274,7 +15220,48 @@
           <a:p>
             <a:r>
               <a:rPr lang="en-US" dirty="0"/>
-              <a:t>Market overview</a:t>
+              <a:t>Exploratory data analysis</a:t>
+            </a:r>
+          </a:p>
+        </p:txBody>
+      </p:sp>
+      <p:sp>
+        <p:nvSpPr>
+          <p:cNvPr id="4" name="TextBox 3">
+            <a:extLst>
+              <a:ext uri="{FF2B5EF4-FFF2-40B4-BE49-F238E27FC236}">
+                <a16:creationId xmlns:a16="http://schemas.microsoft.com/office/drawing/2014/main" id="{4349BCF7-77C1-3044-4F1E-067325645B22}"/>
+              </a:ext>
+            </a:extLst>
+          </p:cNvPr>
+          <p:cNvSpPr txBox="1"/>
+          <p:nvPr/>
+        </p:nvSpPr>
+        <p:spPr>
+          <a:xfrm>
+            <a:off x="2094242" y="3983653"/>
+            <a:ext cx="8003515" cy="954107"/>
+          </a:xfrm>
+          <a:prstGeom prst="rect">
+            <a:avLst/>
+          </a:prstGeom>
+          <a:noFill/>
+          <a:ln w="19050">
+            <a:solidFill>
+              <a:schemeClr val="tx1"/>
+            </a:solidFill>
+          </a:ln>
+        </p:spPr>
+        <p:txBody>
+          <a:bodyPr wrap="square">
+            <a:spAutoFit/>
+          </a:bodyPr>
+          <a:lstStyle/>
+          <a:p>
+            <a:pPr algn="just"/>
+            <a:r>
+              <a:rPr lang="en-US" sz="2800" dirty="0"/>
+              <a:t>Taking a closer look at our data and exploring the relationships each variable has with one another.</a:t>
             </a:r>
           </a:p>
         </p:txBody>
@@ -18292,12 +15279,18 @@
 </p:sld>
 </file>
 
-<file path=ppt/slides/slide7.xml><?xml version="1.0" encoding="utf-8"?>
+<file path=ppt/slides/slide5.xml><?xml version="1.0" encoding="utf-8"?>
 <p:sld xmlns:a="http://schemas.openxmlformats.org/drawingml/2006/main" xmlns:r="http://schemas.openxmlformats.org/officeDocument/2006/relationships" xmlns:p="http://schemas.openxmlformats.org/presentationml/2006/main">
   <p:cSld>
     <p:spTree>
       <p:nvGrpSpPr>
-        <p:cNvPr id="1" name=""/>
+        <p:cNvPr id="1" name="">
+          <a:extLst>
+            <a:ext uri="{FF2B5EF4-FFF2-40B4-BE49-F238E27FC236}">
+              <a16:creationId xmlns:a16="http://schemas.microsoft.com/office/drawing/2014/main" id="{3802C8E6-4E5A-4523-8821-30EB43477866}"/>
+            </a:ext>
+          </a:extLst>
+        </p:cNvPr>
         <p:cNvGrpSpPr/>
         <p:nvPr/>
       </p:nvGrpSpPr>
@@ -18314,7 +15307,7 @@
           <p:cNvPr id="2" name="Title 1">
             <a:extLst>
               <a:ext uri="{FF2B5EF4-FFF2-40B4-BE49-F238E27FC236}">
-                <a16:creationId xmlns:a16="http://schemas.microsoft.com/office/drawing/2014/main" id="{338A15DE-D135-0710-9984-A0A55E960CB0}"/>
+                <a16:creationId xmlns:a16="http://schemas.microsoft.com/office/drawing/2014/main" id="{D8C1DE0D-54E3-CF3F-A106-173B5D438EEE}"/>
               </a:ext>
             </a:extLst>
           </p:cNvPr>
@@ -18325,64 +15318,21 @@
             <p:ph type="title"/>
           </p:nvPr>
         </p:nvSpPr>
-        <p:spPr>
-          <a:xfrm>
-            <a:off x="1280160" y="3931920"/>
-            <a:ext cx="5029200" cy="1828800"/>
-          </a:xfrm>
-          <a:noFill/>
-        </p:spPr>
+        <p:spPr/>
         <p:txBody>
           <a:bodyPr/>
           <a:lstStyle/>
           <a:p>
-            <a:r>
-              <a:rPr lang="en-US" dirty="0"/>
-              <a:t>market comparison</a:t>
-            </a:r>
+            <a:endParaRPr lang="en-US" dirty="0"/>
           </a:p>
         </p:txBody>
       </p:sp>
-      <p:pic>
-        <p:nvPicPr>
-          <p:cNvPr id="6" name="Picture Placeholder 17" descr="Scientist looking at a test tube">
-            <a:extLst>
-              <a:ext uri="{FF2B5EF4-FFF2-40B4-BE49-F238E27FC236}">
-                <a16:creationId xmlns:a16="http://schemas.microsoft.com/office/drawing/2014/main" id="{23F775E2-246C-F1D2-C3A0-D4C55F65CC82}"/>
-              </a:ext>
-            </a:extLst>
-          </p:cNvPr>
-          <p:cNvPicPr>
-            <a:picLocks noGrp="1" noChangeAspect="1"/>
-          </p:cNvPicPr>
-          <p:nvPr>
-            <p:ph type="pic" sz="quarter" idx="14"/>
-          </p:nvPr>
-        </p:nvPicPr>
-        <p:blipFill>
-          <a:blip r:embed="rId2">
-            <a:extLst>
-              <a:ext uri="{28A0092B-C50C-407E-A947-70E740481C1C}">
-                <a14:useLocalDpi xmlns:a14="http://schemas.microsoft.com/office/drawing/2010/main" val="0"/>
-              </a:ext>
-            </a:extLst>
-          </a:blip>
-          <a:srcRect t="26" b="26"/>
-          <a:stretch/>
-        </p:blipFill>
-        <p:spPr>
-          <a:xfrm>
-            <a:off x="1280160" y="548640"/>
-            <a:ext cx="3017520" cy="3017520"/>
-          </a:xfrm>
-        </p:spPr>
-      </p:pic>
       <p:sp>
         <p:nvSpPr>
           <p:cNvPr id="3" name="Content Placeholder 2">
             <a:extLst>
               <a:ext uri="{FF2B5EF4-FFF2-40B4-BE49-F238E27FC236}">
-                <a16:creationId xmlns:a16="http://schemas.microsoft.com/office/drawing/2014/main" id="{ECC8AA23-D8D0-93BE-5C5F-103A750B0D2F}"/>
+                <a16:creationId xmlns:a16="http://schemas.microsoft.com/office/drawing/2014/main" id="{EB244F1B-C9DB-FE00-ABDD-D9DF4483D01D}"/>
               </a:ext>
             </a:extLst>
           </p:cNvPr>
@@ -18393,52 +15343,199 @@
             <p:ph sz="half" idx="1"/>
           </p:nvPr>
         </p:nvSpPr>
+        <p:spPr/>
+        <p:txBody>
+          <a:bodyPr/>
+          <a:lstStyle/>
+          <a:p>
+            <a:endParaRPr lang="en-US"/>
+          </a:p>
+        </p:txBody>
+      </p:sp>
+      <p:sp>
+        <p:nvSpPr>
+          <p:cNvPr id="4" name="Content Placeholder 3">
+            <a:extLst>
+              <a:ext uri="{FF2B5EF4-FFF2-40B4-BE49-F238E27FC236}">
+                <a16:creationId xmlns:a16="http://schemas.microsoft.com/office/drawing/2014/main" id="{9549201E-508B-BD8B-5BEC-588895ED27C1}"/>
+              </a:ext>
+            </a:extLst>
+          </p:cNvPr>
+          <p:cNvSpPr>
+            <a:spLocks noGrp="1"/>
+          </p:cNvSpPr>
+          <p:nvPr>
+            <p:ph sz="half" idx="2"/>
+          </p:nvPr>
+        </p:nvSpPr>
+        <p:spPr/>
+        <p:txBody>
+          <a:bodyPr/>
+          <a:lstStyle/>
+          <a:p>
+            <a:endParaRPr lang="en-US"/>
+          </a:p>
+        </p:txBody>
+      </p:sp>
+    </p:spTree>
+    <p:extLst>
+      <p:ext uri="{BB962C8B-B14F-4D97-AF65-F5344CB8AC3E}">
+        <p14:creationId xmlns:p14="http://schemas.microsoft.com/office/powerpoint/2010/main" val="1548879036"/>
+      </p:ext>
+    </p:extLst>
+  </p:cSld>
+  <p:clrMapOvr>
+    <a:masterClrMapping/>
+  </p:clrMapOvr>
+</p:sld>
+</file>
+
+<file path=ppt/slides/slide6.xml><?xml version="1.0" encoding="utf-8"?>
+<p:sld xmlns:a="http://schemas.openxmlformats.org/drawingml/2006/main" xmlns:r="http://schemas.openxmlformats.org/officeDocument/2006/relationships" xmlns:p="http://schemas.openxmlformats.org/presentationml/2006/main">
+  <p:cSld>
+    <p:bg>
+      <p:bgPr>
+        <a:solidFill>
+          <a:schemeClr val="accent2"/>
+        </a:solidFill>
+        <a:effectLst/>
+      </p:bgPr>
+    </p:bg>
+    <p:spTree>
+      <p:nvGrpSpPr>
+        <p:cNvPr id="1" name="">
+          <a:extLst>
+            <a:ext uri="{FF2B5EF4-FFF2-40B4-BE49-F238E27FC236}">
+              <a16:creationId xmlns:a16="http://schemas.microsoft.com/office/drawing/2014/main" id="{7340B19E-4181-8B4E-2FAD-202A40C670BA}"/>
+            </a:ext>
+          </a:extLst>
+        </p:cNvPr>
+        <p:cNvGrpSpPr/>
+        <p:nvPr/>
+      </p:nvGrpSpPr>
+      <p:grpSpPr>
+        <a:xfrm>
+          <a:off x="0" y="0"/>
+          <a:ext cx="0" cy="0"/>
+          <a:chOff x="0" y="0"/>
+          <a:chExt cx="0" cy="0"/>
+        </a:xfrm>
+      </p:grpSpPr>
+      <p:pic>
+        <p:nvPicPr>
+          <p:cNvPr id="8" name="Picture Placeholder 7" descr="White DNA structure">
+            <a:extLst>
+              <a:ext uri="{FF2B5EF4-FFF2-40B4-BE49-F238E27FC236}">
+                <a16:creationId xmlns:a16="http://schemas.microsoft.com/office/drawing/2014/main" id="{FF231343-93B0-F651-122F-EB707EB599FA}"/>
+              </a:ext>
+            </a:extLst>
+          </p:cNvPr>
+          <p:cNvPicPr>
+            <a:picLocks noGrp="1" noChangeAspect="1"/>
+          </p:cNvPicPr>
+          <p:nvPr>
+            <p:ph type="pic" sz="quarter" idx="13"/>
+          </p:nvPr>
+        </p:nvPicPr>
+        <p:blipFill>
+          <a:blip r:embed="rId2"/>
+          <a:srcRect l="5" r="5"/>
+          <a:stretch/>
+        </p:blipFill>
         <p:spPr>
           <a:xfrm>
-            <a:off x="7205472" y="731520"/>
-            <a:ext cx="4306824" cy="5394960"/>
+            <a:off x="1524000" y="1481328"/>
+            <a:ext cx="9144000" cy="3895344"/>
+          </a:xfrm>
+        </p:spPr>
+      </p:pic>
+      <p:sp>
+        <p:nvSpPr>
+          <p:cNvPr id="3" name="Title 2">
+            <a:extLst>
+              <a:ext uri="{FF2B5EF4-FFF2-40B4-BE49-F238E27FC236}">
+                <a16:creationId xmlns:a16="http://schemas.microsoft.com/office/drawing/2014/main" id="{C91A9FDE-9C6D-D204-2B6A-0E01370CE67E}"/>
+              </a:ext>
+            </a:extLst>
+          </p:cNvPr>
+          <p:cNvSpPr>
+            <a:spLocks noGrp="1"/>
+          </p:cNvSpPr>
+          <p:nvPr>
+            <p:ph type="ctrTitle"/>
+          </p:nvPr>
+        </p:nvSpPr>
+        <p:spPr>
+          <a:xfrm>
+            <a:off x="1984248" y="2270014"/>
+            <a:ext cx="8229600" cy="1713639"/>
           </a:xfrm>
           <a:noFill/>
         </p:spPr>
         <p:txBody>
-          <a:bodyPr vert="horz" lIns="91440" tIns="45720" rIns="91440" bIns="45720" rtlCol="0" anchor="b" anchorCtr="0">
-            <a:noAutofit/>
-          </a:bodyPr>
+          <a:bodyPr anchor="ctr" anchorCtr="0"/>
           <a:lstStyle/>
           <a:p>
             <a:r>
               <a:rPr lang="en-US" dirty="0"/>
-              <a:t>Stands out in market</a:t>
+              <a:t>Objective 1</a:t>
             </a:r>
           </a:p>
+        </p:txBody>
+      </p:sp>
+      <p:sp>
+        <p:nvSpPr>
+          <p:cNvPr id="4" name="TextBox 3">
+            <a:extLst>
+              <a:ext uri="{FF2B5EF4-FFF2-40B4-BE49-F238E27FC236}">
+                <a16:creationId xmlns:a16="http://schemas.microsoft.com/office/drawing/2014/main" id="{487E2489-10BC-4EFF-E185-8230D975D3AF}"/>
+              </a:ext>
+            </a:extLst>
+          </p:cNvPr>
+          <p:cNvSpPr txBox="1"/>
+          <p:nvPr/>
+        </p:nvSpPr>
+        <p:spPr>
+          <a:xfrm>
+            <a:off x="2094242" y="3983653"/>
+            <a:ext cx="8003515" cy="954107"/>
+          </a:xfrm>
+          <a:prstGeom prst="rect">
+            <a:avLst/>
+          </a:prstGeom>
+          <a:noFill/>
+          <a:ln w="19050">
+            <a:solidFill>
+              <a:schemeClr val="tx1"/>
+            </a:solidFill>
+          </a:ln>
+        </p:spPr>
+        <p:txBody>
+          <a:bodyPr wrap="square">
+            <a:spAutoFit/>
+          </a:bodyPr>
+          <a:lstStyle/>
           <a:p>
+            <a:pPr algn="just"/>
             <a:r>
-              <a:rPr lang="en-US" dirty="0"/>
-              <a:t>Innovative features</a:t>
+              <a:rPr lang="en-US" sz="2800" dirty="0"/>
+              <a:t>Is </a:t>
             </a:r>
-          </a:p>
-          <a:p>
             <a:r>
-              <a:rPr lang="en-US" dirty="0"/>
-              <a:t>Provides unique solution</a:t>
+              <a:rPr lang="en-US" sz="2800" b="1" dirty="0"/>
+              <a:t>infection risk</a:t>
             </a:r>
-          </a:p>
-          <a:p>
             <a:r>
-              <a:rPr lang="en-US" dirty="0"/>
-              <a:t>Edge over competitors</a:t>
+              <a:rPr lang="en-US" sz="2800" dirty="0"/>
+              <a:t> (and related factors) associated with a patient’s </a:t>
             </a:r>
-          </a:p>
-          <a:p>
             <a:r>
-              <a:rPr lang="en-US" dirty="0"/>
-              <a:t>User-focused design</a:t>
+              <a:rPr lang="en-US" sz="2800" b="1" dirty="0"/>
+              <a:t>length of stay </a:t>
             </a:r>
-          </a:p>
-          <a:p>
             <a:r>
-              <a:rPr lang="en-US" dirty="0"/>
-              <a:t>Prioritizes user experience</a:t>
+              <a:rPr lang="en-US" sz="2800" dirty="0"/>
+              <a:t>after accounting for other variables?</a:t>
             </a:r>
           </a:p>
         </p:txBody>
@@ -18446,7 +15543,154 @@
     </p:spTree>
     <p:extLst>
       <p:ext uri="{BB962C8B-B14F-4D97-AF65-F5344CB8AC3E}">
-        <p14:creationId xmlns:p14="http://schemas.microsoft.com/office/powerpoint/2010/main" val="2737241225"/>
+        <p14:creationId xmlns:p14="http://schemas.microsoft.com/office/powerpoint/2010/main" val="4109529931"/>
+      </p:ext>
+    </p:extLst>
+  </p:cSld>
+  <p:clrMapOvr>
+    <a:masterClrMapping/>
+  </p:clrMapOvr>
+</p:sld>
+</file>
+
+<file path=ppt/slides/slide7.xml><?xml version="1.0" encoding="utf-8"?>
+<p:sld xmlns:a="http://schemas.openxmlformats.org/drawingml/2006/main" xmlns:r="http://schemas.openxmlformats.org/officeDocument/2006/relationships" xmlns:p="http://schemas.openxmlformats.org/presentationml/2006/main">
+  <p:cSld>
+    <p:bg>
+      <p:bgPr>
+        <a:solidFill>
+          <a:schemeClr val="accent2"/>
+        </a:solidFill>
+        <a:effectLst/>
+      </p:bgPr>
+    </p:bg>
+    <p:spTree>
+      <p:nvGrpSpPr>
+        <p:cNvPr id="1" name="">
+          <a:extLst>
+            <a:ext uri="{FF2B5EF4-FFF2-40B4-BE49-F238E27FC236}">
+              <a16:creationId xmlns:a16="http://schemas.microsoft.com/office/drawing/2014/main" id="{5D64C98A-0BA4-697A-8AC7-5831A93D441A}"/>
+            </a:ext>
+          </a:extLst>
+        </p:cNvPr>
+        <p:cNvGrpSpPr/>
+        <p:nvPr/>
+      </p:nvGrpSpPr>
+      <p:grpSpPr>
+        <a:xfrm>
+          <a:off x="0" y="0"/>
+          <a:ext cx="0" cy="0"/>
+          <a:chOff x="0" y="0"/>
+          <a:chExt cx="0" cy="0"/>
+        </a:xfrm>
+      </p:grpSpPr>
+      <p:pic>
+        <p:nvPicPr>
+          <p:cNvPr id="8" name="Picture Placeholder 7" descr="White DNA structure">
+            <a:extLst>
+              <a:ext uri="{FF2B5EF4-FFF2-40B4-BE49-F238E27FC236}">
+                <a16:creationId xmlns:a16="http://schemas.microsoft.com/office/drawing/2014/main" id="{A03CD6B6-700D-2C0A-E766-B8391E10F57D}"/>
+              </a:ext>
+            </a:extLst>
+          </p:cNvPr>
+          <p:cNvPicPr>
+            <a:picLocks noGrp="1" noChangeAspect="1"/>
+          </p:cNvPicPr>
+          <p:nvPr>
+            <p:ph type="pic" sz="quarter" idx="13"/>
+          </p:nvPr>
+        </p:nvPicPr>
+        <p:blipFill>
+          <a:blip r:embed="rId2"/>
+          <a:srcRect l="5" r="5"/>
+          <a:stretch/>
+        </p:blipFill>
+        <p:spPr>
+          <a:xfrm>
+            <a:off x="1524000" y="1481328"/>
+            <a:ext cx="9144000" cy="3895344"/>
+          </a:xfrm>
+        </p:spPr>
+      </p:pic>
+      <p:sp>
+        <p:nvSpPr>
+          <p:cNvPr id="3" name="Title 2">
+            <a:extLst>
+              <a:ext uri="{FF2B5EF4-FFF2-40B4-BE49-F238E27FC236}">
+                <a16:creationId xmlns:a16="http://schemas.microsoft.com/office/drawing/2014/main" id="{098A49E6-0B65-F365-0D7C-EDFDE5F6439E}"/>
+              </a:ext>
+            </a:extLst>
+          </p:cNvPr>
+          <p:cNvSpPr>
+            <a:spLocks noGrp="1"/>
+          </p:cNvSpPr>
+          <p:nvPr>
+            <p:ph type="ctrTitle"/>
+          </p:nvPr>
+        </p:nvSpPr>
+        <p:spPr>
+          <a:xfrm>
+            <a:off x="1984248" y="2270014"/>
+            <a:ext cx="8229600" cy="1713639"/>
+          </a:xfrm>
+          <a:noFill/>
+        </p:spPr>
+        <p:txBody>
+          <a:bodyPr anchor="ctr" anchorCtr="0"/>
+          <a:lstStyle/>
+          <a:p>
+            <a:r>
+              <a:rPr lang="en-US" dirty="0"/>
+              <a:t>Objective 2</a:t>
+            </a:r>
+          </a:p>
+        </p:txBody>
+      </p:sp>
+      <p:sp>
+        <p:nvSpPr>
+          <p:cNvPr id="4" name="TextBox 3">
+            <a:extLst>
+              <a:ext uri="{FF2B5EF4-FFF2-40B4-BE49-F238E27FC236}">
+                <a16:creationId xmlns:a16="http://schemas.microsoft.com/office/drawing/2014/main" id="{D7B7A5C2-29AD-EFF0-03B0-9A8B6E3D09AB}"/>
+              </a:ext>
+            </a:extLst>
+          </p:cNvPr>
+          <p:cNvSpPr txBox="1"/>
+          <p:nvPr/>
+        </p:nvSpPr>
+        <p:spPr>
+          <a:xfrm>
+            <a:off x="2094242" y="3983653"/>
+            <a:ext cx="8003515" cy="954107"/>
+          </a:xfrm>
+          <a:prstGeom prst="rect">
+            <a:avLst/>
+          </a:prstGeom>
+          <a:noFill/>
+          <a:ln w="19050">
+            <a:solidFill>
+              <a:schemeClr val="tx1"/>
+            </a:solidFill>
+          </a:ln>
+        </p:spPr>
+        <p:txBody>
+          <a:bodyPr wrap="square">
+            <a:spAutoFit/>
+          </a:bodyPr>
+          <a:lstStyle/>
+          <a:p>
+            <a:pPr algn="just"/>
+            <a:r>
+              <a:rPr lang="en-US" sz="2800" dirty="0"/>
+              <a:t>Fit multiple models to predict future patients’ hospital stays and compare the models to one another.</a:t>
+            </a:r>
+          </a:p>
+        </p:txBody>
+      </p:sp>
+    </p:spTree>
+    <p:extLst>
+      <p:ext uri="{BB962C8B-B14F-4D97-AF65-F5344CB8AC3E}">
+        <p14:creationId xmlns:p14="http://schemas.microsoft.com/office/powerpoint/2010/main" val="765670763"/>
       </p:ext>
     </p:extLst>
   </p:cSld>
@@ -18478,7 +15722,7 @@
           <p:cNvPr id="2" name="Title 1">
             <a:extLst>
               <a:ext uri="{FF2B5EF4-FFF2-40B4-BE49-F238E27FC236}">
-                <a16:creationId xmlns:a16="http://schemas.microsoft.com/office/drawing/2014/main" id="{47A9874B-BCA9-8420-1595-EDD1865A099A}"/>
+                <a16:creationId xmlns:a16="http://schemas.microsoft.com/office/drawing/2014/main" id="{960FBF52-98D1-00A5-FC87-F0ACEF685112}"/>
               </a:ext>
             </a:extLst>
           </p:cNvPr>
@@ -18489,20 +15733,14 @@
             <p:ph type="title"/>
           </p:nvPr>
         </p:nvSpPr>
-        <p:spPr>
-          <a:xfrm>
-            <a:off x="1280160" y="1097280"/>
-            <a:ext cx="9821955" cy="914400"/>
-          </a:xfrm>
-          <a:noFill/>
-        </p:spPr>
+        <p:spPr/>
         <p:txBody>
-          <a:bodyPr anchor="t" anchorCtr="0"/>
+          <a:bodyPr/>
           <a:lstStyle/>
           <a:p>
             <a:r>
               <a:rPr lang="en-US" dirty="0"/>
-              <a:t>Competitive landscape</a:t>
+              <a:t>Multiple linear regression (model 2)</a:t>
             </a:r>
           </a:p>
         </p:txBody>
@@ -18512,7 +15750,7 @@
           <p:cNvPr id="3" name="Content Placeholder 2">
             <a:extLst>
               <a:ext uri="{FF2B5EF4-FFF2-40B4-BE49-F238E27FC236}">
-                <a16:creationId xmlns:a16="http://schemas.microsoft.com/office/drawing/2014/main" id="{68A5FD2B-E3E5-1C2B-0151-21F216B14A33}"/>
+                <a16:creationId xmlns:a16="http://schemas.microsoft.com/office/drawing/2014/main" id="{785426EE-DA5F-1D72-3B7A-B7A806826A24}"/>
               </a:ext>
             </a:extLst>
           </p:cNvPr>
@@ -18523,58 +15761,12 @@
             <p:ph sz="half" idx="1"/>
           </p:nvPr>
         </p:nvSpPr>
-        <p:spPr>
-          <a:xfrm>
-            <a:off x="1280160" y="2377440"/>
-            <a:ext cx="4663440" cy="3566160"/>
-          </a:xfrm>
-          <a:solidFill>
-            <a:schemeClr val="accent1">
-              <a:lumMod val="20000"/>
-              <a:lumOff val="80000"/>
-            </a:schemeClr>
-          </a:solidFill>
-        </p:spPr>
+        <p:spPr/>
         <p:txBody>
-          <a:bodyPr vert="horz" lIns="365760" tIns="365760" rIns="365760" bIns="365760" rtlCol="0" anchor="t">
-            <a:noAutofit/>
-          </a:bodyPr>
+          <a:bodyPr/>
           <a:lstStyle/>
           <a:p>
-            <a:r>
-              <a:rPr lang="en-US" dirty="0"/>
-              <a:t>Strong market presence</a:t>
-            </a:r>
-          </a:p>
-          <a:p>
-            <a:r>
-              <a:rPr lang="en-US" dirty="0"/>
-              <a:t>Positioned as a market leader</a:t>
-            </a:r>
-          </a:p>
-          <a:p>
-            <a:r>
-              <a:rPr lang="en-US" dirty="0"/>
-              <a:t>Leveraging a robust infrastructure</a:t>
-            </a:r>
-          </a:p>
-          <a:p>
-            <a:r>
-              <a:rPr lang="en-US" dirty="0"/>
-              <a:t>Dedicated team of experts</a:t>
-            </a:r>
-          </a:p>
-          <a:p>
-            <a:r>
-              <a:rPr lang="en-US" dirty="0"/>
-              <a:t>Outperforming competitors</a:t>
-            </a:r>
-          </a:p>
-          <a:p>
-            <a:r>
-              <a:rPr lang="en-US" dirty="0"/>
-              <a:t>Good brand name recognition</a:t>
-            </a:r>
+            <a:endParaRPr lang="en-US"/>
           </a:p>
         </p:txBody>
       </p:sp>
@@ -18583,7 +15775,7 @@
           <p:cNvPr id="4" name="Content Placeholder 3">
             <a:extLst>
               <a:ext uri="{FF2B5EF4-FFF2-40B4-BE49-F238E27FC236}">
-                <a16:creationId xmlns:a16="http://schemas.microsoft.com/office/drawing/2014/main" id="{ACFBB810-3430-2C29-1AA0-9744AA0A1AA3}"/>
+                <a16:creationId xmlns:a16="http://schemas.microsoft.com/office/drawing/2014/main" id="{11A8BEC6-77D5-7B3C-DAA6-BBA3BB7EC0D9}"/>
               </a:ext>
             </a:extLst>
           </p:cNvPr>
@@ -18594,74 +15786,19 @@
             <p:ph sz="half" idx="2"/>
           </p:nvPr>
         </p:nvSpPr>
-        <p:spPr>
-          <a:xfrm>
-            <a:off x="6309360" y="2377440"/>
-            <a:ext cx="4663440" cy="3566160"/>
-          </a:xfrm>
-          <a:solidFill>
-            <a:schemeClr val="accent1">
-              <a:lumMod val="20000"/>
-              <a:lumOff val="80000"/>
-            </a:schemeClr>
-          </a:solidFill>
-        </p:spPr>
+        <p:spPr/>
         <p:txBody>
-          <a:bodyPr vert="horz" lIns="365760" tIns="365760" rIns="365760" bIns="365760" rtlCol="0" anchor="t">
-            <a:noAutofit/>
-          </a:bodyPr>
+          <a:bodyPr/>
           <a:lstStyle/>
           <a:p>
-            <a:pPr marL="0" indent="0">
-              <a:buNone/>
-            </a:pPr>
-            <a:r>
-              <a:rPr lang="en-US" dirty="0"/>
-              <a:t>Need:</a:t>
-            </a:r>
-          </a:p>
-          <a:p>
-            <a:r>
-              <a:rPr lang="en-US" dirty="0"/>
-              <a:t>More agility and adaptability</a:t>
-            </a:r>
-          </a:p>
-          <a:p>
-            <a:r>
-              <a:rPr lang="en-US" dirty="0"/>
-              <a:t>Stronger competitive edge</a:t>
-            </a:r>
-          </a:p>
-          <a:p>
-            <a:r>
-              <a:rPr lang="en-US" dirty="0"/>
-              <a:t>Ability to adapt swiftly</a:t>
-            </a:r>
-          </a:p>
-          <a:p>
-            <a:r>
-              <a:rPr lang="en-US" dirty="0"/>
-              <a:t>Stay ahead of the curve</a:t>
-            </a:r>
-          </a:p>
-          <a:p>
-            <a:r>
-              <a:rPr lang="en-US" dirty="0"/>
-              <a:t>Continuously improve offerings</a:t>
-            </a:r>
-          </a:p>
-          <a:p>
-            <a:r>
-              <a:rPr lang="en-US" dirty="0"/>
-              <a:t>Integrate user feedback</a:t>
-            </a:r>
+            <a:endParaRPr lang="en-US"/>
           </a:p>
         </p:txBody>
       </p:sp>
     </p:spTree>
     <p:extLst>
       <p:ext uri="{BB962C8B-B14F-4D97-AF65-F5344CB8AC3E}">
-        <p14:creationId xmlns:p14="http://schemas.microsoft.com/office/powerpoint/2010/main" val="837402205"/>
+        <p14:creationId xmlns:p14="http://schemas.microsoft.com/office/powerpoint/2010/main" val="3847604931"/>
       </p:ext>
     </p:extLst>
   </p:cSld>
@@ -18676,7 +15813,13 @@
   <p:cSld>
     <p:spTree>
       <p:nvGrpSpPr>
-        <p:cNvPr id="1" name=""/>
+        <p:cNvPr id="1" name="">
+          <a:extLst>
+            <a:ext uri="{FF2B5EF4-FFF2-40B4-BE49-F238E27FC236}">
+              <a16:creationId xmlns:a16="http://schemas.microsoft.com/office/drawing/2014/main" id="{9F6992F8-2877-D699-CC7C-AC36295323ED}"/>
+            </a:ext>
+          </a:extLst>
+        </p:cNvPr>
         <p:cNvGrpSpPr/>
         <p:nvPr/>
       </p:nvGrpSpPr>
@@ -18693,7 +15836,7 @@
           <p:cNvPr id="2" name="Title 1">
             <a:extLst>
               <a:ext uri="{FF2B5EF4-FFF2-40B4-BE49-F238E27FC236}">
-                <a16:creationId xmlns:a16="http://schemas.microsoft.com/office/drawing/2014/main" id="{314C27C8-165C-5513-DB4B-9D840097C545}"/>
+                <a16:creationId xmlns:a16="http://schemas.microsoft.com/office/drawing/2014/main" id="{91573243-C03D-E207-D708-78817A784907}"/>
               </a:ext>
             </a:extLst>
           </p:cNvPr>
@@ -18704,20 +15847,14 @@
             <p:ph type="title"/>
           </p:nvPr>
         </p:nvSpPr>
-        <p:spPr>
-          <a:xfrm>
-            <a:off x="1280160" y="1097280"/>
-            <a:ext cx="5029200" cy="1828800"/>
-          </a:xfrm>
-          <a:noFill/>
-        </p:spPr>
+        <p:spPr/>
         <p:txBody>
-          <a:bodyPr anchor="t" anchorCtr="0"/>
+          <a:bodyPr/>
           <a:lstStyle/>
           <a:p>
             <a:r>
               <a:rPr lang="en-US" dirty="0"/>
-              <a:t>Growth strategy</a:t>
+              <a:t>Nonparametric approach (model 3)</a:t>
             </a:r>
           </a:p>
         </p:txBody>
@@ -18727,7 +15864,7 @@
           <p:cNvPr id="3" name="Content Placeholder 2">
             <a:extLst>
               <a:ext uri="{FF2B5EF4-FFF2-40B4-BE49-F238E27FC236}">
-                <a16:creationId xmlns:a16="http://schemas.microsoft.com/office/drawing/2014/main" id="{FACE640F-7F5A-BDB7-205D-765FA80B6796}"/>
+                <a16:creationId xmlns:a16="http://schemas.microsoft.com/office/drawing/2014/main" id="{86F6DAB2-594E-0692-75F1-CA91087982D2}"/>
               </a:ext>
             </a:extLst>
           </p:cNvPr>
@@ -18738,73 +15875,44 @@
             <p:ph sz="half" idx="1"/>
           </p:nvPr>
         </p:nvSpPr>
-        <p:spPr>
-          <a:xfrm>
-            <a:off x="6784848" y="1097280"/>
-            <a:ext cx="4572000" cy="1828800"/>
-          </a:xfrm>
-          <a:noFill/>
-        </p:spPr>
+        <p:spPr/>
         <p:txBody>
-          <a:bodyPr>
-            <a:noAutofit/>
-          </a:bodyPr>
+          <a:bodyPr/>
           <a:lstStyle/>
           <a:p>
-            <a:r>
-              <a:rPr lang="en-US" dirty="0"/>
-              <a:t>Expand market reach through strategic partnerships</a:t>
-            </a:r>
-          </a:p>
-          <a:p>
-            <a:r>
-              <a:rPr lang="en-US" dirty="0"/>
-              <a:t>Enhance product features based on user feedback</a:t>
-            </a:r>
-          </a:p>
-          <a:p>
-            <a:r>
-              <a:rPr lang="en-US" dirty="0"/>
-              <a:t>Explore international market opportunities</a:t>
-            </a:r>
+            <a:endParaRPr lang="en-US"/>
           </a:p>
         </p:txBody>
       </p:sp>
-      <p:graphicFrame>
-        <p:nvGraphicFramePr>
-          <p:cNvPr id="5" name="Content Placeholder 4" descr="Basic timeline SmartArt graphic">
+      <p:sp>
+        <p:nvSpPr>
+          <p:cNvPr id="4" name="Content Placeholder 3">
             <a:extLst>
               <a:ext uri="{FF2B5EF4-FFF2-40B4-BE49-F238E27FC236}">
-                <a16:creationId xmlns:a16="http://schemas.microsoft.com/office/drawing/2014/main" id="{2DA25F38-CDC8-7982-99AE-8D5A8ECABC85}"/>
+                <a16:creationId xmlns:a16="http://schemas.microsoft.com/office/drawing/2014/main" id="{AF37F4DD-BE28-D62F-E24B-D94B528297D8}"/>
               </a:ext>
             </a:extLst>
           </p:cNvPr>
-          <p:cNvGraphicFramePr>
-            <a:graphicFrameLocks noGrp="1"/>
-          </p:cNvGraphicFramePr>
+          <p:cNvSpPr>
+            <a:spLocks noGrp="1"/>
+          </p:cNvSpPr>
           <p:nvPr>
             <p:ph sz="half" idx="2"/>
-            <p:extLst>
-              <p:ext uri="{D42A27DB-BD31-4B8C-83A1-F6EECF244321}">
-                <p14:modId xmlns:p14="http://schemas.microsoft.com/office/powerpoint/2010/main" val="4243408372"/>
-              </p:ext>
-            </p:extLst>
           </p:nvPr>
-        </p:nvGraphicFramePr>
-        <p:xfrm>
-          <a:off x="1279525" y="3173413"/>
-          <a:ext cx="10077450" cy="3108325"/>
-        </p:xfrm>
-        <a:graphic>
-          <a:graphicData uri="http://schemas.openxmlformats.org/drawingml/2006/diagram">
-            <dgm:relIds xmlns:dgm="http://schemas.openxmlformats.org/drawingml/2006/diagram" xmlns:r="http://schemas.openxmlformats.org/officeDocument/2006/relationships" r:dm="rId2" r:lo="rId3" r:qs="rId4" r:cs="rId5"/>
-          </a:graphicData>
-        </a:graphic>
-      </p:graphicFrame>
+        </p:nvSpPr>
+        <p:spPr/>
+        <p:txBody>
+          <a:bodyPr/>
+          <a:lstStyle/>
+          <a:p>
+            <a:endParaRPr lang="en-US"/>
+          </a:p>
+        </p:txBody>
+      </p:sp>
     </p:spTree>
     <p:extLst>
       <p:ext uri="{BB962C8B-B14F-4D97-AF65-F5344CB8AC3E}">
-        <p14:creationId xmlns:p14="http://schemas.microsoft.com/office/powerpoint/2010/main" val="729609147"/>
+        <p14:creationId xmlns:p14="http://schemas.microsoft.com/office/powerpoint/2010/main" val="1112834564"/>
       </p:ext>
     </p:extLst>
   </p:cSld>
